--- a/Lecture/Programming 4/Programming_4_Lecture.pptx
+++ b/Lecture/Programming 4/Programming_4_Lecture.pptx
@@ -6,24 +6,27 @@
     <p:sldMasterId id="2147483676" r:id="rId2"/>
   </p:sldMasterIdLst>
   <p:notesMasterIdLst>
-    <p:notesMasterId r:id="rId10"/>
+    <p:notesMasterId r:id="rId13"/>
   </p:notesMasterIdLst>
   <p:handoutMasterIdLst>
-    <p:handoutMasterId r:id="rId11"/>
+    <p:handoutMasterId r:id="rId14"/>
   </p:handoutMasterIdLst>
   <p:sldIdLst>
     <p:sldId id="320" r:id="rId3"/>
     <p:sldId id="399" r:id="rId4"/>
-    <p:sldId id="400" r:id="rId5"/>
-    <p:sldId id="401" r:id="rId6"/>
-    <p:sldId id="403" r:id="rId7"/>
-    <p:sldId id="402" r:id="rId8"/>
-    <p:sldId id="329" r:id="rId9"/>
+    <p:sldId id="404" r:id="rId5"/>
+    <p:sldId id="400" r:id="rId6"/>
+    <p:sldId id="405" r:id="rId7"/>
+    <p:sldId id="406" r:id="rId8"/>
+    <p:sldId id="401" r:id="rId9"/>
+    <p:sldId id="403" r:id="rId10"/>
+    <p:sldId id="402" r:id="rId11"/>
+    <p:sldId id="329" r:id="rId12"/>
   </p:sldIdLst>
   <p:sldSz cx="9144000" cy="6858000" type="screen4x3"/>
   <p:notesSz cx="6858000" cy="9144000"/>
   <p:custDataLst>
-    <p:tags r:id="rId12"/>
+    <p:tags r:id="rId15"/>
   </p:custDataLst>
   <p:defaultTextStyle>
     <a:defPPr>
@@ -294,7 +297,7 @@
               <a:pPr>
                 <a:defRPr/>
               </a:pPr>
-              <a:t>10/20/2018</a:t>
+              <a:t>10/12/2020</a:t>
             </a:fld>
             <a:endParaRPr lang="en-US" dirty="0"/>
           </a:p>
@@ -506,7 +509,7 @@
               <a:pPr>
                 <a:defRPr/>
               </a:pPr>
-              <a:t>10/20/2018</a:t>
+              <a:t>10/12/2020</a:t>
             </a:fld>
             <a:endParaRPr lang="en-US" dirty="0"/>
           </a:p>
@@ -1025,7 +1028,7 @@
               <a:pPr>
                 <a:defRPr/>
               </a:pPr>
-              <a:t>10/20/2018</a:t>
+              <a:t>10/12/2020</a:t>
             </a:fld>
             <a:endParaRPr lang="en-US" dirty="0"/>
           </a:p>
@@ -1215,7 +1218,7 @@
               <a:pPr>
                 <a:defRPr/>
               </a:pPr>
-              <a:t>10/20/2018</a:t>
+              <a:t>10/12/2020</a:t>
             </a:fld>
             <a:endParaRPr lang="en-US" dirty="0"/>
           </a:p>
@@ -1415,7 +1418,7 @@
               <a:pPr>
                 <a:defRPr/>
               </a:pPr>
-              <a:t>10/20/2018</a:t>
+              <a:t>10/12/2020</a:t>
             </a:fld>
             <a:endParaRPr lang="en-US" dirty="0"/>
           </a:p>
@@ -1683,7 +1686,7 @@
               <a:pPr>
                 <a:defRPr/>
               </a:pPr>
-              <a:t>10/20/2018</a:t>
+              <a:t>10/12/2020</a:t>
             </a:fld>
             <a:endParaRPr lang="en-US" dirty="0">
               <a:solidFill>
@@ -1897,7 +1900,7 @@
               <a:pPr>
                 <a:defRPr/>
               </a:pPr>
-              <a:t>10/20/2018</a:t>
+              <a:t>10/12/2020</a:t>
             </a:fld>
             <a:endParaRPr lang="en-US" dirty="0">
               <a:solidFill>
@@ -2188,7 +2191,7 @@
               <a:pPr>
                 <a:defRPr/>
               </a:pPr>
-              <a:t>10/20/2018</a:t>
+              <a:t>10/12/2020</a:t>
             </a:fld>
             <a:endParaRPr lang="en-US" dirty="0">
               <a:solidFill>
@@ -2519,7 +2522,7 @@
               <a:pPr>
                 <a:defRPr/>
               </a:pPr>
-              <a:t>10/20/2018</a:t>
+              <a:t>10/12/2020</a:t>
             </a:fld>
             <a:endParaRPr lang="en-US" dirty="0">
               <a:solidFill>
@@ -2984,7 +2987,7 @@
               <a:pPr>
                 <a:defRPr/>
               </a:pPr>
-              <a:t>10/20/2018</a:t>
+              <a:t>10/12/2020</a:t>
             </a:fld>
             <a:endParaRPr lang="en-US" dirty="0">
               <a:solidFill>
@@ -3147,7 +3150,7 @@
               <a:pPr>
                 <a:defRPr/>
               </a:pPr>
-              <a:t>10/20/2018</a:t>
+              <a:t>10/12/2020</a:t>
             </a:fld>
             <a:endParaRPr lang="en-US" dirty="0">
               <a:solidFill>
@@ -3288,7 +3291,7 @@
               <a:pPr>
                 <a:defRPr/>
               </a:pPr>
-              <a:t>10/20/2018</a:t>
+              <a:t>10/12/2020</a:t>
             </a:fld>
             <a:endParaRPr lang="en-US" dirty="0">
               <a:solidFill>
@@ -3609,7 +3612,7 @@
               <a:pPr>
                 <a:defRPr/>
               </a:pPr>
-              <a:t>10/20/2018</a:t>
+              <a:t>10/12/2020</a:t>
             </a:fld>
             <a:endParaRPr lang="en-US" dirty="0">
               <a:solidFill>
@@ -3817,7 +3820,7 @@
               <a:pPr>
                 <a:defRPr/>
               </a:pPr>
-              <a:t>10/20/2018</a:t>
+              <a:t>10/12/2020</a:t>
             </a:fld>
             <a:endParaRPr lang="en-US" dirty="0"/>
           </a:p>
@@ -4100,7 +4103,7 @@
               <a:pPr>
                 <a:defRPr/>
               </a:pPr>
-              <a:t>10/20/2018</a:t>
+              <a:t>10/12/2020</a:t>
             </a:fld>
             <a:endParaRPr lang="en-US" dirty="0">
               <a:solidFill>
@@ -4314,7 +4317,7 @@
               <a:pPr>
                 <a:defRPr/>
               </a:pPr>
-              <a:t>10/20/2018</a:t>
+              <a:t>10/12/2020</a:t>
             </a:fld>
             <a:endParaRPr lang="en-US" dirty="0">
               <a:solidFill>
@@ -4538,7 +4541,7 @@
               <a:pPr>
                 <a:defRPr/>
               </a:pPr>
-              <a:t>10/20/2018</a:t>
+              <a:t>10/12/2020</a:t>
             </a:fld>
             <a:endParaRPr lang="en-US" dirty="0">
               <a:solidFill>
@@ -4748,7 +4751,7 @@
               <a:pPr>
                 <a:defRPr/>
               </a:pPr>
-              <a:t>10/20/2018</a:t>
+              <a:t>10/12/2020</a:t>
             </a:fld>
             <a:endParaRPr lang="en-US" dirty="0">
               <a:solidFill>
@@ -5025,7 +5028,7 @@
               <a:pPr>
                 <a:defRPr/>
               </a:pPr>
-              <a:t>10/20/2018</a:t>
+              <a:t>10/12/2020</a:t>
             </a:fld>
             <a:endParaRPr lang="en-US" dirty="0"/>
           </a:p>
@@ -5332,7 +5335,7 @@
               <a:pPr>
                 <a:defRPr/>
               </a:pPr>
-              <a:t>10/20/2018</a:t>
+              <a:t>10/12/2020</a:t>
             </a:fld>
             <a:endParaRPr lang="en-US" dirty="0"/>
           </a:p>
@@ -5773,7 +5776,7 @@
               <a:pPr>
                 <a:defRPr/>
               </a:pPr>
-              <a:t>10/20/2018</a:t>
+              <a:t>10/12/2020</a:t>
             </a:fld>
             <a:endParaRPr lang="en-US" dirty="0"/>
           </a:p>
@@ -5912,7 +5915,7 @@
               <a:pPr>
                 <a:defRPr/>
               </a:pPr>
-              <a:t>10/20/2018</a:t>
+              <a:t>10/12/2020</a:t>
             </a:fld>
             <a:endParaRPr lang="en-US" dirty="0"/>
           </a:p>
@@ -6029,7 +6032,7 @@
               <a:pPr>
                 <a:defRPr/>
               </a:pPr>
-              <a:t>10/20/2018</a:t>
+              <a:t>10/12/2020</a:t>
             </a:fld>
             <a:endParaRPr lang="en-US" dirty="0"/>
           </a:p>
@@ -6326,7 +6329,7 @@
               <a:pPr>
                 <a:defRPr/>
               </a:pPr>
-              <a:t>10/20/2018</a:t>
+              <a:t>10/12/2020</a:t>
             </a:fld>
             <a:endParaRPr lang="en-US" dirty="0"/>
           </a:p>
@@ -6603,7 +6606,7 @@
               <a:pPr>
                 <a:defRPr/>
               </a:pPr>
-              <a:t>10/20/2018</a:t>
+              <a:t>10/12/2020</a:t>
             </a:fld>
             <a:endParaRPr lang="en-US" dirty="0"/>
           </a:p>
@@ -6860,7 +6863,7 @@
               <a:pPr>
                 <a:defRPr/>
               </a:pPr>
-              <a:t>10/20/2018</a:t>
+              <a:t>10/12/2020</a:t>
             </a:fld>
             <a:endParaRPr lang="en-US" dirty="0"/>
           </a:p>
@@ -7570,7 +7573,7 @@
               <a:pPr>
                 <a:defRPr/>
               </a:pPr>
-              <a:t>10/20/2018</a:t>
+              <a:t>10/12/2020</a:t>
             </a:fld>
             <a:endParaRPr lang="en-US" dirty="0">
               <a:solidFill>
@@ -8454,7 +8457,7 @@
 </p:sld>
 </file>
 
-<file path=ppt/slides/slide2.xml><?xml version="1.0" encoding="utf-8"?>
+<file path=ppt/slides/slide10.xml><?xml version="1.0" encoding="utf-8"?>
 <p:sld xmlns:a="http://schemas.openxmlformats.org/drawingml/2006/main" xmlns:r="http://schemas.openxmlformats.org/officeDocument/2006/relationships" xmlns:p="http://schemas.openxmlformats.org/presentationml/2006/main">
   <p:cSld>
     <p:bg>
@@ -8540,37 +8543,8 @@
           <a:bodyPr rtlCol="0" anchor="ctr"/>
           <a:lstStyle/>
           <a:p>
-            <a:pPr marL="0" marR="0" lvl="0" indent="0" algn="ctr" defTabSz="457200" rtl="0" eaLnBrk="1" fontAlgn="base" latinLnBrk="0" hangingPunct="1">
-              <a:lnSpc>
-                <a:spcPct val="100000"/>
-              </a:lnSpc>
-              <a:spcBef>
-                <a:spcPct val="0"/>
-              </a:spcBef>
-              <a:spcAft>
-                <a:spcPct val="0"/>
-              </a:spcAft>
-              <a:buClrTx/>
-              <a:buSzTx/>
-              <a:buFontTx/>
-              <a:buNone/>
-              <a:tabLst/>
-              <a:defRPr/>
-            </a:pPr>
-            <a:endParaRPr kumimoji="0" lang="en-US" sz="2400" b="0" i="0" u="none" strike="noStrike" kern="1200" cap="none" spc="0" normalizeH="0" baseline="0" noProof="0">
-              <a:ln>
-                <a:noFill/>
-              </a:ln>
-              <a:solidFill>
-                <a:prstClr val="white"/>
-              </a:solidFill>
-              <a:effectLst/>
-              <a:uLnTx/>
-              <a:uFillTx/>
-              <a:latin typeface="Calibri"/>
-              <a:ea typeface="+mn-ea"/>
-              <a:cs typeface="+mn-cs"/>
-            </a:endParaRPr>
+            <a:pPr algn="ctr"/>
+            <a:endParaRPr lang="en-US"/>
           </a:p>
         </p:txBody>
       </p:sp>
@@ -8608,7 +8582,7 @@
               </a:lnSpc>
             </a:pPr>
             <a:r>
-              <a:rPr lang="en-US" sz="2400" kern="1200" dirty="0">
+              <a:rPr lang="en-US" sz="2400" kern="1200">
                 <a:solidFill>
                   <a:schemeClr val="bg1"/>
                 </a:solidFill>
@@ -8616,29 +8590,16 @@
                 <a:ea typeface="+mj-ea"/>
                 <a:cs typeface="+mj-cs"/>
               </a:rPr>
-              <a:t>Statistical Programming</a:t>
-            </a:r>
-            <a:br>
-              <a:rPr lang="en-US" sz="2400" kern="1200" dirty="0">
-                <a:solidFill>
-                  <a:schemeClr val="bg1"/>
-                </a:solidFill>
-                <a:latin typeface="+mj-lt"/>
-                <a:ea typeface="+mj-ea"/>
-                <a:cs typeface="+mj-cs"/>
-              </a:rPr>
-            </a:br>
-            <a:r>
-              <a:rPr lang="en-US" sz="2400" kern="1200" dirty="0">
-                <a:solidFill>
-                  <a:schemeClr val="bg1"/>
-                </a:solidFill>
-                <a:latin typeface="+mj-lt"/>
-                <a:ea typeface="+mj-ea"/>
-                <a:cs typeface="+mj-cs"/>
-              </a:rPr>
-              <a:t>Assignment</a:t>
-            </a:r>
+              <a:t>Closing</a:t>
+            </a:r>
+            <a:endParaRPr lang="en-US" sz="2400" kern="1200" dirty="0">
+              <a:solidFill>
+                <a:schemeClr val="bg1"/>
+              </a:solidFill>
+              <a:latin typeface="+mj-lt"/>
+              <a:ea typeface="+mj-ea"/>
+              <a:cs typeface="+mj-cs"/>
+            </a:endParaRPr>
           </a:p>
         </p:txBody>
       </p:sp>
@@ -8674,6 +8635,722 @@
       </p:pic>
       <p:sp>
         <p:nvSpPr>
+          <p:cNvPr id="7" name="Content Placeholder 2">
+            <a:extLst>
+              <a:ext uri="{FF2B5EF4-FFF2-40B4-BE49-F238E27FC236}">
+                <a16:creationId xmlns:a16="http://schemas.microsoft.com/office/drawing/2014/main" id="{8FE51533-15BE-453E-90FE-08298901BC34}"/>
+              </a:ext>
+            </a:extLst>
+          </p:cNvPr>
+          <p:cNvSpPr txBox="1">
+            <a:spLocks/>
+          </p:cNvSpPr>
+          <p:nvPr/>
+        </p:nvSpPr>
+        <p:spPr bwMode="auto">
+          <a:xfrm>
+            <a:off x="3810000" y="643466"/>
+            <a:ext cx="4851400" cy="5833533"/>
+          </a:xfrm>
+          <a:prstGeom prst="rect">
+            <a:avLst/>
+          </a:prstGeom>
+        </p:spPr>
+        <p:txBody>
+          <a:bodyPr vert="horz" lIns="91440" tIns="45720" rIns="91440" bIns="45720" numCol="1" rtlCol="0" anchorCtr="0" compatLnSpc="1">
+            <a:prstTxWarp prst="textNoShape">
+              <a:avLst/>
+            </a:prstTxWarp>
+            <a:noAutofit/>
+          </a:bodyPr>
+          <a:lstStyle>
+            <a:lvl1pPr marL="342900" indent="-342900" algn="l" defTabSz="457200" rtl="0" eaLnBrk="0" fontAlgn="base" hangingPunct="0">
+              <a:spcBef>
+                <a:spcPct val="20000"/>
+              </a:spcBef>
+              <a:spcAft>
+                <a:spcPct val="0"/>
+              </a:spcAft>
+              <a:buFont typeface="Arial" charset="0"/>
+              <a:buChar char="•"/>
+              <a:defRPr sz="3200" kern="1200">
+                <a:solidFill>
+                  <a:schemeClr val="tx1"/>
+                </a:solidFill>
+                <a:latin typeface="+mn-lt"/>
+                <a:ea typeface="ＭＳ Ｐゴシック" pitchFamily="-109" charset="-128"/>
+                <a:cs typeface="ＭＳ Ｐゴシック" pitchFamily="-109" charset="-128"/>
+              </a:defRPr>
+            </a:lvl1pPr>
+            <a:lvl2pPr marL="742950" indent="-285750" algn="l" defTabSz="457200" rtl="0" eaLnBrk="0" fontAlgn="base" hangingPunct="0">
+              <a:spcBef>
+                <a:spcPct val="20000"/>
+              </a:spcBef>
+              <a:spcAft>
+                <a:spcPct val="0"/>
+              </a:spcAft>
+              <a:buFont typeface="Arial" charset="0"/>
+              <a:buChar char="–"/>
+              <a:defRPr sz="2800" kern="1200">
+                <a:solidFill>
+                  <a:schemeClr val="tx1"/>
+                </a:solidFill>
+                <a:latin typeface="+mn-lt"/>
+                <a:ea typeface="ＭＳ Ｐゴシック" pitchFamily="-109" charset="-128"/>
+                <a:cs typeface="+mn-cs"/>
+              </a:defRPr>
+            </a:lvl2pPr>
+            <a:lvl3pPr marL="1143000" indent="-228600" algn="l" defTabSz="457200" rtl="0" eaLnBrk="0" fontAlgn="base" hangingPunct="0">
+              <a:spcBef>
+                <a:spcPct val="20000"/>
+              </a:spcBef>
+              <a:spcAft>
+                <a:spcPct val="0"/>
+              </a:spcAft>
+              <a:buFont typeface="Arial" charset="0"/>
+              <a:buChar char="•"/>
+              <a:defRPr sz="2400" kern="1200">
+                <a:solidFill>
+                  <a:schemeClr val="tx1"/>
+                </a:solidFill>
+                <a:latin typeface="+mn-lt"/>
+                <a:ea typeface="ＭＳ Ｐゴシック" pitchFamily="-109" charset="-128"/>
+                <a:cs typeface="+mn-cs"/>
+              </a:defRPr>
+            </a:lvl3pPr>
+            <a:lvl4pPr marL="1600200" indent="-228600" algn="l" defTabSz="457200" rtl="0" eaLnBrk="0" fontAlgn="base" hangingPunct="0">
+              <a:spcBef>
+                <a:spcPct val="20000"/>
+              </a:spcBef>
+              <a:spcAft>
+                <a:spcPct val="0"/>
+              </a:spcAft>
+              <a:buFont typeface="Arial" charset="0"/>
+              <a:buChar char="–"/>
+              <a:defRPr sz="2000" kern="1200">
+                <a:solidFill>
+                  <a:schemeClr val="tx1"/>
+                </a:solidFill>
+                <a:latin typeface="+mn-lt"/>
+                <a:ea typeface="ＭＳ Ｐゴシック" pitchFamily="-109" charset="-128"/>
+                <a:cs typeface="+mn-cs"/>
+              </a:defRPr>
+            </a:lvl4pPr>
+            <a:lvl5pPr marL="2057400" indent="-228600" algn="l" defTabSz="457200" rtl="0" eaLnBrk="0" fontAlgn="base" hangingPunct="0">
+              <a:spcBef>
+                <a:spcPct val="20000"/>
+              </a:spcBef>
+              <a:spcAft>
+                <a:spcPct val="0"/>
+              </a:spcAft>
+              <a:buFont typeface="Arial" charset="0"/>
+              <a:buChar char="»"/>
+              <a:defRPr sz="2000" kern="1200">
+                <a:solidFill>
+                  <a:schemeClr val="tx1"/>
+                </a:solidFill>
+                <a:latin typeface="+mn-lt"/>
+                <a:ea typeface="ＭＳ Ｐゴシック" pitchFamily="-109" charset="-128"/>
+                <a:cs typeface="+mn-cs"/>
+              </a:defRPr>
+            </a:lvl5pPr>
+            <a:lvl6pPr marL="2514600" indent="-228600" algn="l" defTabSz="457200" rtl="0" eaLnBrk="1" latinLnBrk="0" hangingPunct="1">
+              <a:spcBef>
+                <a:spcPct val="20000"/>
+              </a:spcBef>
+              <a:buFont typeface="Arial"/>
+              <a:buChar char="•"/>
+              <a:defRPr sz="2000" kern="1200">
+                <a:solidFill>
+                  <a:schemeClr val="tx1"/>
+                </a:solidFill>
+                <a:latin typeface="+mn-lt"/>
+                <a:ea typeface="+mn-ea"/>
+                <a:cs typeface="+mn-cs"/>
+              </a:defRPr>
+            </a:lvl6pPr>
+            <a:lvl7pPr marL="2971800" indent="-228600" algn="l" defTabSz="457200" rtl="0" eaLnBrk="1" latinLnBrk="0" hangingPunct="1">
+              <a:spcBef>
+                <a:spcPct val="20000"/>
+              </a:spcBef>
+              <a:buFont typeface="Arial"/>
+              <a:buChar char="•"/>
+              <a:defRPr sz="2000" kern="1200">
+                <a:solidFill>
+                  <a:schemeClr val="tx1"/>
+                </a:solidFill>
+                <a:latin typeface="+mn-lt"/>
+                <a:ea typeface="+mn-ea"/>
+                <a:cs typeface="+mn-cs"/>
+              </a:defRPr>
+            </a:lvl7pPr>
+            <a:lvl8pPr marL="3429000" indent="-228600" algn="l" defTabSz="457200" rtl="0" eaLnBrk="1" latinLnBrk="0" hangingPunct="1">
+              <a:spcBef>
+                <a:spcPct val="20000"/>
+              </a:spcBef>
+              <a:buFont typeface="Arial"/>
+              <a:buChar char="•"/>
+              <a:defRPr sz="2000" kern="1200">
+                <a:solidFill>
+                  <a:schemeClr val="tx1"/>
+                </a:solidFill>
+                <a:latin typeface="+mn-lt"/>
+                <a:ea typeface="+mn-ea"/>
+                <a:cs typeface="+mn-cs"/>
+              </a:defRPr>
+            </a:lvl8pPr>
+            <a:lvl9pPr marL="3886200" indent="-228600" algn="l" defTabSz="457200" rtl="0" eaLnBrk="1" latinLnBrk="0" hangingPunct="1">
+              <a:spcBef>
+                <a:spcPct val="20000"/>
+              </a:spcBef>
+              <a:buFont typeface="Arial"/>
+              <a:buChar char="•"/>
+              <a:defRPr sz="2000" kern="1200">
+                <a:solidFill>
+                  <a:schemeClr val="tx1"/>
+                </a:solidFill>
+                <a:latin typeface="+mn-lt"/>
+                <a:ea typeface="+mn-ea"/>
+                <a:cs typeface="+mn-cs"/>
+              </a:defRPr>
+            </a:lvl9pPr>
+          </a:lstStyle>
+          <a:p>
+            <a:pPr indent="-228600" defTabSz="914400" eaLnBrk="1" hangingPunct="1">
+              <a:lnSpc>
+                <a:spcPct val="90000"/>
+              </a:lnSpc>
+              <a:buFont typeface="Arial" panose="020B0604020202020204" pitchFamily="34" charset="0"/>
+              <a:buChar char="•"/>
+            </a:pPr>
+            <a:endParaRPr lang="en-US" sz="2000" dirty="0">
+              <a:solidFill>
+                <a:srgbClr val="404040"/>
+              </a:solidFill>
+              <a:ea typeface="+mn-ea"/>
+              <a:cs typeface="+mn-cs"/>
+            </a:endParaRPr>
+          </a:p>
+          <a:p>
+            <a:pPr indent="-228600" defTabSz="914400" eaLnBrk="1" hangingPunct="1">
+              <a:lnSpc>
+                <a:spcPct val="90000"/>
+              </a:lnSpc>
+              <a:buFont typeface="Arial" panose="020B0604020202020204" pitchFamily="34" charset="0"/>
+              <a:buChar char="•"/>
+            </a:pPr>
+            <a:endParaRPr lang="en-US" sz="2000" dirty="0">
+              <a:solidFill>
+                <a:srgbClr val="404040"/>
+              </a:solidFill>
+              <a:ea typeface="+mn-ea"/>
+              <a:cs typeface="+mn-cs"/>
+            </a:endParaRPr>
+          </a:p>
+        </p:txBody>
+      </p:sp>
+      <p:sp>
+        <p:nvSpPr>
+          <p:cNvPr id="10" name="Content Placeholder 2">
+            <a:extLst>
+              <a:ext uri="{FF2B5EF4-FFF2-40B4-BE49-F238E27FC236}">
+                <a16:creationId xmlns:a16="http://schemas.microsoft.com/office/drawing/2014/main" id="{10754C74-871F-42E2-A79F-10B9CCA16CD5}"/>
+              </a:ext>
+            </a:extLst>
+          </p:cNvPr>
+          <p:cNvSpPr txBox="1">
+            <a:spLocks/>
+          </p:cNvSpPr>
+          <p:nvPr/>
+        </p:nvSpPr>
+        <p:spPr bwMode="auto">
+          <a:xfrm>
+            <a:off x="3973322" y="643466"/>
+            <a:ext cx="4851400" cy="5953916"/>
+          </a:xfrm>
+          <a:prstGeom prst="rect">
+            <a:avLst/>
+          </a:prstGeom>
+        </p:spPr>
+        <p:txBody>
+          <a:bodyPr vert="horz" lIns="91440" tIns="45720" rIns="91440" bIns="45720" numCol="1" rtlCol="0" anchorCtr="0" compatLnSpc="1">
+            <a:prstTxWarp prst="textNoShape">
+              <a:avLst/>
+            </a:prstTxWarp>
+            <a:noAutofit/>
+          </a:bodyPr>
+          <a:lstStyle>
+            <a:lvl1pPr marL="342900" indent="-342900" algn="l" defTabSz="457200" rtl="0" eaLnBrk="0" fontAlgn="base" hangingPunct="0">
+              <a:spcBef>
+                <a:spcPct val="20000"/>
+              </a:spcBef>
+              <a:spcAft>
+                <a:spcPct val="0"/>
+              </a:spcAft>
+              <a:buFont typeface="Arial" charset="0"/>
+              <a:buChar char="•"/>
+              <a:defRPr sz="3200" kern="1200">
+                <a:solidFill>
+                  <a:schemeClr val="tx1"/>
+                </a:solidFill>
+                <a:latin typeface="+mn-lt"/>
+                <a:ea typeface="ＭＳ Ｐゴシック" pitchFamily="-109" charset="-128"/>
+                <a:cs typeface="ＭＳ Ｐゴシック" pitchFamily="-109" charset="-128"/>
+              </a:defRPr>
+            </a:lvl1pPr>
+            <a:lvl2pPr marL="742950" indent="-285750" algn="l" defTabSz="457200" rtl="0" eaLnBrk="0" fontAlgn="base" hangingPunct="0">
+              <a:spcBef>
+                <a:spcPct val="20000"/>
+              </a:spcBef>
+              <a:spcAft>
+                <a:spcPct val="0"/>
+              </a:spcAft>
+              <a:buFont typeface="Arial" charset="0"/>
+              <a:buChar char="–"/>
+              <a:defRPr sz="2800" kern="1200">
+                <a:solidFill>
+                  <a:schemeClr val="tx1"/>
+                </a:solidFill>
+                <a:latin typeface="+mn-lt"/>
+                <a:ea typeface="ＭＳ Ｐゴシック" pitchFamily="-109" charset="-128"/>
+                <a:cs typeface="+mn-cs"/>
+              </a:defRPr>
+            </a:lvl2pPr>
+            <a:lvl3pPr marL="1143000" indent="-228600" algn="l" defTabSz="457200" rtl="0" eaLnBrk="0" fontAlgn="base" hangingPunct="0">
+              <a:spcBef>
+                <a:spcPct val="20000"/>
+              </a:spcBef>
+              <a:spcAft>
+                <a:spcPct val="0"/>
+              </a:spcAft>
+              <a:buFont typeface="Arial" charset="0"/>
+              <a:buChar char="•"/>
+              <a:defRPr sz="2400" kern="1200">
+                <a:solidFill>
+                  <a:schemeClr val="tx1"/>
+                </a:solidFill>
+                <a:latin typeface="+mn-lt"/>
+                <a:ea typeface="ＭＳ Ｐゴシック" pitchFamily="-109" charset="-128"/>
+                <a:cs typeface="+mn-cs"/>
+              </a:defRPr>
+            </a:lvl3pPr>
+            <a:lvl4pPr marL="1600200" indent="-228600" algn="l" defTabSz="457200" rtl="0" eaLnBrk="0" fontAlgn="base" hangingPunct="0">
+              <a:spcBef>
+                <a:spcPct val="20000"/>
+              </a:spcBef>
+              <a:spcAft>
+                <a:spcPct val="0"/>
+              </a:spcAft>
+              <a:buFont typeface="Arial" charset="0"/>
+              <a:buChar char="–"/>
+              <a:defRPr sz="2000" kern="1200">
+                <a:solidFill>
+                  <a:schemeClr val="tx1"/>
+                </a:solidFill>
+                <a:latin typeface="+mn-lt"/>
+                <a:ea typeface="ＭＳ Ｐゴシック" pitchFamily="-109" charset="-128"/>
+                <a:cs typeface="+mn-cs"/>
+              </a:defRPr>
+            </a:lvl4pPr>
+            <a:lvl5pPr marL="2057400" indent="-228600" algn="l" defTabSz="457200" rtl="0" eaLnBrk="0" fontAlgn="base" hangingPunct="0">
+              <a:spcBef>
+                <a:spcPct val="20000"/>
+              </a:spcBef>
+              <a:spcAft>
+                <a:spcPct val="0"/>
+              </a:spcAft>
+              <a:buFont typeface="Arial" charset="0"/>
+              <a:buChar char="»"/>
+              <a:defRPr sz="2000" kern="1200">
+                <a:solidFill>
+                  <a:schemeClr val="tx1"/>
+                </a:solidFill>
+                <a:latin typeface="+mn-lt"/>
+                <a:ea typeface="ＭＳ Ｐゴシック" pitchFamily="-109" charset="-128"/>
+                <a:cs typeface="+mn-cs"/>
+              </a:defRPr>
+            </a:lvl5pPr>
+            <a:lvl6pPr marL="2514600" indent="-228600" algn="l" defTabSz="457200" rtl="0" eaLnBrk="1" latinLnBrk="0" hangingPunct="1">
+              <a:spcBef>
+                <a:spcPct val="20000"/>
+              </a:spcBef>
+              <a:buFont typeface="Arial"/>
+              <a:buChar char="•"/>
+              <a:defRPr sz="2000" kern="1200">
+                <a:solidFill>
+                  <a:schemeClr val="tx1"/>
+                </a:solidFill>
+                <a:latin typeface="+mn-lt"/>
+                <a:ea typeface="+mn-ea"/>
+                <a:cs typeface="+mn-cs"/>
+              </a:defRPr>
+            </a:lvl6pPr>
+            <a:lvl7pPr marL="2971800" indent="-228600" algn="l" defTabSz="457200" rtl="0" eaLnBrk="1" latinLnBrk="0" hangingPunct="1">
+              <a:spcBef>
+                <a:spcPct val="20000"/>
+              </a:spcBef>
+              <a:buFont typeface="Arial"/>
+              <a:buChar char="•"/>
+              <a:defRPr sz="2000" kern="1200">
+                <a:solidFill>
+                  <a:schemeClr val="tx1"/>
+                </a:solidFill>
+                <a:latin typeface="+mn-lt"/>
+                <a:ea typeface="+mn-ea"/>
+                <a:cs typeface="+mn-cs"/>
+              </a:defRPr>
+            </a:lvl7pPr>
+            <a:lvl8pPr marL="3429000" indent="-228600" algn="l" defTabSz="457200" rtl="0" eaLnBrk="1" latinLnBrk="0" hangingPunct="1">
+              <a:spcBef>
+                <a:spcPct val="20000"/>
+              </a:spcBef>
+              <a:buFont typeface="Arial"/>
+              <a:buChar char="•"/>
+              <a:defRPr sz="2000" kern="1200">
+                <a:solidFill>
+                  <a:schemeClr val="tx1"/>
+                </a:solidFill>
+                <a:latin typeface="+mn-lt"/>
+                <a:ea typeface="+mn-ea"/>
+                <a:cs typeface="+mn-cs"/>
+              </a:defRPr>
+            </a:lvl8pPr>
+            <a:lvl9pPr marL="3886200" indent="-228600" algn="l" defTabSz="457200" rtl="0" eaLnBrk="1" latinLnBrk="0" hangingPunct="1">
+              <a:spcBef>
+                <a:spcPct val="20000"/>
+              </a:spcBef>
+              <a:buFont typeface="Arial"/>
+              <a:buChar char="•"/>
+              <a:defRPr sz="2000" kern="1200">
+                <a:solidFill>
+                  <a:schemeClr val="tx1"/>
+                </a:solidFill>
+                <a:latin typeface="+mn-lt"/>
+                <a:ea typeface="+mn-ea"/>
+                <a:cs typeface="+mn-cs"/>
+              </a:defRPr>
+            </a:lvl9pPr>
+          </a:lstStyle>
+          <a:p>
+            <a:pPr marL="114300" indent="0" defTabSz="914400" eaLnBrk="1" hangingPunct="1">
+              <a:lnSpc>
+                <a:spcPct val="90000"/>
+              </a:lnSpc>
+              <a:buNone/>
+            </a:pPr>
+            <a:r>
+              <a:rPr lang="en-US" sz="7200" dirty="0">
+                <a:solidFill>
+                  <a:srgbClr val="404040"/>
+                </a:solidFill>
+                <a:ea typeface="+mn-ea"/>
+                <a:cs typeface="+mn-cs"/>
+              </a:rPr>
+              <a:t>Disperse and Make Reasonable Decisions</a:t>
+            </a:r>
+          </a:p>
+          <a:p>
+            <a:pPr indent="-228600" defTabSz="914400" eaLnBrk="1" hangingPunct="1">
+              <a:lnSpc>
+                <a:spcPct val="90000"/>
+              </a:lnSpc>
+              <a:buFont typeface="Arial" panose="020B0604020202020204" pitchFamily="34" charset="0"/>
+              <a:buChar char="•"/>
+            </a:pPr>
+            <a:endParaRPr lang="en-US" sz="7200" dirty="0">
+              <a:solidFill>
+                <a:srgbClr val="404040"/>
+              </a:solidFill>
+              <a:ea typeface="+mn-ea"/>
+              <a:cs typeface="+mn-cs"/>
+            </a:endParaRPr>
+          </a:p>
+          <a:p>
+            <a:pPr indent="-228600" defTabSz="914400" eaLnBrk="1" hangingPunct="1">
+              <a:lnSpc>
+                <a:spcPct val="90000"/>
+              </a:lnSpc>
+              <a:buFont typeface="Arial" panose="020B0604020202020204" pitchFamily="34" charset="0"/>
+              <a:buChar char="•"/>
+            </a:pPr>
+            <a:endParaRPr lang="en-US" sz="7200" dirty="0">
+              <a:solidFill>
+                <a:srgbClr val="404040"/>
+              </a:solidFill>
+              <a:ea typeface="+mn-ea"/>
+              <a:cs typeface="+mn-cs"/>
+            </a:endParaRPr>
+          </a:p>
+          <a:p>
+            <a:pPr indent="-228600" defTabSz="914400" eaLnBrk="1" hangingPunct="1">
+              <a:lnSpc>
+                <a:spcPct val="90000"/>
+              </a:lnSpc>
+              <a:buFont typeface="Arial" panose="020B0604020202020204" pitchFamily="34" charset="0"/>
+              <a:buChar char="•"/>
+            </a:pPr>
+            <a:endParaRPr lang="en-US" sz="7200" dirty="0">
+              <a:solidFill>
+                <a:srgbClr val="404040"/>
+              </a:solidFill>
+              <a:ea typeface="+mn-ea"/>
+              <a:cs typeface="+mn-cs"/>
+            </a:endParaRPr>
+          </a:p>
+          <a:p>
+            <a:pPr indent="-228600" defTabSz="914400" eaLnBrk="1" hangingPunct="1">
+              <a:lnSpc>
+                <a:spcPct val="90000"/>
+              </a:lnSpc>
+              <a:buFont typeface="Arial" panose="020B0604020202020204" pitchFamily="34" charset="0"/>
+              <a:buChar char="•"/>
+            </a:pPr>
+            <a:endParaRPr lang="en-US" sz="7200" dirty="0">
+              <a:solidFill>
+                <a:srgbClr val="404040"/>
+              </a:solidFill>
+              <a:ea typeface="+mn-ea"/>
+              <a:cs typeface="+mn-cs"/>
+            </a:endParaRPr>
+          </a:p>
+        </p:txBody>
+      </p:sp>
+    </p:spTree>
+    <p:custDataLst>
+      <p:tags r:id="rId1"/>
+    </p:custDataLst>
+    <p:extLst>
+      <p:ext uri="{BB962C8B-B14F-4D97-AF65-F5344CB8AC3E}">
+        <p14:creationId xmlns:p14="http://schemas.microsoft.com/office/powerpoint/2010/main" val="3647066437"/>
+      </p:ext>
+    </p:extLst>
+  </p:cSld>
+  <p:clrMapOvr>
+    <a:masterClrMapping/>
+  </p:clrMapOvr>
+</p:sld>
+</file>
+
+<file path=ppt/slides/slide2.xml><?xml version="1.0" encoding="utf-8"?>
+<p:sld xmlns:a="http://schemas.openxmlformats.org/drawingml/2006/main" xmlns:r="http://schemas.openxmlformats.org/officeDocument/2006/relationships" xmlns:p="http://schemas.openxmlformats.org/presentationml/2006/main">
+  <p:cSld>
+    <p:bg>
+      <p:bgPr>
+        <a:solidFill>
+          <a:schemeClr val="bg1">
+            <a:lumMod val="85000"/>
+          </a:schemeClr>
+        </a:solidFill>
+        <a:effectLst/>
+      </p:bgPr>
+    </p:bg>
+    <p:spTree>
+      <p:nvGrpSpPr>
+        <p:cNvPr id="1" name=""/>
+        <p:cNvGrpSpPr/>
+        <p:nvPr/>
+      </p:nvGrpSpPr>
+      <p:grpSpPr>
+        <a:xfrm>
+          <a:off x="0" y="0"/>
+          <a:ext cx="0" cy="0"/>
+          <a:chOff x="0" y="0"/>
+          <a:chExt cx="0" cy="0"/>
+        </a:xfrm>
+      </p:grpSpPr>
+      <p:sp>
+        <p:nvSpPr>
+          <p:cNvPr id="15" name="Rectangle 12">
+            <a:extLst>
+              <a:ext uri="{FF2B5EF4-FFF2-40B4-BE49-F238E27FC236}">
+                <a16:creationId xmlns:a16="http://schemas.microsoft.com/office/drawing/2014/main" id="{867D4867-5BA7-4462-B2F6-A23F4A622AA7}"/>
+              </a:ext>
+              <a:ext uri="{C183D7F6-B498-43B3-948B-1728B52AA6E4}">
+                <adec:decorative xmlns:adec="http://schemas.microsoft.com/office/drawing/2017/decorative" val="1"/>
+              </a:ext>
+            </a:extLst>
+          </p:cNvPr>
+          <p:cNvSpPr>
+            <a:spLocks noGrp="1" noRot="1" noChangeAspect="1" noMove="1" noResize="1" noEditPoints="1" noAdjustHandles="1" noChangeArrowheads="1" noChangeShapeType="1" noTextEdit="1"/>
+          </p:cNvSpPr>
+          <p:nvPr>
+            <p:extLst>
+              <p:ext uri="{386F3935-93C4-4BCD-93E2-E3B085C9AB24}">
+                <p16:designElem xmlns:p16="http://schemas.microsoft.com/office/powerpoint/2015/main" val="1"/>
+              </p:ext>
+            </p:extLst>
+          </p:nvPr>
+        </p:nvSpPr>
+        <p:spPr>
+          <a:xfrm>
+            <a:off x="0" y="0"/>
+            <a:ext cx="3490722" cy="6858000"/>
+          </a:xfrm>
+          <a:prstGeom prst="rect">
+            <a:avLst/>
+          </a:prstGeom>
+          <a:solidFill>
+            <a:schemeClr val="tx1">
+              <a:lumMod val="75000"/>
+              <a:lumOff val="25000"/>
+            </a:schemeClr>
+          </a:solidFill>
+          <a:ln>
+            <a:noFill/>
+          </a:ln>
+        </p:spPr>
+        <p:style>
+          <a:lnRef idx="0">
+            <a:scrgbClr r="0" g="0" b="0"/>
+          </a:lnRef>
+          <a:fillRef idx="0">
+            <a:scrgbClr r="0" g="0" b="0"/>
+          </a:fillRef>
+          <a:effectRef idx="0">
+            <a:scrgbClr r="0" g="0" b="0"/>
+          </a:effectRef>
+          <a:fontRef idx="minor">
+            <a:schemeClr val="lt1"/>
+          </a:fontRef>
+        </p:style>
+        <p:txBody>
+          <a:bodyPr rtlCol="0" anchor="ctr"/>
+          <a:lstStyle/>
+          <a:p>
+            <a:pPr marL="0" marR="0" lvl="0" indent="0" algn="ctr" defTabSz="457200" rtl="0" eaLnBrk="1" fontAlgn="base" latinLnBrk="0" hangingPunct="1">
+              <a:lnSpc>
+                <a:spcPct val="100000"/>
+              </a:lnSpc>
+              <a:spcBef>
+                <a:spcPct val="0"/>
+              </a:spcBef>
+              <a:spcAft>
+                <a:spcPct val="0"/>
+              </a:spcAft>
+              <a:buClrTx/>
+              <a:buSzTx/>
+              <a:buFontTx/>
+              <a:buNone/>
+              <a:tabLst/>
+              <a:defRPr/>
+            </a:pPr>
+            <a:endParaRPr kumimoji="0" lang="en-US" sz="2400" b="0" i="0" u="none" strike="noStrike" kern="1200" cap="none" spc="0" normalizeH="0" baseline="0" noProof="0">
+              <a:ln>
+                <a:noFill/>
+              </a:ln>
+              <a:solidFill>
+                <a:prstClr val="white"/>
+              </a:solidFill>
+              <a:effectLst/>
+              <a:uLnTx/>
+              <a:uFillTx/>
+              <a:latin typeface="Calibri"/>
+              <a:ea typeface="+mn-ea"/>
+              <a:cs typeface="+mn-cs"/>
+            </a:endParaRPr>
+          </a:p>
+        </p:txBody>
+      </p:sp>
+      <p:sp>
+        <p:nvSpPr>
+          <p:cNvPr id="2" name="Title 1"/>
+          <p:cNvSpPr>
+            <a:spLocks noGrp="1"/>
+          </p:cNvSpPr>
+          <p:nvPr>
+            <p:ph type="title"/>
+          </p:nvPr>
+        </p:nvSpPr>
+        <p:spPr>
+          <a:xfrm>
+            <a:off x="482600" y="643467"/>
+            <a:ext cx="2522980" cy="1597315"/>
+          </a:xfrm>
+          <a:noFill/>
+          <a:ln w="19050">
+            <a:solidFill>
+              <a:schemeClr val="bg1"/>
+            </a:solidFill>
+          </a:ln>
+        </p:spPr>
+        <p:txBody>
+          <a:bodyPr vert="horz" wrap="square" lIns="91440" tIns="45720" rIns="91440" bIns="45720" rtlCol="0" anchor="ctr">
+            <a:normAutofit/>
+          </a:bodyPr>
+          <a:lstStyle/>
+          <a:p>
+            <a:pPr defTabSz="914400" eaLnBrk="1" hangingPunct="1">
+              <a:lnSpc>
+                <a:spcPct val="90000"/>
+              </a:lnSpc>
+            </a:pPr>
+            <a:r>
+              <a:rPr lang="en-US" sz="2400" kern="1200" dirty="0">
+                <a:solidFill>
+                  <a:schemeClr val="bg1"/>
+                </a:solidFill>
+                <a:latin typeface="+mj-lt"/>
+                <a:ea typeface="+mj-ea"/>
+                <a:cs typeface="+mj-cs"/>
+              </a:rPr>
+              <a:t>Statistical Programming</a:t>
+            </a:r>
+            <a:br>
+              <a:rPr lang="en-US" sz="2400" kern="1200" dirty="0">
+                <a:solidFill>
+                  <a:schemeClr val="bg1"/>
+                </a:solidFill>
+                <a:latin typeface="+mj-lt"/>
+                <a:ea typeface="+mj-ea"/>
+                <a:cs typeface="+mj-cs"/>
+              </a:rPr>
+            </a:br>
+            <a:r>
+              <a:rPr lang="en-US" sz="2400" kern="1200" dirty="0">
+                <a:solidFill>
+                  <a:schemeClr val="bg1"/>
+                </a:solidFill>
+                <a:latin typeface="+mj-lt"/>
+                <a:ea typeface="+mj-ea"/>
+                <a:cs typeface="+mj-cs"/>
+              </a:rPr>
+              <a:t>Assignment</a:t>
+            </a:r>
+          </a:p>
+        </p:txBody>
+      </p:sp>
+      <p:pic>
+        <p:nvPicPr>
+          <p:cNvPr id="8" name="Picture 7">
+            <a:extLst>
+              <a:ext uri="{FF2B5EF4-FFF2-40B4-BE49-F238E27FC236}">
+                <a16:creationId xmlns:a16="http://schemas.microsoft.com/office/drawing/2014/main" id="{521D4292-9ECC-4DA5-8CC0-C561A0DA118E}"/>
+              </a:ext>
+            </a:extLst>
+          </p:cNvPr>
+          <p:cNvPicPr>
+            <a:picLocks noChangeAspect="1"/>
+          </p:cNvPicPr>
+          <p:nvPr/>
+        </p:nvPicPr>
+        <p:blipFill rotWithShape="1">
+          <a:blip r:embed="rId3"/>
+          <a:srcRect l="8000" r="9400"/>
+          <a:stretch/>
+        </p:blipFill>
+        <p:spPr>
+          <a:xfrm>
+            <a:off x="660103" y="3048000"/>
+            <a:ext cx="2167974" cy="2624666"/>
+          </a:xfrm>
+          <a:prstGeom prst="rect">
+            <a:avLst/>
+          </a:prstGeom>
+          <a:noFill/>
+        </p:spPr>
+      </p:pic>
+      <p:sp>
+        <p:nvSpPr>
           <p:cNvPr id="7" name="TextBox 6">
             <a:extLst>
               <a:ext uri="{FF2B5EF4-FFF2-40B4-BE49-F238E27FC236}">
@@ -8687,7 +9364,7 @@
         <p:spPr>
           <a:xfrm>
             <a:off x="3810000" y="643972"/>
-            <a:ext cx="5334000" cy="6001643"/>
+            <a:ext cx="5334000" cy="5262979"/>
           </a:xfrm>
           <a:prstGeom prst="rect">
             <a:avLst/>
@@ -8715,7 +9392,100 @@
             </a:r>
           </a:p>
           <a:p>
-            <a:pPr>
+            <a:pPr marL="800100" lvl="1" indent="-342900">
+              <a:buFont typeface="Arial" panose="020B0604020202020204" pitchFamily="34" charset="0"/>
+              <a:buChar char="•"/>
+              <a:defRPr/>
+            </a:pPr>
+            <a:r>
+              <a:rPr lang="en-US" dirty="0">
+                <a:solidFill>
+                  <a:srgbClr val="404040"/>
+                </a:solidFill>
+              </a:rPr>
+              <a:t>Download Analysis 3 Zip Folder</a:t>
+            </a:r>
+          </a:p>
+          <a:p>
+            <a:pPr marL="800100" lvl="1" indent="-342900">
+              <a:buFont typeface="Arial" panose="020B0604020202020204" pitchFamily="34" charset="0"/>
+              <a:buChar char="•"/>
+              <a:defRPr/>
+            </a:pPr>
+            <a:r>
+              <a:rPr lang="en-US" dirty="0">
+                <a:solidFill>
+                  <a:srgbClr val="404040"/>
+                </a:solidFill>
+              </a:rPr>
+              <a:t>Unzip Folder</a:t>
+            </a:r>
+          </a:p>
+          <a:p>
+            <a:pPr marL="800100" lvl="1" indent="-342900">
+              <a:buFont typeface="Arial" panose="020B0604020202020204" pitchFamily="34" charset="0"/>
+              <a:buChar char="•"/>
+              <a:defRPr/>
+            </a:pPr>
+            <a:r>
+              <a:rPr lang="en-US" dirty="0">
+                <a:solidFill>
+                  <a:srgbClr val="404040"/>
+                </a:solidFill>
+              </a:rPr>
+              <a:t>Open Analysis 3 </a:t>
+            </a:r>
+            <a:r>
+              <a:rPr lang="en-US" dirty="0" err="1">
+                <a:solidFill>
+                  <a:srgbClr val="404040"/>
+                </a:solidFill>
+              </a:rPr>
+              <a:t>Rmd</a:t>
+            </a:r>
+            <a:r>
+              <a:rPr lang="en-US" dirty="0">
+                <a:solidFill>
+                  <a:srgbClr val="404040"/>
+                </a:solidFill>
+              </a:rPr>
+              <a:t> File</a:t>
+            </a:r>
+          </a:p>
+          <a:p>
+            <a:pPr marL="800100" lvl="1" indent="-342900">
+              <a:buFont typeface="Arial" panose="020B0604020202020204" pitchFamily="34" charset="0"/>
+              <a:buChar char="•"/>
+              <a:defRPr/>
+            </a:pPr>
+            <a:r>
+              <a:rPr lang="en-US" dirty="0">
+                <a:solidFill>
+                  <a:srgbClr val="404040"/>
+                </a:solidFill>
+              </a:rPr>
+              <a:t>Knit to HTML</a:t>
+            </a:r>
+          </a:p>
+          <a:p>
+            <a:pPr marL="800100" lvl="1" indent="-342900">
+              <a:buFont typeface="Arial" panose="020B0604020202020204" pitchFamily="34" charset="0"/>
+              <a:buChar char="•"/>
+              <a:defRPr/>
+            </a:pPr>
+            <a:r>
+              <a:rPr lang="en-US" dirty="0">
+                <a:solidFill>
+                  <a:srgbClr val="404040"/>
+                </a:solidFill>
+              </a:rPr>
+              <a:t>Read Introduction</a:t>
+            </a:r>
+          </a:p>
+          <a:p>
+            <a:pPr marL="800100" lvl="1" indent="-342900">
+              <a:buFont typeface="Arial" panose="020B0604020202020204" pitchFamily="34" charset="0"/>
+              <a:buChar char="•"/>
               <a:defRPr/>
             </a:pPr>
             <a:endParaRPr lang="en-US" dirty="0">
@@ -8725,6 +9495,21 @@
             </a:endParaRPr>
           </a:p>
           <a:p>
+            <a:pPr marL="342900" indent="-342900">
+              <a:buFont typeface="Arial" panose="020B0604020202020204" pitchFamily="34" charset="0"/>
+              <a:buChar char="•"/>
+              <a:defRPr/>
+            </a:pPr>
+            <a:r>
+              <a:rPr lang="en-US" dirty="0">
+                <a:solidFill>
+                  <a:srgbClr val="404040"/>
+                </a:solidFill>
+              </a:rPr>
+              <a:t>Three Part Assignment</a:t>
+            </a:r>
+          </a:p>
+          <a:p>
             <a:pPr marL="800100" lvl="1" indent="-342900">
               <a:buFont typeface="Arial" panose="020B0604020202020204" pitchFamily="34" charset="0"/>
               <a:buChar char="•"/>
@@ -8736,7 +9521,7 @@
                   <a:srgbClr val="404040"/>
                 </a:solidFill>
               </a:rPr>
-              <a:t>Download Analysis 3 Zip Folder</a:t>
+              <a:t>Using Climate Data from Delhi</a:t>
             </a:r>
           </a:p>
           <a:p>
@@ -8751,7 +9536,7 @@
                   <a:srgbClr val="404040"/>
                 </a:solidFill>
               </a:rPr>
-              <a:t>Unzip Folder</a:t>
+              <a:t>Found on Kaggle</a:t>
             </a:r>
           </a:p>
           <a:p>
@@ -8766,23 +9551,7 @@
                   <a:srgbClr val="404040"/>
                 </a:solidFill>
               </a:rPr>
-              <a:t>Open Analysis 3 </a:t>
-            </a:r>
-            <a:r>
-              <a:rPr lang="en-US" dirty="0" err="1">
-                <a:solidFill>
-                  <a:srgbClr val="404040"/>
-                </a:solidFill>
-              </a:rPr>
-              <a:t>Rmd</a:t>
-            </a:r>
-            <a:r>
-              <a:rPr lang="en-US" dirty="0">
-                <a:solidFill>
-                  <a:srgbClr val="404040"/>
-                </a:solidFill>
-              </a:rPr>
-              <a:t> File</a:t>
+              <a:t>Split Into Train and Test</a:t>
             </a:r>
           </a:p>
           <a:p>
@@ -8797,7 +9566,7 @@
                   <a:srgbClr val="404040"/>
                 </a:solidFill>
               </a:rPr>
-              <a:t>Knit to HTML</a:t>
+              <a:t>Daily Data Sorted by Date</a:t>
             </a:r>
           </a:p>
           <a:p>
@@ -8812,7 +9581,7 @@
                   <a:srgbClr val="404040"/>
                 </a:solidFill>
               </a:rPr>
-              <a:t>Read Introduction</a:t>
+              <a:t>Train: 2013-2016</a:t>
             </a:r>
           </a:p>
           <a:p>
@@ -8821,85 +9590,13 @@
               <a:buChar char="•"/>
               <a:defRPr/>
             </a:pPr>
-            <a:endParaRPr lang="en-US" dirty="0">
-              <a:solidFill>
-                <a:srgbClr val="404040"/>
-              </a:solidFill>
-            </a:endParaRPr>
-          </a:p>
-          <a:p>
-            <a:pPr marL="342900" indent="-342900">
-              <a:buFont typeface="Arial" panose="020B0604020202020204" pitchFamily="34" charset="0"/>
-              <a:buChar char="•"/>
-              <a:defRPr/>
-            </a:pPr>
             <a:r>
               <a:rPr lang="en-US" dirty="0">
                 <a:solidFill>
                   <a:srgbClr val="404040"/>
                 </a:solidFill>
               </a:rPr>
-              <a:t>Three Part Assignment</a:t>
-            </a:r>
-          </a:p>
-          <a:p>
-            <a:pPr marL="800100" lvl="1" indent="-342900">
-              <a:buFont typeface="Arial" panose="020B0604020202020204" pitchFamily="34" charset="0"/>
-              <a:buChar char="•"/>
-              <a:defRPr/>
-            </a:pPr>
-            <a:r>
-              <a:rPr lang="en-US" dirty="0">
-                <a:solidFill>
-                  <a:srgbClr val="404040"/>
-                </a:solidFill>
-              </a:rPr>
-              <a:t>Each Part Self Contained</a:t>
-            </a:r>
-          </a:p>
-          <a:p>
-            <a:pPr marL="800100" lvl="1" indent="-342900">
-              <a:buFont typeface="Arial" panose="020B0604020202020204" pitchFamily="34" charset="0"/>
-              <a:buChar char="•"/>
-              <a:defRPr/>
-            </a:pPr>
-            <a:r>
-              <a:rPr lang="en-US" dirty="0">
-                <a:solidFill>
-                  <a:srgbClr val="404040"/>
-                </a:solidFill>
-              </a:rPr>
-              <a:t>Most Answers Require Copy-and- Paste</a:t>
-            </a:r>
-          </a:p>
-          <a:p>
-            <a:pPr marL="800100" lvl="1" indent="-342900">
-              <a:buFont typeface="Arial" panose="020B0604020202020204" pitchFamily="34" charset="0"/>
-              <a:buChar char="•"/>
-              <a:defRPr/>
-            </a:pPr>
-            <a:r>
-              <a:rPr lang="en-US" dirty="0">
-                <a:solidFill>
-                  <a:srgbClr val="404040"/>
-                </a:solidFill>
-              </a:rPr>
-              <a:t>Where You See COMPLETE You Should Write/Place Code</a:t>
-            </a:r>
-          </a:p>
-          <a:p>
-            <a:pPr marL="800100" lvl="1" indent="-342900">
-              <a:buFont typeface="Arial" panose="020B0604020202020204" pitchFamily="34" charset="0"/>
-              <a:buChar char="•"/>
-              <a:defRPr/>
-            </a:pPr>
-            <a:r>
-              <a:rPr lang="en-US" dirty="0">
-                <a:solidFill>
-                  <a:srgbClr val="404040"/>
-                </a:solidFill>
-              </a:rPr>
-              <a:t>Leave Code as is When You See #DO NOT CHANGE</a:t>
+              <a:t>Test:  2017</a:t>
             </a:r>
           </a:p>
         </p:txBody>
@@ -9082,7 +9779,7 @@
                 <a:ea typeface="+mj-ea"/>
                 <a:cs typeface="+mj-cs"/>
               </a:rPr>
-              <a:t>Part 1</a:t>
+              <a:t>Statistical Programming</a:t>
             </a:r>
             <a:br>
               <a:rPr lang="en-US" sz="2400" kern="1200" dirty="0">
@@ -9103,7 +9800,7 @@
                 <a:ea typeface="+mj-ea"/>
                 <a:cs typeface="+mj-cs"/>
               </a:rPr>
-              <a:t>Discussion</a:t>
+              <a:t>Assignment</a:t>
             </a:r>
           </a:p>
         </p:txBody>
@@ -9152,8 +9849,8 @@
         </p:nvSpPr>
         <p:spPr>
           <a:xfrm>
-            <a:off x="3810000" y="533400"/>
-            <a:ext cx="5334000" cy="6370975"/>
+            <a:off x="3810000" y="643972"/>
+            <a:ext cx="5334000" cy="3785652"/>
           </a:xfrm>
           <a:prstGeom prst="rect">
             <a:avLst/>
@@ -9177,7 +9874,52 @@
                   <a:srgbClr val="404040"/>
                 </a:solidFill>
               </a:rPr>
-              <a:t>Process of Programming</a:t>
+              <a:t>Play Close Attention</a:t>
+            </a:r>
+          </a:p>
+          <a:p>
+            <a:pPr marL="800100" lvl="1" indent="-342900">
+              <a:buFont typeface="Arial" panose="020B0604020202020204" pitchFamily="34" charset="0"/>
+              <a:buChar char="•"/>
+              <a:defRPr/>
+            </a:pPr>
+            <a:r>
+              <a:rPr lang="en-US" dirty="0">
+                <a:solidFill>
+                  <a:srgbClr val="404040"/>
+                </a:solidFill>
+              </a:rPr>
+              <a:t>Notice: DO NOT CHANGE</a:t>
+            </a:r>
+          </a:p>
+          <a:p>
+            <a:pPr marL="800100" lvl="1" indent="-342900">
+              <a:buFont typeface="Arial" panose="020B0604020202020204" pitchFamily="34" charset="0"/>
+              <a:buChar char="•"/>
+              <a:defRPr/>
+            </a:pPr>
+            <a:r>
+              <a:rPr lang="en-US" dirty="0">
+                <a:solidFill>
+                  <a:srgbClr val="404040"/>
+                </a:solidFill>
+              </a:rPr>
+              <a:t>Notice: COMPLETE</a:t>
+            </a:r>
+          </a:p>
+          <a:p>
+            <a:pPr marL="800100" lvl="1" indent="-342900">
+              <a:buFont typeface="Arial" panose="020B0604020202020204" pitchFamily="34" charset="0"/>
+              <a:buChar char="•"/>
+              <a:defRPr/>
+            </a:pPr>
+            <a:r>
+              <a:rPr lang="en-US" dirty="0">
+                <a:solidFill>
+                  <a:srgbClr val="404040"/>
+                </a:solidFill>
+              </a:rPr>
+              <a:t>Notice: EVAL=F</a:t>
             </a:r>
           </a:p>
           <a:p>
@@ -9193,6 +9935,21 @@
             </a:endParaRPr>
           </a:p>
           <a:p>
+            <a:pPr marL="342900" indent="-342900">
+              <a:buFont typeface="Arial" panose="020B0604020202020204" pitchFamily="34" charset="0"/>
+              <a:buChar char="•"/>
+              <a:defRPr/>
+            </a:pPr>
+            <a:r>
+              <a:rPr lang="en-US" dirty="0">
+                <a:solidFill>
+                  <a:srgbClr val="404040"/>
+                </a:solidFill>
+              </a:rPr>
+              <a:t>Coding Restrictions</a:t>
+            </a:r>
+          </a:p>
+          <a:p>
             <a:pPr marL="800100" lvl="1" indent="-342900">
               <a:buFont typeface="Arial" panose="020B0604020202020204" pitchFamily="34" charset="0"/>
               <a:buChar char="•"/>
@@ -9204,7 +9961,7 @@
                   <a:srgbClr val="404040"/>
                 </a:solidFill>
               </a:rPr>
-              <a:t>Create Practice Example</a:t>
+              <a:t>You Must Use If-Else When Asked or Lose Points</a:t>
             </a:r>
           </a:p>
           <a:p>
@@ -9219,134 +9976,7 @@
                   <a:srgbClr val="404040"/>
                 </a:solidFill>
               </a:rPr>
-              <a:t>Check Code Works</a:t>
-            </a:r>
-          </a:p>
-          <a:p>
-            <a:pPr marL="800100" lvl="1" indent="-342900">
-              <a:buFont typeface="Arial" panose="020B0604020202020204" pitchFamily="34" charset="0"/>
-              <a:buChar char="•"/>
-              <a:defRPr/>
-            </a:pPr>
-            <a:r>
-              <a:rPr lang="en-US" dirty="0">
-                <a:solidFill>
-                  <a:srgbClr val="404040"/>
-                </a:solidFill>
-              </a:rPr>
-              <a:t>Apply Code to Real Data</a:t>
-            </a:r>
-          </a:p>
-          <a:p>
-            <a:pPr marL="800100" lvl="1" indent="-342900">
-              <a:buFont typeface="Arial" panose="020B0604020202020204" pitchFamily="34" charset="0"/>
-              <a:buChar char="•"/>
-              <a:defRPr/>
-            </a:pPr>
-            <a:r>
-              <a:rPr lang="en-US" dirty="0">
-                <a:solidFill>
-                  <a:srgbClr val="404040"/>
-                </a:solidFill>
-              </a:rPr>
-              <a:t>Check Code Works</a:t>
-            </a:r>
-          </a:p>
-          <a:p>
-            <a:pPr marL="800100" lvl="1" indent="-342900">
-              <a:buFont typeface="Arial" panose="020B0604020202020204" pitchFamily="34" charset="0"/>
-              <a:buChar char="•"/>
-              <a:defRPr/>
-            </a:pPr>
-            <a:r>
-              <a:rPr lang="en-US" dirty="0">
-                <a:solidFill>
-                  <a:srgbClr val="404040"/>
-                </a:solidFill>
-              </a:rPr>
-              <a:t>Create a Function of the Process</a:t>
-            </a:r>
-          </a:p>
-          <a:p>
-            <a:pPr marL="800100" lvl="1" indent="-342900">
-              <a:buFont typeface="Arial" panose="020B0604020202020204" pitchFamily="34" charset="0"/>
-              <a:buChar char="•"/>
-              <a:defRPr/>
-            </a:pPr>
-            <a:endParaRPr lang="en-US" dirty="0">
-              <a:solidFill>
-                <a:srgbClr val="404040"/>
-              </a:solidFill>
-            </a:endParaRPr>
-          </a:p>
-          <a:p>
-            <a:pPr marL="342900" indent="-342900">
-              <a:buFont typeface="Arial" panose="020B0604020202020204" pitchFamily="34" charset="0"/>
-              <a:buChar char="•"/>
-              <a:defRPr/>
-            </a:pPr>
-            <a:r>
-              <a:rPr lang="en-US" dirty="0">
-                <a:solidFill>
-                  <a:srgbClr val="404040"/>
-                </a:solidFill>
-              </a:rPr>
-              <a:t>Goals</a:t>
-            </a:r>
-          </a:p>
-          <a:p>
-            <a:pPr marL="800100" lvl="1" indent="-342900">
-              <a:buFont typeface="Arial" panose="020B0604020202020204" pitchFamily="34" charset="0"/>
-              <a:buChar char="•"/>
-              <a:defRPr/>
-            </a:pPr>
-            <a:r>
-              <a:rPr lang="en-US" dirty="0">
-                <a:solidFill>
-                  <a:srgbClr val="404040"/>
-                </a:solidFill>
-              </a:rPr>
-              <a:t>Create a Function that Creates a Factor Variable of Abbreviated Weekdays (Easy)</a:t>
-            </a:r>
-          </a:p>
-          <a:p>
-            <a:pPr marL="800100" lvl="1" indent="-342900">
-              <a:buFont typeface="Arial" panose="020B0604020202020204" pitchFamily="34" charset="0"/>
-              <a:buChar char="•"/>
-              <a:defRPr/>
-            </a:pPr>
-            <a:r>
-              <a:rPr lang="en-US" dirty="0">
-                <a:solidFill>
-                  <a:srgbClr val="404040"/>
-                </a:solidFill>
-              </a:rPr>
-              <a:t>Create a Function that Creates a Plot (Difficult)</a:t>
-            </a:r>
-          </a:p>
-          <a:p>
-            <a:pPr lvl="1">
-              <a:defRPr/>
-            </a:pPr>
-            <a:endParaRPr lang="en-US" dirty="0">
-              <a:solidFill>
-                <a:srgbClr val="404040"/>
-              </a:solidFill>
-            </a:endParaRPr>
-          </a:p>
-          <a:p>
-            <a:pPr marL="342900" indent="-342900">
-              <a:buFont typeface="Arial" panose="020B0604020202020204" pitchFamily="34" charset="0"/>
-              <a:buChar char="•"/>
-              <a:defRPr/>
-            </a:pPr>
-            <a:r>
-              <a:rPr lang="en-US" dirty="0">
-                <a:solidFill>
-                  <a:srgbClr val="404040"/>
-                </a:solidFill>
-              </a:rPr>
-              <a:t>Start Working (15 min)</a:t>
+              <a:t>You Must Use Loops When Asked or Lose Points</a:t>
             </a:r>
           </a:p>
         </p:txBody>
@@ -9357,7 +9987,7 @@
     </p:custDataLst>
     <p:extLst>
       <p:ext uri="{BB962C8B-B14F-4D97-AF65-F5344CB8AC3E}">
-        <p14:creationId xmlns:p14="http://schemas.microsoft.com/office/powerpoint/2010/main" val="1131919539"/>
+        <p14:creationId xmlns:p14="http://schemas.microsoft.com/office/powerpoint/2010/main" val="144827622"/>
       </p:ext>
     </p:extLst>
   </p:cSld>
@@ -9529,7 +10159,7 @@
                 <a:ea typeface="+mj-ea"/>
                 <a:cs typeface="+mj-cs"/>
               </a:rPr>
-              <a:t>Part 2</a:t>
+              <a:t>Part 1</a:t>
             </a:r>
             <a:br>
               <a:rPr lang="en-US" sz="2400" kern="1200" dirty="0">
@@ -9550,7 +10180,7 @@
                 <a:ea typeface="+mj-ea"/>
                 <a:cs typeface="+mj-cs"/>
               </a:rPr>
-              <a:t>Discussion</a:t>
+              <a:t>Cleaning Data</a:t>
             </a:r>
           </a:p>
         </p:txBody>
@@ -9587,10 +10217,10 @@
       </p:pic>
       <p:sp>
         <p:nvSpPr>
-          <p:cNvPr id="6" name="TextBox 5">
+          <p:cNvPr id="7" name="TextBox 6">
             <a:extLst>
               <a:ext uri="{FF2B5EF4-FFF2-40B4-BE49-F238E27FC236}">
-                <a16:creationId xmlns:a16="http://schemas.microsoft.com/office/drawing/2014/main" id="{4B62062A-063A-4651-BA22-3EE3D36EBD57}"/>
+                <a16:creationId xmlns:a16="http://schemas.microsoft.com/office/drawing/2014/main" id="{DF060353-BDFF-427E-8ABE-861948AE3B71}"/>
               </a:ext>
             </a:extLst>
           </p:cNvPr>
@@ -9600,7 +10230,7 @@
         <p:spPr>
           <a:xfrm>
             <a:off x="3810000" y="533400"/>
-            <a:ext cx="5334000" cy="5632311"/>
+            <a:ext cx="5334000" cy="4893647"/>
           </a:xfrm>
           <a:prstGeom prst="rect">
             <a:avLst/>
@@ -9624,11 +10254,56 @@
                   <a:srgbClr val="404040"/>
                 </a:solidFill>
               </a:rPr>
-              <a:t>Focus on Traffic Volume (DATA2) and Specific Location (“L103”)</a:t>
-            </a:r>
-          </a:p>
-          <a:p>
-            <a:pPr marL="342900" indent="-342900">
+              <a:t>Process of Programming</a:t>
+            </a:r>
+          </a:p>
+          <a:p>
+            <a:pPr marL="800100" lvl="1" indent="-342900">
+              <a:buFont typeface="Arial" panose="020B0604020202020204" pitchFamily="34" charset="0"/>
+              <a:buChar char="•"/>
+              <a:defRPr/>
+            </a:pPr>
+            <a:r>
+              <a:rPr lang="en-US" dirty="0">
+                <a:solidFill>
+                  <a:srgbClr val="404040"/>
+                </a:solidFill>
+              </a:rPr>
+              <a:t>Create Code for a Task</a:t>
+            </a:r>
+          </a:p>
+          <a:p>
+            <a:pPr marL="800100" lvl="1" indent="-342900">
+              <a:buFont typeface="Arial" panose="020B0604020202020204" pitchFamily="34" charset="0"/>
+              <a:buChar char="•"/>
+              <a:defRPr/>
+            </a:pPr>
+            <a:r>
+              <a:rPr lang="en-US" dirty="0">
+                <a:solidFill>
+                  <a:srgbClr val="404040"/>
+                </a:solidFill>
+              </a:rPr>
+              <a:t>Check Code Works</a:t>
+            </a:r>
+          </a:p>
+          <a:p>
+            <a:pPr marL="800100" lvl="1" indent="-342900">
+              <a:buFont typeface="Arial" panose="020B0604020202020204" pitchFamily="34" charset="0"/>
+              <a:buChar char="•"/>
+              <a:defRPr/>
+            </a:pPr>
+            <a:r>
+              <a:rPr lang="en-US" dirty="0">
+                <a:solidFill>
+                  <a:srgbClr val="404040"/>
+                </a:solidFill>
+              </a:rPr>
+              <a:t>Create a Function of the Process to Generalize</a:t>
+            </a:r>
+          </a:p>
+          <a:p>
+            <a:pPr marL="800100" lvl="1" indent="-342900">
               <a:buFont typeface="Arial" panose="020B0604020202020204" pitchFamily="34" charset="0"/>
               <a:buChar char="•"/>
               <a:defRPr/>
@@ -9651,237 +10326,68 @@
                   <a:srgbClr val="404040"/>
                 </a:solidFill>
               </a:rPr>
-              <a:t>Look at Table</a:t>
-            </a:r>
-          </a:p>
-          <a:p>
-            <a:pPr marL="342900" indent="-342900">
+              <a:t>Question 1</a:t>
+            </a:r>
+          </a:p>
+          <a:p>
+            <a:pPr marL="800100" lvl="1" indent="-342900">
               <a:buFont typeface="Arial" panose="020B0604020202020204" pitchFamily="34" charset="0"/>
               <a:buChar char="•"/>
               <a:defRPr/>
             </a:pPr>
-            <a:endParaRPr lang="en-US" dirty="0">
-              <a:solidFill>
-                <a:srgbClr val="404040"/>
-              </a:solidFill>
-            </a:endParaRPr>
-          </a:p>
-          <a:p>
-            <a:pPr marL="342900" indent="-342900">
+            <a:r>
+              <a:rPr lang="en-US" dirty="0">
+                <a:solidFill>
+                  <a:srgbClr val="404040"/>
+                </a:solidFill>
+              </a:rPr>
+              <a:t>Taking Working Code and Create a Function</a:t>
+            </a:r>
+          </a:p>
+          <a:p>
+            <a:pPr marL="800100" lvl="1" indent="-342900">
               <a:buFont typeface="Arial" panose="020B0604020202020204" pitchFamily="34" charset="0"/>
               <a:buChar char="•"/>
               <a:defRPr/>
             </a:pPr>
-            <a:endParaRPr lang="en-US" dirty="0">
-              <a:solidFill>
-                <a:srgbClr val="404040"/>
-              </a:solidFill>
-            </a:endParaRPr>
-          </a:p>
-          <a:p>
-            <a:pPr marL="342900" indent="-342900">
+            <a:r>
+              <a:rPr lang="en-US" dirty="0">
+                <a:solidFill>
+                  <a:srgbClr val="404040"/>
+                </a:solidFill>
+              </a:rPr>
+              <a:t>Apply Function to Train</a:t>
+            </a:r>
+          </a:p>
+          <a:p>
+            <a:pPr marL="800100" lvl="1" indent="-342900">
               <a:buFont typeface="Arial" panose="020B0604020202020204" pitchFamily="34" charset="0"/>
               <a:buChar char="•"/>
               <a:defRPr/>
             </a:pPr>
-            <a:endParaRPr lang="en-US" dirty="0">
-              <a:solidFill>
-                <a:srgbClr val="404040"/>
-              </a:solidFill>
-            </a:endParaRPr>
-          </a:p>
-          <a:p>
-            <a:pPr marL="342900" indent="-342900">
+            <a:r>
+              <a:rPr lang="en-US" dirty="0">
+                <a:solidFill>
+                  <a:srgbClr val="404040"/>
+                </a:solidFill>
+              </a:rPr>
+              <a:t>Apply Function to Test</a:t>
+            </a:r>
+          </a:p>
+          <a:p>
+            <a:pPr marL="800100" lvl="1" indent="-342900">
               <a:buFont typeface="Arial" panose="020B0604020202020204" pitchFamily="34" charset="0"/>
               <a:buChar char="•"/>
               <a:defRPr/>
             </a:pPr>
-            <a:endParaRPr lang="en-US" dirty="0">
-              <a:solidFill>
-                <a:srgbClr val="404040"/>
-              </a:solidFill>
-            </a:endParaRPr>
-          </a:p>
-          <a:p>
-            <a:pPr marL="342900" indent="-342900">
-              <a:buFont typeface="Arial" panose="020B0604020202020204" pitchFamily="34" charset="0"/>
-              <a:buChar char="•"/>
-              <a:defRPr/>
-            </a:pPr>
-            <a:endParaRPr lang="en-US" dirty="0">
-              <a:solidFill>
-                <a:srgbClr val="404040"/>
-              </a:solidFill>
-            </a:endParaRPr>
-          </a:p>
-          <a:p>
-            <a:pPr marL="342900" indent="-342900">
-              <a:buFont typeface="Arial" panose="020B0604020202020204" pitchFamily="34" charset="0"/>
-              <a:buChar char="•"/>
-              <a:defRPr/>
-            </a:pPr>
-            <a:endParaRPr lang="en-US" dirty="0">
-              <a:solidFill>
-                <a:srgbClr val="404040"/>
-              </a:solidFill>
-            </a:endParaRPr>
-          </a:p>
-          <a:p>
-            <a:pPr marL="342900" indent="-342900">
-              <a:buFont typeface="Arial" panose="020B0604020202020204" pitchFamily="34" charset="0"/>
-              <a:buChar char="•"/>
-              <a:defRPr/>
-            </a:pPr>
-            <a:endParaRPr lang="en-US" dirty="0">
-              <a:solidFill>
-                <a:srgbClr val="404040"/>
-              </a:solidFill>
-            </a:endParaRPr>
-          </a:p>
-          <a:p>
-            <a:pPr marL="342900" indent="-342900">
-              <a:buFont typeface="Arial" panose="020B0604020202020204" pitchFamily="34" charset="0"/>
-              <a:buChar char="•"/>
-              <a:defRPr/>
-            </a:pPr>
-            <a:endParaRPr lang="en-US" dirty="0">
-              <a:solidFill>
-                <a:srgbClr val="404040"/>
-              </a:solidFill>
-            </a:endParaRPr>
-          </a:p>
-          <a:p>
-            <a:pPr marL="342900" indent="-342900">
-              <a:buFont typeface="Arial" panose="020B0604020202020204" pitchFamily="34" charset="0"/>
-              <a:buChar char="•"/>
-              <a:defRPr/>
-            </a:pPr>
-            <a:endParaRPr lang="en-US" dirty="0">
-              <a:solidFill>
-                <a:srgbClr val="404040"/>
-              </a:solidFill>
-            </a:endParaRPr>
-          </a:p>
-          <a:p>
-            <a:pPr marL="342900" indent="-342900">
-              <a:buFont typeface="Arial" panose="020B0604020202020204" pitchFamily="34" charset="0"/>
-              <a:buChar char="•"/>
-              <a:defRPr/>
-            </a:pPr>
-            <a:endParaRPr lang="en-US" dirty="0">
-              <a:solidFill>
-                <a:srgbClr val="404040"/>
-              </a:solidFill>
-            </a:endParaRPr>
-          </a:p>
-          <a:p>
-            <a:pPr marL="342900" indent="-342900">
-              <a:buFont typeface="Arial" panose="020B0604020202020204" pitchFamily="34" charset="0"/>
-              <a:buChar char="•"/>
-              <a:defRPr/>
-            </a:pPr>
             <a:r>
               <a:rPr lang="en-US" dirty="0">
                 <a:solidFill>
                   <a:srgbClr val="404040"/>
                 </a:solidFill>
               </a:rPr>
-              <a:t>Goal: Reconstruct this Table</a:t>
-            </a:r>
-          </a:p>
-        </p:txBody>
-      </p:sp>
-      <p:pic>
-        <p:nvPicPr>
-          <p:cNvPr id="3" name="Picture 2">
-            <a:extLst>
-              <a:ext uri="{FF2B5EF4-FFF2-40B4-BE49-F238E27FC236}">
-                <a16:creationId xmlns:a16="http://schemas.microsoft.com/office/drawing/2014/main" id="{7F612880-66D8-4D81-BBB6-6D517A035749}"/>
-              </a:ext>
-            </a:extLst>
-          </p:cNvPr>
-          <p:cNvPicPr>
-            <a:picLocks noChangeAspect="1"/>
-          </p:cNvPicPr>
-          <p:nvPr/>
-        </p:nvPicPr>
-        <p:blipFill>
-          <a:blip r:embed="rId4"/>
-          <a:stretch>
-            <a:fillRect/>
-          </a:stretch>
-        </p:blipFill>
-        <p:spPr>
-          <a:xfrm>
-            <a:off x="4755573" y="2103060"/>
-            <a:ext cx="2819400" cy="3190078"/>
-          </a:xfrm>
-          <a:prstGeom prst="rect">
-            <a:avLst/>
-          </a:prstGeom>
-          <a:ln>
-            <a:solidFill>
-              <a:srgbClr val="404040"/>
-            </a:solidFill>
-          </a:ln>
-        </p:spPr>
-        <p:style>
-          <a:lnRef idx="2">
-            <a:schemeClr val="dk1"/>
-          </a:lnRef>
-          <a:fillRef idx="1">
-            <a:schemeClr val="lt1"/>
-          </a:fillRef>
-          <a:effectRef idx="0">
-            <a:schemeClr val="dk1"/>
-          </a:effectRef>
-          <a:fontRef idx="minor">
-            <a:schemeClr val="dk1"/>
-          </a:fontRef>
-        </p:style>
-      </p:pic>
-      <p:sp>
-        <p:nvSpPr>
-          <p:cNvPr id="4" name="Rectangle 3">
-            <a:extLst>
-              <a:ext uri="{FF2B5EF4-FFF2-40B4-BE49-F238E27FC236}">
-                <a16:creationId xmlns:a16="http://schemas.microsoft.com/office/drawing/2014/main" id="{C94A292C-F212-478D-95F7-EB6556B65753}"/>
-              </a:ext>
-            </a:extLst>
-          </p:cNvPr>
-          <p:cNvSpPr/>
-          <p:nvPr/>
-        </p:nvSpPr>
-        <p:spPr>
-          <a:xfrm>
-            <a:off x="4388428" y="4876800"/>
-            <a:ext cx="3490722" cy="304800"/>
-          </a:xfrm>
-          <a:prstGeom prst="rect">
-            <a:avLst/>
-          </a:prstGeom>
-          <a:noFill/>
-        </p:spPr>
-        <p:style>
-          <a:lnRef idx="2">
-            <a:schemeClr val="dk1"/>
-          </a:lnRef>
-          <a:fillRef idx="1">
-            <a:schemeClr val="lt1"/>
-          </a:fillRef>
-          <a:effectRef idx="0">
-            <a:schemeClr val="dk1"/>
-          </a:effectRef>
-          <a:fontRef idx="minor">
-            <a:schemeClr val="dk1"/>
-          </a:fontRef>
-        </p:style>
-        <p:txBody>
-          <a:bodyPr rtlCol="0" anchor="ctr"/>
-          <a:lstStyle/>
-          <a:p>
-            <a:pPr algn="ctr"/>
-            <a:endParaRPr lang="en-US"/>
+              <a:t>Use Copy and Paste with Some Minor Changes</a:t>
+            </a:r>
           </a:p>
         </p:txBody>
       </p:sp>
@@ -9891,7 +10397,7 @@
     </p:custDataLst>
     <p:extLst>
       <p:ext uri="{BB962C8B-B14F-4D97-AF65-F5344CB8AC3E}">
-        <p14:creationId xmlns:p14="http://schemas.microsoft.com/office/powerpoint/2010/main" val="1116550337"/>
+        <p14:creationId xmlns:p14="http://schemas.microsoft.com/office/powerpoint/2010/main" val="1131919539"/>
       </p:ext>
     </p:extLst>
   </p:cSld>
@@ -10063,7 +10569,7 @@
                 <a:ea typeface="+mj-ea"/>
                 <a:cs typeface="+mj-cs"/>
               </a:rPr>
-              <a:t>Part 2</a:t>
+              <a:t>Part 1</a:t>
             </a:r>
             <a:br>
               <a:rPr lang="en-US" sz="2400" kern="1200" dirty="0">
@@ -10084,7 +10590,7 @@
                 <a:ea typeface="+mj-ea"/>
                 <a:cs typeface="+mj-cs"/>
               </a:rPr>
-              <a:t>Discussion</a:t>
+              <a:t>Cleaning Data</a:t>
             </a:r>
           </a:p>
         </p:txBody>
@@ -10121,10 +10627,10 @@
       </p:pic>
       <p:sp>
         <p:nvSpPr>
-          <p:cNvPr id="6" name="TextBox 5">
+          <p:cNvPr id="7" name="TextBox 6">
             <a:extLst>
               <a:ext uri="{FF2B5EF4-FFF2-40B4-BE49-F238E27FC236}">
-                <a16:creationId xmlns:a16="http://schemas.microsoft.com/office/drawing/2014/main" id="{4B62062A-063A-4651-BA22-3EE3D36EBD57}"/>
+                <a16:creationId xmlns:a16="http://schemas.microsoft.com/office/drawing/2014/main" id="{DF060353-BDFF-427E-8ABE-861948AE3B71}"/>
               </a:ext>
             </a:extLst>
           </p:cNvPr>
@@ -10134,7 +10640,7 @@
         <p:spPr>
           <a:xfrm>
             <a:off x="3810000" y="533400"/>
-            <a:ext cx="5334000" cy="6370975"/>
+            <a:ext cx="5334000" cy="6001643"/>
           </a:xfrm>
           <a:prstGeom prst="rect">
             <a:avLst/>
@@ -10158,11 +10664,58 @@
                   <a:srgbClr val="404040"/>
                 </a:solidFill>
               </a:rPr>
-              <a:t>Steps:</a:t>
-            </a:r>
-          </a:p>
-          <a:p>
-            <a:pPr>
+              <a:t>Question 2</a:t>
+            </a:r>
+          </a:p>
+          <a:p>
+            <a:pPr marL="800100" lvl="1" indent="-342900">
+              <a:buFont typeface="Arial" panose="020B0604020202020204" pitchFamily="34" charset="0"/>
+              <a:buChar char="•"/>
+              <a:defRPr/>
+            </a:pPr>
+            <a:r>
+              <a:rPr lang="en-US" dirty="0">
+                <a:solidFill>
+                  <a:srgbClr val="404040"/>
+                </a:solidFill>
+              </a:rPr>
+              <a:t>Change Month from Numbers to Names</a:t>
+            </a:r>
+          </a:p>
+          <a:p>
+            <a:pPr marL="800100" lvl="1" indent="-342900">
+              <a:buFont typeface="Arial" panose="020B0604020202020204" pitchFamily="34" charset="0"/>
+              <a:buChar char="•"/>
+              <a:defRPr/>
+            </a:pPr>
+            <a:r>
+              <a:rPr lang="en-US" dirty="0">
+                <a:solidFill>
+                  <a:srgbClr val="404040"/>
+                </a:solidFill>
+              </a:rPr>
+              <a:t>Create Function to convert a Vector of Months in Number to a Vector of Months in Name</a:t>
+            </a:r>
+          </a:p>
+          <a:p>
+            <a:pPr marL="800100" lvl="1" indent="-342900">
+              <a:buFont typeface="Arial" panose="020B0604020202020204" pitchFamily="34" charset="0"/>
+              <a:buChar char="•"/>
+              <a:defRPr/>
+            </a:pPr>
+            <a:r>
+              <a:rPr lang="en-US" dirty="0">
+                <a:solidFill>
+                  <a:srgbClr val="404040"/>
+                </a:solidFill>
+              </a:rPr>
+              <a:t>Alternative for Variable Creation</a:t>
+            </a:r>
+          </a:p>
+          <a:p>
+            <a:pPr marL="800100" lvl="1" indent="-342900">
+              <a:buFont typeface="Arial" panose="020B0604020202020204" pitchFamily="34" charset="0"/>
+              <a:buChar char="•"/>
               <a:defRPr/>
             </a:pPr>
             <a:endParaRPr lang="en-US" dirty="0">
@@ -10177,36 +10730,6 @@
               <a:buChar char="•"/>
               <a:defRPr/>
             </a:pPr>
-            <a:r>
-              <a:rPr lang="en-US" dirty="0">
-                <a:solidFill>
-                  <a:srgbClr val="404040"/>
-                </a:solidFill>
-              </a:rPr>
-              <a:t>Given the Day in April, Create Function that Outputs the Associated Row </a:t>
-            </a:r>
-          </a:p>
-          <a:p>
-            <a:pPr marL="800100" lvl="1" indent="-342900">
-              <a:buFont typeface="Arial" panose="020B0604020202020204" pitchFamily="34" charset="0"/>
-              <a:buChar char="•"/>
-              <a:defRPr/>
-            </a:pPr>
-            <a:r>
-              <a:rPr lang="en-US" dirty="0">
-                <a:solidFill>
-                  <a:srgbClr val="404040"/>
-                </a:solidFill>
-              </a:rPr>
-              <a:t>Use the Function in a Loop to Construct the Table</a:t>
-            </a:r>
-          </a:p>
-          <a:p>
-            <a:pPr marL="800100" lvl="1" indent="-342900">
-              <a:buFont typeface="Arial" panose="020B0604020202020204" pitchFamily="34" charset="0"/>
-              <a:buChar char="•"/>
-              <a:defRPr/>
-            </a:pPr>
             <a:endParaRPr lang="en-US" dirty="0">
               <a:solidFill>
                 <a:srgbClr val="404040"/>
@@ -10225,7 +10748,7 @@
                   <a:srgbClr val="404040"/>
                 </a:solidFill>
               </a:rPr>
-              <a:t>Two Loops</a:t>
+              <a:t>Question 3</a:t>
             </a:r>
           </a:p>
           <a:p>
@@ -10240,7 +10763,7 @@
                   <a:srgbClr val="404040"/>
                 </a:solidFill>
               </a:rPr>
-              <a:t>Initiate with NULL</a:t>
+              <a:t>Look at Use of Function</a:t>
             </a:r>
           </a:p>
           <a:p>
@@ -10255,7 +10778,7 @@
                   <a:srgbClr val="404040"/>
                 </a:solidFill>
               </a:rPr>
-              <a:t>Initiate with Empty Tibble</a:t>
+              <a:t>Rewrite Over Day Variable with Day Names</a:t>
             </a:r>
           </a:p>
           <a:p>
@@ -10264,14 +10787,17 @@
               <a:buChar char="•"/>
               <a:defRPr/>
             </a:pPr>
-            <a:endParaRPr lang="en-US" dirty="0">
-              <a:solidFill>
-                <a:srgbClr val="404040"/>
-              </a:solidFill>
-            </a:endParaRPr>
-          </a:p>
-          <a:p>
-            <a:pPr marL="342900" indent="-342900">
+            <a:r>
+              <a:rPr lang="en-US" dirty="0">
+                <a:solidFill>
+                  <a:srgbClr val="404040"/>
+                </a:solidFill>
+              </a:rPr>
+              <a:t>Data Organized by Date and Starts with a Tuesday</a:t>
+            </a:r>
+          </a:p>
+          <a:p>
+            <a:pPr marL="800100" lvl="1" indent="-342900">
               <a:buFont typeface="Arial" panose="020B0604020202020204" pitchFamily="34" charset="0"/>
               <a:buChar char="•"/>
               <a:defRPr/>
@@ -10282,61 +10808,59 @@
                   <a:srgbClr val="404040"/>
                 </a:solidFill>
               </a:rPr>
-              <a:t>Look at Lecture on Loops</a:t>
-            </a:r>
-          </a:p>
-          <a:p>
-            <a:pPr marL="342900" indent="-342900">
-              <a:buFont typeface="Arial" panose="020B0604020202020204" pitchFamily="34" charset="0"/>
-              <a:buChar char="•"/>
-              <a:defRPr/>
-            </a:pPr>
-            <a:endParaRPr lang="en-US" dirty="0">
-              <a:solidFill>
-                <a:srgbClr val="404040"/>
-              </a:solidFill>
-            </a:endParaRPr>
-          </a:p>
-          <a:p>
-            <a:pPr marL="342900" indent="-342900">
-              <a:buFont typeface="Arial" panose="020B0604020202020204" pitchFamily="34" charset="0"/>
-              <a:buChar char="•"/>
-              <a:defRPr/>
-            </a:pPr>
-            <a:r>
-              <a:rPr lang="en-US" dirty="0">
-                <a:solidFill>
-                  <a:srgbClr val="404040"/>
+              <a:t>Do this For Train and Test</a:t>
+            </a:r>
+          </a:p>
+        </p:txBody>
+      </p:sp>
+      <p:sp>
+        <p:nvSpPr>
+          <p:cNvPr id="3" name="TextBox 2">
+            <a:extLst>
+              <a:ext uri="{FF2B5EF4-FFF2-40B4-BE49-F238E27FC236}">
+                <a16:creationId xmlns:a16="http://schemas.microsoft.com/office/drawing/2014/main" id="{85091ED3-9BDF-450B-ADF8-44FBB000CD37}"/>
+              </a:ext>
+            </a:extLst>
+          </p:cNvPr>
+          <p:cNvSpPr txBox="1"/>
+          <p:nvPr/>
+        </p:nvSpPr>
+        <p:spPr>
+          <a:xfrm>
+            <a:off x="4720388" y="3244334"/>
+            <a:ext cx="3759497" cy="369332"/>
+          </a:xfrm>
+          <a:prstGeom prst="rect">
+            <a:avLst/>
+          </a:prstGeom>
+          <a:solidFill>
+            <a:srgbClr val="404040"/>
+          </a:solidFill>
+          <a:ln>
+            <a:noFill/>
+          </a:ln>
+        </p:spPr>
+        <p:txBody>
+          <a:bodyPr wrap="square" rtlCol="0">
+            <a:spAutoFit/>
+          </a:bodyPr>
+          <a:lstStyle/>
+          <a:p>
+            <a:r>
+              <a:rPr lang="en-US" sz="1800" dirty="0" err="1">
+                <a:solidFill>
+                  <a:schemeClr val="bg1"/>
                 </a:solidFill>
               </a:rPr>
-              <a:t>Q3 is Tricky</a:t>
-            </a:r>
-          </a:p>
-          <a:p>
-            <a:pPr marL="342900" indent="-342900">
-              <a:buFont typeface="Arial" panose="020B0604020202020204" pitchFamily="34" charset="0"/>
-              <a:buChar char="•"/>
-              <a:defRPr/>
-            </a:pPr>
-            <a:endParaRPr lang="en-US" dirty="0">
-              <a:solidFill>
-                <a:srgbClr val="404040"/>
-              </a:solidFill>
-            </a:endParaRPr>
-          </a:p>
-          <a:p>
-            <a:pPr marL="342900" indent="-342900">
-              <a:buFont typeface="Arial" panose="020B0604020202020204" pitchFamily="34" charset="0"/>
-              <a:buChar char="•"/>
-              <a:defRPr/>
-            </a:pPr>
-            <a:r>
-              <a:rPr lang="en-US" dirty="0">
-                <a:solidFill>
-                  <a:srgbClr val="404040"/>
+              <a:t>Data$NEWVAR</a:t>
+            </a:r>
+            <a:r>
+              <a:rPr lang="en-US" sz="1800" dirty="0">
+                <a:solidFill>
+                  <a:schemeClr val="bg1"/>
                 </a:solidFill>
               </a:rPr>
-              <a:t>Start Working (15 min)</a:t>
+              <a:t> = CONTENT</a:t>
             </a:r>
           </a:p>
         </p:txBody>
@@ -10347,7 +10871,7 @@
     </p:custDataLst>
     <p:extLst>
       <p:ext uri="{BB962C8B-B14F-4D97-AF65-F5344CB8AC3E}">
-        <p14:creationId xmlns:p14="http://schemas.microsoft.com/office/powerpoint/2010/main" val="1436674229"/>
+        <p14:creationId xmlns:p14="http://schemas.microsoft.com/office/powerpoint/2010/main" val="4020485731"/>
       </p:ext>
     </p:extLst>
   </p:cSld>
@@ -10519,7 +11043,7 @@
                 <a:ea typeface="+mj-ea"/>
                 <a:cs typeface="+mj-cs"/>
               </a:rPr>
-              <a:t>Part 3</a:t>
+              <a:t>Part 1</a:t>
             </a:r>
             <a:br>
               <a:rPr lang="en-US" sz="2400" kern="1200" dirty="0">
@@ -10540,7 +11064,7 @@
                 <a:ea typeface="+mj-ea"/>
                 <a:cs typeface="+mj-cs"/>
               </a:rPr>
-              <a:t>Discussion</a:t>
+              <a:t>Cleaning Data</a:t>
             </a:r>
           </a:p>
         </p:txBody>
@@ -10577,10 +11101,10 @@
       </p:pic>
       <p:sp>
         <p:nvSpPr>
-          <p:cNvPr id="6" name="TextBox 5">
+          <p:cNvPr id="7" name="TextBox 6">
             <a:extLst>
               <a:ext uri="{FF2B5EF4-FFF2-40B4-BE49-F238E27FC236}">
-                <a16:creationId xmlns:a16="http://schemas.microsoft.com/office/drawing/2014/main" id="{89EB28F7-6B01-4131-9327-B2370B378445}"/>
+                <a16:creationId xmlns:a16="http://schemas.microsoft.com/office/drawing/2014/main" id="{DF060353-BDFF-427E-8ABE-861948AE3B71}"/>
               </a:ext>
             </a:extLst>
           </p:cNvPr>
@@ -10589,8 +11113,8 @@
         </p:nvSpPr>
         <p:spPr>
           <a:xfrm>
-            <a:off x="3810000" y="507623"/>
-            <a:ext cx="5334000" cy="6370975"/>
+            <a:off x="3810000" y="533400"/>
+            <a:ext cx="5486400" cy="2308324"/>
           </a:xfrm>
           <a:prstGeom prst="rect">
             <a:avLst/>
@@ -10614,61 +11138,7 @@
                   <a:srgbClr val="404040"/>
                 </a:solidFill>
               </a:rPr>
-              <a:t>Functions That Apply Functions Across Dimensions Of R Object</a:t>
-            </a:r>
-          </a:p>
-          <a:p>
-            <a:pPr marL="342900" indent="-342900">
-              <a:buFont typeface="Arial" panose="020B0604020202020204" pitchFamily="34" charset="0"/>
-              <a:buChar char="•"/>
-              <a:defRPr/>
-            </a:pPr>
-            <a:endParaRPr lang="en-US" dirty="0">
-              <a:solidFill>
-                <a:srgbClr val="404040"/>
-              </a:solidFill>
-            </a:endParaRPr>
-          </a:p>
-          <a:p>
-            <a:pPr marL="342900" indent="-342900">
-              <a:buFont typeface="Arial" panose="020B0604020202020204" pitchFamily="34" charset="0"/>
-              <a:buChar char="•"/>
-              <a:defRPr/>
-            </a:pPr>
-            <a:r>
-              <a:rPr lang="en-US" dirty="0">
-                <a:solidFill>
-                  <a:srgbClr val="404040"/>
-                </a:solidFill>
-              </a:rPr>
-              <a:t>Doesn’t Require a Loop</a:t>
-            </a:r>
-          </a:p>
-          <a:p>
-            <a:pPr marL="342900" indent="-342900">
-              <a:buFont typeface="Arial" panose="020B0604020202020204" pitchFamily="34" charset="0"/>
-              <a:buChar char="•"/>
-              <a:defRPr/>
-            </a:pPr>
-            <a:endParaRPr lang="en-US" dirty="0">
-              <a:solidFill>
-                <a:srgbClr val="404040"/>
-              </a:solidFill>
-            </a:endParaRPr>
-          </a:p>
-          <a:p>
-            <a:pPr marL="342900" indent="-342900">
-              <a:buFont typeface="Arial" panose="020B0604020202020204" pitchFamily="34" charset="0"/>
-              <a:buChar char="•"/>
-              <a:defRPr/>
-            </a:pPr>
-            <a:r>
-              <a:rPr lang="en-US" dirty="0">
-                <a:solidFill>
-                  <a:srgbClr val="404040"/>
-                </a:solidFill>
-              </a:rPr>
-              <a:t>Tibbles are Matrices</a:t>
+              <a:t>Question 4</a:t>
             </a:r>
           </a:p>
           <a:p>
@@ -10683,7 +11153,7 @@
                   <a:srgbClr val="404040"/>
                 </a:solidFill>
               </a:rPr>
-              <a:t>Apply Functions to Rows</a:t>
+              <a:t>Convert Celsius to Fahrenheit</a:t>
             </a:r>
           </a:p>
           <a:p>
@@ -10698,7 +11168,7 @@
                   <a:srgbClr val="404040"/>
                 </a:solidFill>
               </a:rPr>
-              <a:t>Apply Functions to Columns (Think Summarize)</a:t>
+              <a:t>Google Conversion Formula</a:t>
             </a:r>
           </a:p>
           <a:p>
@@ -10707,190 +11177,13 @@
               <a:buChar char="•"/>
               <a:defRPr/>
             </a:pPr>
-            <a:endParaRPr lang="en-US" dirty="0">
-              <a:solidFill>
-                <a:srgbClr val="404040"/>
-              </a:solidFill>
-            </a:endParaRPr>
-          </a:p>
-          <a:p>
-            <a:pPr marL="342900" indent="-342900">
-              <a:buFont typeface="Arial" panose="020B0604020202020204" pitchFamily="34" charset="0"/>
-              <a:buChar char="•"/>
-              <a:defRPr/>
-            </a:pPr>
             <a:r>
               <a:rPr lang="en-US" dirty="0">
                 <a:solidFill>
                   <a:srgbClr val="404040"/>
                 </a:solidFill>
               </a:rPr>
-              <a:t>Apply() Function to Matrix</a:t>
-            </a:r>
-          </a:p>
-          <a:p>
-            <a:pPr marL="800100" lvl="1" indent="-342900">
-              <a:buFont typeface="Arial" panose="020B0604020202020204" pitchFamily="34" charset="0"/>
-              <a:buChar char="•"/>
-              <a:defRPr/>
-            </a:pPr>
-            <a:r>
-              <a:rPr lang="en-US" dirty="0">
-                <a:solidFill>
-                  <a:srgbClr val="404040"/>
-                </a:solidFill>
-              </a:rPr>
-              <a:t>To Rows</a:t>
-            </a:r>
-          </a:p>
-          <a:p>
-            <a:pPr marL="800100" lvl="1" indent="-342900">
-              <a:buFont typeface="Arial" panose="020B0604020202020204" pitchFamily="34" charset="0"/>
-              <a:buChar char="•"/>
-              <a:defRPr/>
-            </a:pPr>
-            <a:endParaRPr lang="en-US" dirty="0">
-              <a:solidFill>
-                <a:srgbClr val="404040"/>
-              </a:solidFill>
-            </a:endParaRPr>
-          </a:p>
-          <a:p>
-            <a:pPr marL="800100" lvl="1" indent="-342900">
-              <a:buFont typeface="Arial" panose="020B0604020202020204" pitchFamily="34" charset="0"/>
-              <a:buChar char="•"/>
-              <a:defRPr/>
-            </a:pPr>
-            <a:r>
-              <a:rPr lang="en-US" dirty="0">
-                <a:solidFill>
-                  <a:srgbClr val="404040"/>
-                </a:solidFill>
-              </a:rPr>
-              <a:t>To Columns</a:t>
-            </a:r>
-          </a:p>
-          <a:p>
-            <a:pPr lvl="1">
-              <a:defRPr/>
-            </a:pPr>
-            <a:endParaRPr lang="en-US" dirty="0">
-              <a:solidFill>
-                <a:srgbClr val="404040"/>
-              </a:solidFill>
-            </a:endParaRPr>
-          </a:p>
-          <a:p>
-            <a:pPr lvl="1">
-              <a:defRPr/>
-            </a:pPr>
-            <a:endParaRPr lang="en-US" dirty="0">
-              <a:solidFill>
-                <a:srgbClr val="404040"/>
-              </a:solidFill>
-            </a:endParaRPr>
-          </a:p>
-          <a:p>
-            <a:pPr marL="342900" indent="-342900">
-              <a:buFont typeface="Arial" panose="020B0604020202020204" pitchFamily="34" charset="0"/>
-              <a:buChar char="•"/>
-              <a:defRPr/>
-            </a:pPr>
-            <a:r>
-              <a:rPr lang="en-US" dirty="0">
-                <a:solidFill>
-                  <a:srgbClr val="404040"/>
-                </a:solidFill>
-              </a:rPr>
-              <a:t>Start Working (Rest of Class)</a:t>
-            </a:r>
-          </a:p>
-        </p:txBody>
-      </p:sp>
-      <p:sp>
-        <p:nvSpPr>
-          <p:cNvPr id="3" name="TextBox 2">
-            <a:extLst>
-              <a:ext uri="{FF2B5EF4-FFF2-40B4-BE49-F238E27FC236}">
-                <a16:creationId xmlns:a16="http://schemas.microsoft.com/office/drawing/2014/main" id="{C34F6395-FF64-48E1-813C-9ECC7C7E78AF}"/>
-              </a:ext>
-            </a:extLst>
-          </p:cNvPr>
-          <p:cNvSpPr txBox="1"/>
-          <p:nvPr/>
-        </p:nvSpPr>
-        <p:spPr>
-          <a:xfrm>
-            <a:off x="4724400" y="4941332"/>
-            <a:ext cx="2819400" cy="369332"/>
-          </a:xfrm>
-          <a:prstGeom prst="rect">
-            <a:avLst/>
-          </a:prstGeom>
-          <a:solidFill>
-            <a:srgbClr val="404040"/>
-          </a:solidFill>
-          <a:ln>
-            <a:noFill/>
-          </a:ln>
-        </p:spPr>
-        <p:txBody>
-          <a:bodyPr wrap="square" rtlCol="0">
-            <a:spAutoFit/>
-          </a:bodyPr>
-          <a:lstStyle/>
-          <a:p>
-            <a:r>
-              <a:rPr lang="en-US" sz="1800" dirty="0">
-                <a:solidFill>
-                  <a:schemeClr val="bg1"/>
-                </a:solidFill>
-              </a:rPr>
-              <a:t>apply(Matrix, 1, Function)</a:t>
-            </a:r>
-          </a:p>
-        </p:txBody>
-      </p:sp>
-      <p:sp>
-        <p:nvSpPr>
-          <p:cNvPr id="9" name="TextBox 8">
-            <a:extLst>
-              <a:ext uri="{FF2B5EF4-FFF2-40B4-BE49-F238E27FC236}">
-                <a16:creationId xmlns:a16="http://schemas.microsoft.com/office/drawing/2014/main" id="{318327E8-3E93-4C52-9C6E-399C3332B116}"/>
-              </a:ext>
-            </a:extLst>
-          </p:cNvPr>
-          <p:cNvSpPr txBox="1"/>
-          <p:nvPr/>
-        </p:nvSpPr>
-        <p:spPr>
-          <a:xfrm>
-            <a:off x="4724400" y="5669832"/>
-            <a:ext cx="2819400" cy="369332"/>
-          </a:xfrm>
-          <a:prstGeom prst="rect">
-            <a:avLst/>
-          </a:prstGeom>
-          <a:solidFill>
-            <a:srgbClr val="404040"/>
-          </a:solidFill>
-          <a:ln>
-            <a:noFill/>
-          </a:ln>
-        </p:spPr>
-        <p:txBody>
-          <a:bodyPr wrap="square" rtlCol="0">
-            <a:spAutoFit/>
-          </a:bodyPr>
-          <a:lstStyle/>
-          <a:p>
-            <a:r>
-              <a:rPr lang="en-US" sz="1800" dirty="0">
-                <a:solidFill>
-                  <a:schemeClr val="bg1"/>
-                </a:solidFill>
-              </a:rPr>
-              <a:t>apply(Matrix, 2, Function)</a:t>
+              <a:t>Function that Changes Vector of Celsius Temperatures to Vector of Fahrenheit Temperatures</a:t>
             </a:r>
           </a:p>
         </p:txBody>
@@ -10901,7 +11194,7 @@
     </p:custDataLst>
     <p:extLst>
       <p:ext uri="{BB962C8B-B14F-4D97-AF65-F5344CB8AC3E}">
-        <p14:creationId xmlns:p14="http://schemas.microsoft.com/office/powerpoint/2010/main" val="49228164"/>
+        <p14:creationId xmlns:p14="http://schemas.microsoft.com/office/powerpoint/2010/main" val="666918593"/>
       </p:ext>
     </p:extLst>
   </p:cSld>
@@ -10997,8 +11290,37 @@
           <a:bodyPr rtlCol="0" anchor="ctr"/>
           <a:lstStyle/>
           <a:p>
-            <a:pPr algn="ctr"/>
-            <a:endParaRPr lang="en-US"/>
+            <a:pPr marL="0" marR="0" lvl="0" indent="0" algn="ctr" defTabSz="457200" rtl="0" eaLnBrk="1" fontAlgn="base" latinLnBrk="0" hangingPunct="1">
+              <a:lnSpc>
+                <a:spcPct val="100000"/>
+              </a:lnSpc>
+              <a:spcBef>
+                <a:spcPct val="0"/>
+              </a:spcBef>
+              <a:spcAft>
+                <a:spcPct val="0"/>
+              </a:spcAft>
+              <a:buClrTx/>
+              <a:buSzTx/>
+              <a:buFontTx/>
+              <a:buNone/>
+              <a:tabLst/>
+              <a:defRPr/>
+            </a:pPr>
+            <a:endParaRPr kumimoji="0" lang="en-US" sz="2400" b="0" i="0" u="none" strike="noStrike" kern="1200" cap="none" spc="0" normalizeH="0" baseline="0" noProof="0">
+              <a:ln>
+                <a:noFill/>
+              </a:ln>
+              <a:solidFill>
+                <a:prstClr val="white"/>
+              </a:solidFill>
+              <a:effectLst/>
+              <a:uLnTx/>
+              <a:uFillTx/>
+              <a:latin typeface="Calibri"/>
+              <a:ea typeface="+mn-ea"/>
+              <a:cs typeface="+mn-cs"/>
+            </a:endParaRPr>
           </a:p>
         </p:txBody>
       </p:sp>
@@ -11036,7 +11358,7 @@
               </a:lnSpc>
             </a:pPr>
             <a:r>
-              <a:rPr lang="en-US" sz="2400" kern="1200">
+              <a:rPr lang="en-US" sz="2400" kern="1200" dirty="0">
                 <a:solidFill>
                   <a:schemeClr val="bg1"/>
                 </a:solidFill>
@@ -11044,16 +11366,29 @@
                 <a:ea typeface="+mj-ea"/>
                 <a:cs typeface="+mj-cs"/>
               </a:rPr>
-              <a:t>Closing</a:t>
-            </a:r>
-            <a:endParaRPr lang="en-US" sz="2400" kern="1200" dirty="0">
-              <a:solidFill>
-                <a:schemeClr val="bg1"/>
-              </a:solidFill>
-              <a:latin typeface="+mj-lt"/>
-              <a:ea typeface="+mj-ea"/>
-              <a:cs typeface="+mj-cs"/>
-            </a:endParaRPr>
+              <a:t>Part 2</a:t>
+            </a:r>
+            <a:br>
+              <a:rPr lang="en-US" sz="2400" kern="1200" dirty="0">
+                <a:solidFill>
+                  <a:schemeClr val="bg1"/>
+                </a:solidFill>
+                <a:latin typeface="+mj-lt"/>
+                <a:ea typeface="+mj-ea"/>
+                <a:cs typeface="+mj-cs"/>
+              </a:rPr>
+            </a:br>
+            <a:r>
+              <a:rPr lang="en-US" sz="2400" kern="1200" dirty="0">
+                <a:solidFill>
+                  <a:schemeClr val="bg1"/>
+                </a:solidFill>
+                <a:latin typeface="+mj-lt"/>
+                <a:ea typeface="+mj-ea"/>
+                <a:cs typeface="+mj-cs"/>
+              </a:rPr>
+              <a:t>Summarizing Data</a:t>
+            </a:r>
           </a:p>
         </p:txBody>
       </p:sp>
@@ -11089,482 +11424,79 @@
       </p:pic>
       <p:sp>
         <p:nvSpPr>
-          <p:cNvPr id="7" name="Content Placeholder 2">
+          <p:cNvPr id="6" name="TextBox 5">
             <a:extLst>
               <a:ext uri="{FF2B5EF4-FFF2-40B4-BE49-F238E27FC236}">
-                <a16:creationId xmlns:a16="http://schemas.microsoft.com/office/drawing/2014/main" id="{8FE51533-15BE-453E-90FE-08298901BC34}"/>
+                <a16:creationId xmlns:a16="http://schemas.microsoft.com/office/drawing/2014/main" id="{4B62062A-063A-4651-BA22-3EE3D36EBD57}"/>
               </a:ext>
             </a:extLst>
           </p:cNvPr>
-          <p:cNvSpPr txBox="1">
-            <a:spLocks/>
-          </p:cNvSpPr>
+          <p:cNvSpPr txBox="1"/>
           <p:nvPr/>
         </p:nvSpPr>
-        <p:spPr bwMode="auto">
+        <p:spPr>
           <a:xfrm>
-            <a:off x="3810000" y="643466"/>
-            <a:ext cx="4851400" cy="5833533"/>
+            <a:off x="3810000" y="533400"/>
+            <a:ext cx="5334000" cy="1200329"/>
           </a:xfrm>
           <a:prstGeom prst="rect">
             <a:avLst/>
           </a:prstGeom>
+          <a:noFill/>
         </p:spPr>
         <p:txBody>
-          <a:bodyPr vert="horz" lIns="91440" tIns="45720" rIns="91440" bIns="45720" numCol="1" rtlCol="0" anchorCtr="0" compatLnSpc="1">
-            <a:prstTxWarp prst="textNoShape">
-              <a:avLst/>
-            </a:prstTxWarp>
-            <a:noAutofit/>
+          <a:bodyPr wrap="square" rtlCol="0">
+            <a:spAutoFit/>
           </a:bodyPr>
-          <a:lstStyle>
-            <a:lvl1pPr marL="342900" indent="-342900" algn="l" defTabSz="457200" rtl="0" eaLnBrk="0" fontAlgn="base" hangingPunct="0">
-              <a:spcBef>
-                <a:spcPct val="20000"/>
-              </a:spcBef>
-              <a:spcAft>
-                <a:spcPct val="0"/>
-              </a:spcAft>
-              <a:buFont typeface="Arial" charset="0"/>
-              <a:buChar char="•"/>
-              <a:defRPr sz="3200" kern="1200">
-                <a:solidFill>
-                  <a:schemeClr val="tx1"/>
-                </a:solidFill>
-                <a:latin typeface="+mn-lt"/>
-                <a:ea typeface="ＭＳ Ｐゴシック" pitchFamily="-109" charset="-128"/>
-                <a:cs typeface="ＭＳ Ｐゴシック" pitchFamily="-109" charset="-128"/>
-              </a:defRPr>
-            </a:lvl1pPr>
-            <a:lvl2pPr marL="742950" indent="-285750" algn="l" defTabSz="457200" rtl="0" eaLnBrk="0" fontAlgn="base" hangingPunct="0">
-              <a:spcBef>
-                <a:spcPct val="20000"/>
-              </a:spcBef>
-              <a:spcAft>
-                <a:spcPct val="0"/>
-              </a:spcAft>
-              <a:buFont typeface="Arial" charset="0"/>
-              <a:buChar char="–"/>
-              <a:defRPr sz="2800" kern="1200">
-                <a:solidFill>
-                  <a:schemeClr val="tx1"/>
-                </a:solidFill>
-                <a:latin typeface="+mn-lt"/>
-                <a:ea typeface="ＭＳ Ｐゴシック" pitchFamily="-109" charset="-128"/>
-                <a:cs typeface="+mn-cs"/>
-              </a:defRPr>
-            </a:lvl2pPr>
-            <a:lvl3pPr marL="1143000" indent="-228600" algn="l" defTabSz="457200" rtl="0" eaLnBrk="0" fontAlgn="base" hangingPunct="0">
-              <a:spcBef>
-                <a:spcPct val="20000"/>
-              </a:spcBef>
-              <a:spcAft>
-                <a:spcPct val="0"/>
-              </a:spcAft>
-              <a:buFont typeface="Arial" charset="0"/>
-              <a:buChar char="•"/>
-              <a:defRPr sz="2400" kern="1200">
-                <a:solidFill>
-                  <a:schemeClr val="tx1"/>
-                </a:solidFill>
-                <a:latin typeface="+mn-lt"/>
-                <a:ea typeface="ＭＳ Ｐゴシック" pitchFamily="-109" charset="-128"/>
-                <a:cs typeface="+mn-cs"/>
-              </a:defRPr>
-            </a:lvl3pPr>
-            <a:lvl4pPr marL="1600200" indent="-228600" algn="l" defTabSz="457200" rtl="0" eaLnBrk="0" fontAlgn="base" hangingPunct="0">
-              <a:spcBef>
-                <a:spcPct val="20000"/>
-              </a:spcBef>
-              <a:spcAft>
-                <a:spcPct val="0"/>
-              </a:spcAft>
-              <a:buFont typeface="Arial" charset="0"/>
-              <a:buChar char="–"/>
-              <a:defRPr sz="2000" kern="1200">
-                <a:solidFill>
-                  <a:schemeClr val="tx1"/>
-                </a:solidFill>
-                <a:latin typeface="+mn-lt"/>
-                <a:ea typeface="ＭＳ Ｐゴシック" pitchFamily="-109" charset="-128"/>
-                <a:cs typeface="+mn-cs"/>
-              </a:defRPr>
-            </a:lvl4pPr>
-            <a:lvl5pPr marL="2057400" indent="-228600" algn="l" defTabSz="457200" rtl="0" eaLnBrk="0" fontAlgn="base" hangingPunct="0">
-              <a:spcBef>
-                <a:spcPct val="20000"/>
-              </a:spcBef>
-              <a:spcAft>
-                <a:spcPct val="0"/>
-              </a:spcAft>
-              <a:buFont typeface="Arial" charset="0"/>
-              <a:buChar char="»"/>
-              <a:defRPr sz="2000" kern="1200">
-                <a:solidFill>
-                  <a:schemeClr val="tx1"/>
-                </a:solidFill>
-                <a:latin typeface="+mn-lt"/>
-                <a:ea typeface="ＭＳ Ｐゴシック" pitchFamily="-109" charset="-128"/>
-                <a:cs typeface="+mn-cs"/>
-              </a:defRPr>
-            </a:lvl5pPr>
-            <a:lvl6pPr marL="2514600" indent="-228600" algn="l" defTabSz="457200" rtl="0" eaLnBrk="1" latinLnBrk="0" hangingPunct="1">
-              <a:spcBef>
-                <a:spcPct val="20000"/>
-              </a:spcBef>
-              <a:buFont typeface="Arial"/>
-              <a:buChar char="•"/>
-              <a:defRPr sz="2000" kern="1200">
-                <a:solidFill>
-                  <a:schemeClr val="tx1"/>
-                </a:solidFill>
-                <a:latin typeface="+mn-lt"/>
-                <a:ea typeface="+mn-ea"/>
-                <a:cs typeface="+mn-cs"/>
-              </a:defRPr>
-            </a:lvl6pPr>
-            <a:lvl7pPr marL="2971800" indent="-228600" algn="l" defTabSz="457200" rtl="0" eaLnBrk="1" latinLnBrk="0" hangingPunct="1">
-              <a:spcBef>
-                <a:spcPct val="20000"/>
-              </a:spcBef>
-              <a:buFont typeface="Arial"/>
-              <a:buChar char="•"/>
-              <a:defRPr sz="2000" kern="1200">
-                <a:solidFill>
-                  <a:schemeClr val="tx1"/>
-                </a:solidFill>
-                <a:latin typeface="+mn-lt"/>
-                <a:ea typeface="+mn-ea"/>
-                <a:cs typeface="+mn-cs"/>
-              </a:defRPr>
-            </a:lvl7pPr>
-            <a:lvl8pPr marL="3429000" indent="-228600" algn="l" defTabSz="457200" rtl="0" eaLnBrk="1" latinLnBrk="0" hangingPunct="1">
-              <a:spcBef>
-                <a:spcPct val="20000"/>
-              </a:spcBef>
-              <a:buFont typeface="Arial"/>
-              <a:buChar char="•"/>
-              <a:defRPr sz="2000" kern="1200">
-                <a:solidFill>
-                  <a:schemeClr val="tx1"/>
-                </a:solidFill>
-                <a:latin typeface="+mn-lt"/>
-                <a:ea typeface="+mn-ea"/>
-                <a:cs typeface="+mn-cs"/>
-              </a:defRPr>
-            </a:lvl8pPr>
-            <a:lvl9pPr marL="3886200" indent="-228600" algn="l" defTabSz="457200" rtl="0" eaLnBrk="1" latinLnBrk="0" hangingPunct="1">
-              <a:spcBef>
-                <a:spcPct val="20000"/>
-              </a:spcBef>
-              <a:buFont typeface="Arial"/>
-              <a:buChar char="•"/>
-              <a:defRPr sz="2000" kern="1200">
-                <a:solidFill>
-                  <a:schemeClr val="tx1"/>
-                </a:solidFill>
-                <a:latin typeface="+mn-lt"/>
-                <a:ea typeface="+mn-ea"/>
-                <a:cs typeface="+mn-cs"/>
-              </a:defRPr>
-            </a:lvl9pPr>
-          </a:lstStyle>
-          <a:p>
-            <a:pPr indent="-228600" defTabSz="914400" eaLnBrk="1" hangingPunct="1">
-              <a:lnSpc>
-                <a:spcPct val="90000"/>
-              </a:lnSpc>
+          <a:lstStyle/>
+          <a:p>
+            <a:pPr marL="342900" indent="-342900">
               <a:buFont typeface="Arial" panose="020B0604020202020204" pitchFamily="34" charset="0"/>
               <a:buChar char="•"/>
-            </a:pPr>
-            <a:endParaRPr lang="en-US" sz="2000" dirty="0">
+              <a:defRPr/>
+            </a:pPr>
+            <a:r>
+              <a:rPr lang="en-US" dirty="0">
+                <a:solidFill>
+                  <a:srgbClr val="404040"/>
+                </a:solidFill>
+              </a:rPr>
+              <a:t>Question 1</a:t>
+            </a:r>
+          </a:p>
+          <a:p>
+            <a:pPr marL="800100" lvl="1" indent="-342900">
+              <a:buFont typeface="Arial" panose="020B0604020202020204" pitchFamily="34" charset="0"/>
+              <a:buChar char="•"/>
+              <a:defRPr/>
+            </a:pPr>
+            <a:r>
+              <a:rPr lang="en-US" dirty="0">
+                <a:solidFill>
+                  <a:srgbClr val="404040"/>
+                </a:solidFill>
+              </a:rPr>
+              <a:t>Use </a:t>
+            </a:r>
+            <a:r>
+              <a:rPr lang="en-US">
+                <a:solidFill>
+                  <a:srgbClr val="404040"/>
+                </a:solidFill>
+              </a:rPr>
+              <a:t>a Double Loop</a:t>
+            </a:r>
+          </a:p>
+          <a:p>
+            <a:pPr marL="800100" lvl="1" indent="-342900">
+              <a:buFont typeface="Arial" panose="020B0604020202020204" pitchFamily="34" charset="0"/>
+              <a:buChar char="•"/>
+              <a:defRPr/>
+            </a:pPr>
+            <a:endParaRPr lang="en-US" dirty="0">
               <a:solidFill>
                 <a:srgbClr val="404040"/>
               </a:solidFill>
-              <a:ea typeface="+mn-ea"/>
-              <a:cs typeface="+mn-cs"/>
-            </a:endParaRPr>
-          </a:p>
-          <a:p>
-            <a:pPr indent="-228600" defTabSz="914400" eaLnBrk="1" hangingPunct="1">
-              <a:lnSpc>
-                <a:spcPct val="90000"/>
-              </a:lnSpc>
-              <a:buFont typeface="Arial" panose="020B0604020202020204" pitchFamily="34" charset="0"/>
-              <a:buChar char="•"/>
-            </a:pPr>
-            <a:endParaRPr lang="en-US" sz="2000" dirty="0">
-              <a:solidFill>
-                <a:srgbClr val="404040"/>
-              </a:solidFill>
-              <a:ea typeface="+mn-ea"/>
-              <a:cs typeface="+mn-cs"/>
-            </a:endParaRPr>
-          </a:p>
-        </p:txBody>
-      </p:sp>
-      <p:sp>
-        <p:nvSpPr>
-          <p:cNvPr id="10" name="Content Placeholder 2">
-            <a:extLst>
-              <a:ext uri="{FF2B5EF4-FFF2-40B4-BE49-F238E27FC236}">
-                <a16:creationId xmlns:a16="http://schemas.microsoft.com/office/drawing/2014/main" id="{10754C74-871F-42E2-A79F-10B9CCA16CD5}"/>
-              </a:ext>
-            </a:extLst>
-          </p:cNvPr>
-          <p:cNvSpPr txBox="1">
-            <a:spLocks/>
-          </p:cNvSpPr>
-          <p:nvPr/>
-        </p:nvSpPr>
-        <p:spPr bwMode="auto">
-          <a:xfrm>
-            <a:off x="3973322" y="643466"/>
-            <a:ext cx="4851400" cy="5953916"/>
-          </a:xfrm>
-          <a:prstGeom prst="rect">
-            <a:avLst/>
-          </a:prstGeom>
-        </p:spPr>
-        <p:txBody>
-          <a:bodyPr vert="horz" lIns="91440" tIns="45720" rIns="91440" bIns="45720" numCol="1" rtlCol="0" anchorCtr="0" compatLnSpc="1">
-            <a:prstTxWarp prst="textNoShape">
-              <a:avLst/>
-            </a:prstTxWarp>
-            <a:noAutofit/>
-          </a:bodyPr>
-          <a:lstStyle>
-            <a:lvl1pPr marL="342900" indent="-342900" algn="l" defTabSz="457200" rtl="0" eaLnBrk="0" fontAlgn="base" hangingPunct="0">
-              <a:spcBef>
-                <a:spcPct val="20000"/>
-              </a:spcBef>
-              <a:spcAft>
-                <a:spcPct val="0"/>
-              </a:spcAft>
-              <a:buFont typeface="Arial" charset="0"/>
-              <a:buChar char="•"/>
-              <a:defRPr sz="3200" kern="1200">
-                <a:solidFill>
-                  <a:schemeClr val="tx1"/>
-                </a:solidFill>
-                <a:latin typeface="+mn-lt"/>
-                <a:ea typeface="ＭＳ Ｐゴシック" pitchFamily="-109" charset="-128"/>
-                <a:cs typeface="ＭＳ Ｐゴシック" pitchFamily="-109" charset="-128"/>
-              </a:defRPr>
-            </a:lvl1pPr>
-            <a:lvl2pPr marL="742950" indent="-285750" algn="l" defTabSz="457200" rtl="0" eaLnBrk="0" fontAlgn="base" hangingPunct="0">
-              <a:spcBef>
-                <a:spcPct val="20000"/>
-              </a:spcBef>
-              <a:spcAft>
-                <a:spcPct val="0"/>
-              </a:spcAft>
-              <a:buFont typeface="Arial" charset="0"/>
-              <a:buChar char="–"/>
-              <a:defRPr sz="2800" kern="1200">
-                <a:solidFill>
-                  <a:schemeClr val="tx1"/>
-                </a:solidFill>
-                <a:latin typeface="+mn-lt"/>
-                <a:ea typeface="ＭＳ Ｐゴシック" pitchFamily="-109" charset="-128"/>
-                <a:cs typeface="+mn-cs"/>
-              </a:defRPr>
-            </a:lvl2pPr>
-            <a:lvl3pPr marL="1143000" indent="-228600" algn="l" defTabSz="457200" rtl="0" eaLnBrk="0" fontAlgn="base" hangingPunct="0">
-              <a:spcBef>
-                <a:spcPct val="20000"/>
-              </a:spcBef>
-              <a:spcAft>
-                <a:spcPct val="0"/>
-              </a:spcAft>
-              <a:buFont typeface="Arial" charset="0"/>
-              <a:buChar char="•"/>
-              <a:defRPr sz="2400" kern="1200">
-                <a:solidFill>
-                  <a:schemeClr val="tx1"/>
-                </a:solidFill>
-                <a:latin typeface="+mn-lt"/>
-                <a:ea typeface="ＭＳ Ｐゴシック" pitchFamily="-109" charset="-128"/>
-                <a:cs typeface="+mn-cs"/>
-              </a:defRPr>
-            </a:lvl3pPr>
-            <a:lvl4pPr marL="1600200" indent="-228600" algn="l" defTabSz="457200" rtl="0" eaLnBrk="0" fontAlgn="base" hangingPunct="0">
-              <a:spcBef>
-                <a:spcPct val="20000"/>
-              </a:spcBef>
-              <a:spcAft>
-                <a:spcPct val="0"/>
-              </a:spcAft>
-              <a:buFont typeface="Arial" charset="0"/>
-              <a:buChar char="–"/>
-              <a:defRPr sz="2000" kern="1200">
-                <a:solidFill>
-                  <a:schemeClr val="tx1"/>
-                </a:solidFill>
-                <a:latin typeface="+mn-lt"/>
-                <a:ea typeface="ＭＳ Ｐゴシック" pitchFamily="-109" charset="-128"/>
-                <a:cs typeface="+mn-cs"/>
-              </a:defRPr>
-            </a:lvl4pPr>
-            <a:lvl5pPr marL="2057400" indent="-228600" algn="l" defTabSz="457200" rtl="0" eaLnBrk="0" fontAlgn="base" hangingPunct="0">
-              <a:spcBef>
-                <a:spcPct val="20000"/>
-              </a:spcBef>
-              <a:spcAft>
-                <a:spcPct val="0"/>
-              </a:spcAft>
-              <a:buFont typeface="Arial" charset="0"/>
-              <a:buChar char="»"/>
-              <a:defRPr sz="2000" kern="1200">
-                <a:solidFill>
-                  <a:schemeClr val="tx1"/>
-                </a:solidFill>
-                <a:latin typeface="+mn-lt"/>
-                <a:ea typeface="ＭＳ Ｐゴシック" pitchFamily="-109" charset="-128"/>
-                <a:cs typeface="+mn-cs"/>
-              </a:defRPr>
-            </a:lvl5pPr>
-            <a:lvl6pPr marL="2514600" indent="-228600" algn="l" defTabSz="457200" rtl="0" eaLnBrk="1" latinLnBrk="0" hangingPunct="1">
-              <a:spcBef>
-                <a:spcPct val="20000"/>
-              </a:spcBef>
-              <a:buFont typeface="Arial"/>
-              <a:buChar char="•"/>
-              <a:defRPr sz="2000" kern="1200">
-                <a:solidFill>
-                  <a:schemeClr val="tx1"/>
-                </a:solidFill>
-                <a:latin typeface="+mn-lt"/>
-                <a:ea typeface="+mn-ea"/>
-                <a:cs typeface="+mn-cs"/>
-              </a:defRPr>
-            </a:lvl6pPr>
-            <a:lvl7pPr marL="2971800" indent="-228600" algn="l" defTabSz="457200" rtl="0" eaLnBrk="1" latinLnBrk="0" hangingPunct="1">
-              <a:spcBef>
-                <a:spcPct val="20000"/>
-              </a:spcBef>
-              <a:buFont typeface="Arial"/>
-              <a:buChar char="•"/>
-              <a:defRPr sz="2000" kern="1200">
-                <a:solidFill>
-                  <a:schemeClr val="tx1"/>
-                </a:solidFill>
-                <a:latin typeface="+mn-lt"/>
-                <a:ea typeface="+mn-ea"/>
-                <a:cs typeface="+mn-cs"/>
-              </a:defRPr>
-            </a:lvl7pPr>
-            <a:lvl8pPr marL="3429000" indent="-228600" algn="l" defTabSz="457200" rtl="0" eaLnBrk="1" latinLnBrk="0" hangingPunct="1">
-              <a:spcBef>
-                <a:spcPct val="20000"/>
-              </a:spcBef>
-              <a:buFont typeface="Arial"/>
-              <a:buChar char="•"/>
-              <a:defRPr sz="2000" kern="1200">
-                <a:solidFill>
-                  <a:schemeClr val="tx1"/>
-                </a:solidFill>
-                <a:latin typeface="+mn-lt"/>
-                <a:ea typeface="+mn-ea"/>
-                <a:cs typeface="+mn-cs"/>
-              </a:defRPr>
-            </a:lvl8pPr>
-            <a:lvl9pPr marL="3886200" indent="-228600" algn="l" defTabSz="457200" rtl="0" eaLnBrk="1" latinLnBrk="0" hangingPunct="1">
-              <a:spcBef>
-                <a:spcPct val="20000"/>
-              </a:spcBef>
-              <a:buFont typeface="Arial"/>
-              <a:buChar char="•"/>
-              <a:defRPr sz="2000" kern="1200">
-                <a:solidFill>
-                  <a:schemeClr val="tx1"/>
-                </a:solidFill>
-                <a:latin typeface="+mn-lt"/>
-                <a:ea typeface="+mn-ea"/>
-                <a:cs typeface="+mn-cs"/>
-              </a:defRPr>
-            </a:lvl9pPr>
-          </a:lstStyle>
-          <a:p>
-            <a:pPr marL="114300" indent="0" defTabSz="914400" eaLnBrk="1" hangingPunct="1">
-              <a:lnSpc>
-                <a:spcPct val="90000"/>
-              </a:lnSpc>
-              <a:buNone/>
-            </a:pPr>
-            <a:r>
-              <a:rPr lang="en-US" sz="7200" dirty="0">
-                <a:solidFill>
-                  <a:srgbClr val="404040"/>
-                </a:solidFill>
-                <a:ea typeface="+mn-ea"/>
-                <a:cs typeface="+mn-cs"/>
-              </a:rPr>
-              <a:t>Disperse and Make Reasonable Decisions</a:t>
-            </a:r>
-          </a:p>
-          <a:p>
-            <a:pPr indent="-228600" defTabSz="914400" eaLnBrk="1" hangingPunct="1">
-              <a:lnSpc>
-                <a:spcPct val="90000"/>
-              </a:lnSpc>
-              <a:buFont typeface="Arial" panose="020B0604020202020204" pitchFamily="34" charset="0"/>
-              <a:buChar char="•"/>
-            </a:pPr>
-            <a:endParaRPr lang="en-US" sz="7200" dirty="0">
-              <a:solidFill>
-                <a:srgbClr val="404040"/>
-              </a:solidFill>
-              <a:ea typeface="+mn-ea"/>
-              <a:cs typeface="+mn-cs"/>
-            </a:endParaRPr>
-          </a:p>
-          <a:p>
-            <a:pPr indent="-228600" defTabSz="914400" eaLnBrk="1" hangingPunct="1">
-              <a:lnSpc>
-                <a:spcPct val="90000"/>
-              </a:lnSpc>
-              <a:buFont typeface="Arial" panose="020B0604020202020204" pitchFamily="34" charset="0"/>
-              <a:buChar char="•"/>
-            </a:pPr>
-            <a:endParaRPr lang="en-US" sz="7200" dirty="0">
-              <a:solidFill>
-                <a:srgbClr val="404040"/>
-              </a:solidFill>
-              <a:ea typeface="+mn-ea"/>
-              <a:cs typeface="+mn-cs"/>
-            </a:endParaRPr>
-          </a:p>
-          <a:p>
-            <a:pPr indent="-228600" defTabSz="914400" eaLnBrk="1" hangingPunct="1">
-              <a:lnSpc>
-                <a:spcPct val="90000"/>
-              </a:lnSpc>
-              <a:buFont typeface="Arial" panose="020B0604020202020204" pitchFamily="34" charset="0"/>
-              <a:buChar char="•"/>
-            </a:pPr>
-            <a:endParaRPr lang="en-US" sz="7200" dirty="0">
-              <a:solidFill>
-                <a:srgbClr val="404040"/>
-              </a:solidFill>
-              <a:ea typeface="+mn-ea"/>
-              <a:cs typeface="+mn-cs"/>
-            </a:endParaRPr>
-          </a:p>
-          <a:p>
-            <a:pPr indent="-228600" defTabSz="914400" eaLnBrk="1" hangingPunct="1">
-              <a:lnSpc>
-                <a:spcPct val="90000"/>
-              </a:lnSpc>
-              <a:buFont typeface="Arial" panose="020B0604020202020204" pitchFamily="34" charset="0"/>
-              <a:buChar char="•"/>
-            </a:pPr>
-            <a:endParaRPr lang="en-US" sz="7200" dirty="0">
-              <a:solidFill>
-                <a:srgbClr val="404040"/>
-              </a:solidFill>
-              <a:ea typeface="+mn-ea"/>
-              <a:cs typeface="+mn-cs"/>
             </a:endParaRPr>
           </a:p>
         </p:txBody>
@@ -11575,7 +11507,1002 @@
     </p:custDataLst>
     <p:extLst>
       <p:ext uri="{BB962C8B-B14F-4D97-AF65-F5344CB8AC3E}">
-        <p14:creationId xmlns:p14="http://schemas.microsoft.com/office/powerpoint/2010/main" val="3647066437"/>
+        <p14:creationId xmlns:p14="http://schemas.microsoft.com/office/powerpoint/2010/main" val="1116550337"/>
+      </p:ext>
+    </p:extLst>
+  </p:cSld>
+  <p:clrMapOvr>
+    <a:masterClrMapping/>
+  </p:clrMapOvr>
+</p:sld>
+</file>
+
+<file path=ppt/slides/slide8.xml><?xml version="1.0" encoding="utf-8"?>
+<p:sld xmlns:a="http://schemas.openxmlformats.org/drawingml/2006/main" xmlns:r="http://schemas.openxmlformats.org/officeDocument/2006/relationships" xmlns:p="http://schemas.openxmlformats.org/presentationml/2006/main">
+  <p:cSld>
+    <p:bg>
+      <p:bgPr>
+        <a:solidFill>
+          <a:schemeClr val="bg1">
+            <a:lumMod val="85000"/>
+          </a:schemeClr>
+        </a:solidFill>
+        <a:effectLst/>
+      </p:bgPr>
+    </p:bg>
+    <p:spTree>
+      <p:nvGrpSpPr>
+        <p:cNvPr id="1" name=""/>
+        <p:cNvGrpSpPr/>
+        <p:nvPr/>
+      </p:nvGrpSpPr>
+      <p:grpSpPr>
+        <a:xfrm>
+          <a:off x="0" y="0"/>
+          <a:ext cx="0" cy="0"/>
+          <a:chOff x="0" y="0"/>
+          <a:chExt cx="0" cy="0"/>
+        </a:xfrm>
+      </p:grpSpPr>
+      <p:sp>
+        <p:nvSpPr>
+          <p:cNvPr id="15" name="Rectangle 12">
+            <a:extLst>
+              <a:ext uri="{FF2B5EF4-FFF2-40B4-BE49-F238E27FC236}">
+                <a16:creationId xmlns:a16="http://schemas.microsoft.com/office/drawing/2014/main" id="{867D4867-5BA7-4462-B2F6-A23F4A622AA7}"/>
+              </a:ext>
+              <a:ext uri="{C183D7F6-B498-43B3-948B-1728B52AA6E4}">
+                <adec:decorative xmlns:adec="http://schemas.microsoft.com/office/drawing/2017/decorative" val="1"/>
+              </a:ext>
+            </a:extLst>
+          </p:cNvPr>
+          <p:cNvSpPr>
+            <a:spLocks noGrp="1" noRot="1" noChangeAspect="1" noMove="1" noResize="1" noEditPoints="1" noAdjustHandles="1" noChangeArrowheads="1" noChangeShapeType="1" noTextEdit="1"/>
+          </p:cNvSpPr>
+          <p:nvPr>
+            <p:extLst>
+              <p:ext uri="{386F3935-93C4-4BCD-93E2-E3B085C9AB24}">
+                <p16:designElem xmlns:p16="http://schemas.microsoft.com/office/powerpoint/2015/main" val="1"/>
+              </p:ext>
+            </p:extLst>
+          </p:nvPr>
+        </p:nvSpPr>
+        <p:spPr>
+          <a:xfrm>
+            <a:off x="0" y="0"/>
+            <a:ext cx="3490722" cy="6858000"/>
+          </a:xfrm>
+          <a:prstGeom prst="rect">
+            <a:avLst/>
+          </a:prstGeom>
+          <a:solidFill>
+            <a:schemeClr val="tx1">
+              <a:lumMod val="75000"/>
+              <a:lumOff val="25000"/>
+            </a:schemeClr>
+          </a:solidFill>
+          <a:ln>
+            <a:noFill/>
+          </a:ln>
+        </p:spPr>
+        <p:style>
+          <a:lnRef idx="0">
+            <a:scrgbClr r="0" g="0" b="0"/>
+          </a:lnRef>
+          <a:fillRef idx="0">
+            <a:scrgbClr r="0" g="0" b="0"/>
+          </a:fillRef>
+          <a:effectRef idx="0">
+            <a:scrgbClr r="0" g="0" b="0"/>
+          </a:effectRef>
+          <a:fontRef idx="minor">
+            <a:schemeClr val="lt1"/>
+          </a:fontRef>
+        </p:style>
+        <p:txBody>
+          <a:bodyPr rtlCol="0" anchor="ctr"/>
+          <a:lstStyle/>
+          <a:p>
+            <a:pPr marL="0" marR="0" lvl="0" indent="0" algn="ctr" defTabSz="457200" rtl="0" eaLnBrk="1" fontAlgn="base" latinLnBrk="0" hangingPunct="1">
+              <a:lnSpc>
+                <a:spcPct val="100000"/>
+              </a:lnSpc>
+              <a:spcBef>
+                <a:spcPct val="0"/>
+              </a:spcBef>
+              <a:spcAft>
+                <a:spcPct val="0"/>
+              </a:spcAft>
+              <a:buClrTx/>
+              <a:buSzTx/>
+              <a:buFontTx/>
+              <a:buNone/>
+              <a:tabLst/>
+              <a:defRPr/>
+            </a:pPr>
+            <a:endParaRPr kumimoji="0" lang="en-US" sz="2400" b="0" i="0" u="none" strike="noStrike" kern="1200" cap="none" spc="0" normalizeH="0" baseline="0" noProof="0">
+              <a:ln>
+                <a:noFill/>
+              </a:ln>
+              <a:solidFill>
+                <a:prstClr val="white"/>
+              </a:solidFill>
+              <a:effectLst/>
+              <a:uLnTx/>
+              <a:uFillTx/>
+              <a:latin typeface="Calibri"/>
+              <a:ea typeface="+mn-ea"/>
+              <a:cs typeface="+mn-cs"/>
+            </a:endParaRPr>
+          </a:p>
+        </p:txBody>
+      </p:sp>
+      <p:sp>
+        <p:nvSpPr>
+          <p:cNvPr id="2" name="Title 1"/>
+          <p:cNvSpPr>
+            <a:spLocks noGrp="1"/>
+          </p:cNvSpPr>
+          <p:nvPr>
+            <p:ph type="title"/>
+          </p:nvPr>
+        </p:nvSpPr>
+        <p:spPr>
+          <a:xfrm>
+            <a:off x="482600" y="643467"/>
+            <a:ext cx="2522980" cy="1597315"/>
+          </a:xfrm>
+          <a:noFill/>
+          <a:ln w="19050">
+            <a:solidFill>
+              <a:schemeClr val="bg1"/>
+            </a:solidFill>
+          </a:ln>
+        </p:spPr>
+        <p:txBody>
+          <a:bodyPr vert="horz" wrap="square" lIns="91440" tIns="45720" rIns="91440" bIns="45720" rtlCol="0" anchor="ctr">
+            <a:normAutofit/>
+          </a:bodyPr>
+          <a:lstStyle/>
+          <a:p>
+            <a:pPr defTabSz="914400" eaLnBrk="1" hangingPunct="1">
+              <a:lnSpc>
+                <a:spcPct val="90000"/>
+              </a:lnSpc>
+            </a:pPr>
+            <a:r>
+              <a:rPr lang="en-US" sz="2400" kern="1200" dirty="0">
+                <a:solidFill>
+                  <a:schemeClr val="bg1"/>
+                </a:solidFill>
+                <a:latin typeface="+mj-lt"/>
+                <a:ea typeface="+mj-ea"/>
+                <a:cs typeface="+mj-cs"/>
+              </a:rPr>
+              <a:t>Part 2</a:t>
+            </a:r>
+            <a:br>
+              <a:rPr lang="en-US" sz="2400" kern="1200" dirty="0">
+                <a:solidFill>
+                  <a:schemeClr val="bg1"/>
+                </a:solidFill>
+                <a:latin typeface="+mj-lt"/>
+                <a:ea typeface="+mj-ea"/>
+                <a:cs typeface="+mj-cs"/>
+              </a:rPr>
+            </a:br>
+            <a:r>
+              <a:rPr lang="en-US" sz="2400" kern="1200" dirty="0">
+                <a:solidFill>
+                  <a:schemeClr val="bg1"/>
+                </a:solidFill>
+                <a:latin typeface="+mj-lt"/>
+                <a:ea typeface="+mj-ea"/>
+                <a:cs typeface="+mj-cs"/>
+              </a:rPr>
+              <a:t>Discussion</a:t>
+            </a:r>
+          </a:p>
+        </p:txBody>
+      </p:sp>
+      <p:pic>
+        <p:nvPicPr>
+          <p:cNvPr id="8" name="Picture 7">
+            <a:extLst>
+              <a:ext uri="{FF2B5EF4-FFF2-40B4-BE49-F238E27FC236}">
+                <a16:creationId xmlns:a16="http://schemas.microsoft.com/office/drawing/2014/main" id="{521D4292-9ECC-4DA5-8CC0-C561A0DA118E}"/>
+              </a:ext>
+            </a:extLst>
+          </p:cNvPr>
+          <p:cNvPicPr>
+            <a:picLocks noChangeAspect="1"/>
+          </p:cNvPicPr>
+          <p:nvPr/>
+        </p:nvPicPr>
+        <p:blipFill rotWithShape="1">
+          <a:blip r:embed="rId3"/>
+          <a:srcRect l="8000" r="9400"/>
+          <a:stretch/>
+        </p:blipFill>
+        <p:spPr>
+          <a:xfrm>
+            <a:off x="660103" y="3048000"/>
+            <a:ext cx="2167974" cy="2624666"/>
+          </a:xfrm>
+          <a:prstGeom prst="rect">
+            <a:avLst/>
+          </a:prstGeom>
+          <a:noFill/>
+        </p:spPr>
+      </p:pic>
+      <p:sp>
+        <p:nvSpPr>
+          <p:cNvPr id="6" name="TextBox 5">
+            <a:extLst>
+              <a:ext uri="{FF2B5EF4-FFF2-40B4-BE49-F238E27FC236}">
+                <a16:creationId xmlns:a16="http://schemas.microsoft.com/office/drawing/2014/main" id="{4B62062A-063A-4651-BA22-3EE3D36EBD57}"/>
+              </a:ext>
+            </a:extLst>
+          </p:cNvPr>
+          <p:cNvSpPr txBox="1"/>
+          <p:nvPr/>
+        </p:nvSpPr>
+        <p:spPr>
+          <a:xfrm>
+            <a:off x="3810000" y="533400"/>
+            <a:ext cx="5334000" cy="6001643"/>
+          </a:xfrm>
+          <a:prstGeom prst="rect">
+            <a:avLst/>
+          </a:prstGeom>
+          <a:noFill/>
+        </p:spPr>
+        <p:txBody>
+          <a:bodyPr wrap="square" rtlCol="0">
+            <a:spAutoFit/>
+          </a:bodyPr>
+          <a:lstStyle/>
+          <a:p>
+            <a:pPr marL="342900" indent="-342900">
+              <a:buFont typeface="Arial" panose="020B0604020202020204" pitchFamily="34" charset="0"/>
+              <a:buChar char="•"/>
+              <a:defRPr/>
+            </a:pPr>
+            <a:r>
+              <a:rPr lang="en-US" dirty="0">
+                <a:solidFill>
+                  <a:srgbClr val="404040"/>
+                </a:solidFill>
+              </a:rPr>
+              <a:t>Steps:</a:t>
+            </a:r>
+          </a:p>
+          <a:p>
+            <a:pPr>
+              <a:defRPr/>
+            </a:pPr>
+            <a:endParaRPr lang="en-US" dirty="0">
+              <a:solidFill>
+                <a:srgbClr val="404040"/>
+              </a:solidFill>
+            </a:endParaRPr>
+          </a:p>
+          <a:p>
+            <a:pPr marL="800100" lvl="1" indent="-342900">
+              <a:buFont typeface="Arial" panose="020B0604020202020204" pitchFamily="34" charset="0"/>
+              <a:buChar char="•"/>
+              <a:defRPr/>
+            </a:pPr>
+            <a:r>
+              <a:rPr lang="en-US" dirty="0">
+                <a:solidFill>
+                  <a:srgbClr val="404040"/>
+                </a:solidFill>
+              </a:rPr>
+              <a:t>Given the Day in April, Create Function that Outputs the Associated Row </a:t>
+            </a:r>
+          </a:p>
+          <a:p>
+            <a:pPr marL="800100" lvl="1" indent="-342900">
+              <a:buFont typeface="Arial" panose="020B0604020202020204" pitchFamily="34" charset="0"/>
+              <a:buChar char="•"/>
+              <a:defRPr/>
+            </a:pPr>
+            <a:r>
+              <a:rPr lang="en-US" dirty="0">
+                <a:solidFill>
+                  <a:srgbClr val="404040"/>
+                </a:solidFill>
+              </a:rPr>
+              <a:t>Use the Function in a Loop to Construct the Table</a:t>
+            </a:r>
+          </a:p>
+          <a:p>
+            <a:pPr marL="800100" lvl="1" indent="-342900">
+              <a:buFont typeface="Arial" panose="020B0604020202020204" pitchFamily="34" charset="0"/>
+              <a:buChar char="•"/>
+              <a:defRPr/>
+            </a:pPr>
+            <a:endParaRPr lang="en-US" dirty="0">
+              <a:solidFill>
+                <a:srgbClr val="404040"/>
+              </a:solidFill>
+            </a:endParaRPr>
+          </a:p>
+          <a:p>
+            <a:pPr marL="342900" indent="-342900">
+              <a:buFont typeface="Arial" panose="020B0604020202020204" pitchFamily="34" charset="0"/>
+              <a:buChar char="•"/>
+              <a:defRPr/>
+            </a:pPr>
+            <a:r>
+              <a:rPr lang="en-US" dirty="0">
+                <a:solidFill>
+                  <a:srgbClr val="404040"/>
+                </a:solidFill>
+              </a:rPr>
+              <a:t>Two Loops</a:t>
+            </a:r>
+          </a:p>
+          <a:p>
+            <a:pPr marL="800100" lvl="1" indent="-342900">
+              <a:buFont typeface="Arial" panose="020B0604020202020204" pitchFamily="34" charset="0"/>
+              <a:buChar char="•"/>
+              <a:defRPr/>
+            </a:pPr>
+            <a:r>
+              <a:rPr lang="en-US" dirty="0">
+                <a:solidFill>
+                  <a:srgbClr val="404040"/>
+                </a:solidFill>
+              </a:rPr>
+              <a:t>Initiate with NULL</a:t>
+            </a:r>
+          </a:p>
+          <a:p>
+            <a:pPr marL="800100" lvl="1" indent="-342900">
+              <a:buFont typeface="Arial" panose="020B0604020202020204" pitchFamily="34" charset="0"/>
+              <a:buChar char="•"/>
+              <a:defRPr/>
+            </a:pPr>
+            <a:r>
+              <a:rPr lang="en-US" dirty="0">
+                <a:solidFill>
+                  <a:srgbClr val="404040"/>
+                </a:solidFill>
+              </a:rPr>
+              <a:t>Initiate with Empty Tibble</a:t>
+            </a:r>
+          </a:p>
+          <a:p>
+            <a:pPr marL="800100" lvl="1" indent="-342900">
+              <a:buFont typeface="Arial" panose="020B0604020202020204" pitchFamily="34" charset="0"/>
+              <a:buChar char="•"/>
+              <a:defRPr/>
+            </a:pPr>
+            <a:endParaRPr lang="en-US" dirty="0">
+              <a:solidFill>
+                <a:srgbClr val="404040"/>
+              </a:solidFill>
+            </a:endParaRPr>
+          </a:p>
+          <a:p>
+            <a:pPr marL="342900" indent="-342900">
+              <a:buFont typeface="Arial" panose="020B0604020202020204" pitchFamily="34" charset="0"/>
+              <a:buChar char="•"/>
+              <a:defRPr/>
+            </a:pPr>
+            <a:r>
+              <a:rPr lang="en-US" dirty="0">
+                <a:solidFill>
+                  <a:srgbClr val="404040"/>
+                </a:solidFill>
+              </a:rPr>
+              <a:t>Look at Lecture on Loops</a:t>
+            </a:r>
+          </a:p>
+          <a:p>
+            <a:pPr marL="342900" indent="-342900">
+              <a:buFont typeface="Arial" panose="020B0604020202020204" pitchFamily="34" charset="0"/>
+              <a:buChar char="•"/>
+              <a:defRPr/>
+            </a:pPr>
+            <a:endParaRPr lang="en-US" dirty="0">
+              <a:solidFill>
+                <a:srgbClr val="404040"/>
+              </a:solidFill>
+            </a:endParaRPr>
+          </a:p>
+          <a:p>
+            <a:pPr marL="342900" indent="-342900">
+              <a:buFont typeface="Arial" panose="020B0604020202020204" pitchFamily="34" charset="0"/>
+              <a:buChar char="•"/>
+              <a:defRPr/>
+            </a:pPr>
+            <a:r>
+              <a:rPr lang="en-US" dirty="0">
+                <a:solidFill>
+                  <a:srgbClr val="404040"/>
+                </a:solidFill>
+              </a:rPr>
+              <a:t>Q3 is Tricky</a:t>
+            </a:r>
+          </a:p>
+          <a:p>
+            <a:pPr marL="342900" indent="-342900">
+              <a:buFont typeface="Arial" panose="020B0604020202020204" pitchFamily="34" charset="0"/>
+              <a:buChar char="•"/>
+              <a:defRPr/>
+            </a:pPr>
+            <a:endParaRPr lang="en-US" dirty="0">
+              <a:solidFill>
+                <a:srgbClr val="404040"/>
+              </a:solidFill>
+            </a:endParaRPr>
+          </a:p>
+        </p:txBody>
+      </p:sp>
+    </p:spTree>
+    <p:custDataLst>
+      <p:tags r:id="rId1"/>
+    </p:custDataLst>
+    <p:extLst>
+      <p:ext uri="{BB962C8B-B14F-4D97-AF65-F5344CB8AC3E}">
+        <p14:creationId xmlns:p14="http://schemas.microsoft.com/office/powerpoint/2010/main" val="1436674229"/>
+      </p:ext>
+    </p:extLst>
+  </p:cSld>
+  <p:clrMapOvr>
+    <a:masterClrMapping/>
+  </p:clrMapOvr>
+</p:sld>
+</file>
+
+<file path=ppt/slides/slide9.xml><?xml version="1.0" encoding="utf-8"?>
+<p:sld xmlns:a="http://schemas.openxmlformats.org/drawingml/2006/main" xmlns:r="http://schemas.openxmlformats.org/officeDocument/2006/relationships" xmlns:p="http://schemas.openxmlformats.org/presentationml/2006/main">
+  <p:cSld>
+    <p:bg>
+      <p:bgPr>
+        <a:solidFill>
+          <a:schemeClr val="bg1">
+            <a:lumMod val="85000"/>
+          </a:schemeClr>
+        </a:solidFill>
+        <a:effectLst/>
+      </p:bgPr>
+    </p:bg>
+    <p:spTree>
+      <p:nvGrpSpPr>
+        <p:cNvPr id="1" name=""/>
+        <p:cNvGrpSpPr/>
+        <p:nvPr/>
+      </p:nvGrpSpPr>
+      <p:grpSpPr>
+        <a:xfrm>
+          <a:off x="0" y="0"/>
+          <a:ext cx="0" cy="0"/>
+          <a:chOff x="0" y="0"/>
+          <a:chExt cx="0" cy="0"/>
+        </a:xfrm>
+      </p:grpSpPr>
+      <p:sp>
+        <p:nvSpPr>
+          <p:cNvPr id="15" name="Rectangle 12">
+            <a:extLst>
+              <a:ext uri="{FF2B5EF4-FFF2-40B4-BE49-F238E27FC236}">
+                <a16:creationId xmlns:a16="http://schemas.microsoft.com/office/drawing/2014/main" id="{867D4867-5BA7-4462-B2F6-A23F4A622AA7}"/>
+              </a:ext>
+              <a:ext uri="{C183D7F6-B498-43B3-948B-1728B52AA6E4}">
+                <adec:decorative xmlns:adec="http://schemas.microsoft.com/office/drawing/2017/decorative" val="1"/>
+              </a:ext>
+            </a:extLst>
+          </p:cNvPr>
+          <p:cNvSpPr>
+            <a:spLocks noGrp="1" noRot="1" noChangeAspect="1" noMove="1" noResize="1" noEditPoints="1" noAdjustHandles="1" noChangeArrowheads="1" noChangeShapeType="1" noTextEdit="1"/>
+          </p:cNvSpPr>
+          <p:nvPr>
+            <p:extLst>
+              <p:ext uri="{386F3935-93C4-4BCD-93E2-E3B085C9AB24}">
+                <p16:designElem xmlns:p16="http://schemas.microsoft.com/office/powerpoint/2015/main" val="1"/>
+              </p:ext>
+            </p:extLst>
+          </p:nvPr>
+        </p:nvSpPr>
+        <p:spPr>
+          <a:xfrm>
+            <a:off x="0" y="0"/>
+            <a:ext cx="3490722" cy="6858000"/>
+          </a:xfrm>
+          <a:prstGeom prst="rect">
+            <a:avLst/>
+          </a:prstGeom>
+          <a:solidFill>
+            <a:schemeClr val="tx1">
+              <a:lumMod val="75000"/>
+              <a:lumOff val="25000"/>
+            </a:schemeClr>
+          </a:solidFill>
+          <a:ln>
+            <a:noFill/>
+          </a:ln>
+        </p:spPr>
+        <p:style>
+          <a:lnRef idx="0">
+            <a:scrgbClr r="0" g="0" b="0"/>
+          </a:lnRef>
+          <a:fillRef idx="0">
+            <a:scrgbClr r="0" g="0" b="0"/>
+          </a:fillRef>
+          <a:effectRef idx="0">
+            <a:scrgbClr r="0" g="0" b="0"/>
+          </a:effectRef>
+          <a:fontRef idx="minor">
+            <a:schemeClr val="lt1"/>
+          </a:fontRef>
+        </p:style>
+        <p:txBody>
+          <a:bodyPr rtlCol="0" anchor="ctr"/>
+          <a:lstStyle/>
+          <a:p>
+            <a:pPr marL="0" marR="0" lvl="0" indent="0" algn="ctr" defTabSz="457200" rtl="0" eaLnBrk="1" fontAlgn="base" latinLnBrk="0" hangingPunct="1">
+              <a:lnSpc>
+                <a:spcPct val="100000"/>
+              </a:lnSpc>
+              <a:spcBef>
+                <a:spcPct val="0"/>
+              </a:spcBef>
+              <a:spcAft>
+                <a:spcPct val="0"/>
+              </a:spcAft>
+              <a:buClrTx/>
+              <a:buSzTx/>
+              <a:buFontTx/>
+              <a:buNone/>
+              <a:tabLst/>
+              <a:defRPr/>
+            </a:pPr>
+            <a:endParaRPr kumimoji="0" lang="en-US" sz="2400" b="0" i="0" u="none" strike="noStrike" kern="1200" cap="none" spc="0" normalizeH="0" baseline="0" noProof="0">
+              <a:ln>
+                <a:noFill/>
+              </a:ln>
+              <a:solidFill>
+                <a:prstClr val="white"/>
+              </a:solidFill>
+              <a:effectLst/>
+              <a:uLnTx/>
+              <a:uFillTx/>
+              <a:latin typeface="Calibri"/>
+              <a:ea typeface="+mn-ea"/>
+              <a:cs typeface="+mn-cs"/>
+            </a:endParaRPr>
+          </a:p>
+        </p:txBody>
+      </p:sp>
+      <p:sp>
+        <p:nvSpPr>
+          <p:cNvPr id="2" name="Title 1"/>
+          <p:cNvSpPr>
+            <a:spLocks noGrp="1"/>
+          </p:cNvSpPr>
+          <p:nvPr>
+            <p:ph type="title"/>
+          </p:nvPr>
+        </p:nvSpPr>
+        <p:spPr>
+          <a:xfrm>
+            <a:off x="482600" y="643467"/>
+            <a:ext cx="2522980" cy="1597315"/>
+          </a:xfrm>
+          <a:noFill/>
+          <a:ln w="19050">
+            <a:solidFill>
+              <a:schemeClr val="bg1"/>
+            </a:solidFill>
+          </a:ln>
+        </p:spPr>
+        <p:txBody>
+          <a:bodyPr vert="horz" wrap="square" lIns="91440" tIns="45720" rIns="91440" bIns="45720" rtlCol="0" anchor="ctr">
+            <a:normAutofit/>
+          </a:bodyPr>
+          <a:lstStyle/>
+          <a:p>
+            <a:pPr defTabSz="914400" eaLnBrk="1" hangingPunct="1">
+              <a:lnSpc>
+                <a:spcPct val="90000"/>
+              </a:lnSpc>
+            </a:pPr>
+            <a:r>
+              <a:rPr lang="en-US" sz="2400" kern="1200" dirty="0">
+                <a:solidFill>
+                  <a:schemeClr val="bg1"/>
+                </a:solidFill>
+                <a:latin typeface="+mj-lt"/>
+                <a:ea typeface="+mj-ea"/>
+                <a:cs typeface="+mj-cs"/>
+              </a:rPr>
+              <a:t>Part 3</a:t>
+            </a:r>
+            <a:br>
+              <a:rPr lang="en-US" sz="2400" kern="1200" dirty="0">
+                <a:solidFill>
+                  <a:schemeClr val="bg1"/>
+                </a:solidFill>
+                <a:latin typeface="+mj-lt"/>
+                <a:ea typeface="+mj-ea"/>
+                <a:cs typeface="+mj-cs"/>
+              </a:rPr>
+            </a:br>
+            <a:r>
+              <a:rPr lang="en-US" sz="2400" kern="1200" dirty="0">
+                <a:solidFill>
+                  <a:schemeClr val="bg1"/>
+                </a:solidFill>
+                <a:latin typeface="+mj-lt"/>
+                <a:ea typeface="+mj-ea"/>
+                <a:cs typeface="+mj-cs"/>
+              </a:rPr>
+              <a:t>Discussion</a:t>
+            </a:r>
+          </a:p>
+        </p:txBody>
+      </p:sp>
+      <p:pic>
+        <p:nvPicPr>
+          <p:cNvPr id="8" name="Picture 7">
+            <a:extLst>
+              <a:ext uri="{FF2B5EF4-FFF2-40B4-BE49-F238E27FC236}">
+                <a16:creationId xmlns:a16="http://schemas.microsoft.com/office/drawing/2014/main" id="{521D4292-9ECC-4DA5-8CC0-C561A0DA118E}"/>
+              </a:ext>
+            </a:extLst>
+          </p:cNvPr>
+          <p:cNvPicPr>
+            <a:picLocks noChangeAspect="1"/>
+          </p:cNvPicPr>
+          <p:nvPr/>
+        </p:nvPicPr>
+        <p:blipFill rotWithShape="1">
+          <a:blip r:embed="rId3"/>
+          <a:srcRect l="8000" r="9400"/>
+          <a:stretch/>
+        </p:blipFill>
+        <p:spPr>
+          <a:xfrm>
+            <a:off x="660103" y="3048000"/>
+            <a:ext cx="2167974" cy="2624666"/>
+          </a:xfrm>
+          <a:prstGeom prst="rect">
+            <a:avLst/>
+          </a:prstGeom>
+          <a:noFill/>
+        </p:spPr>
+      </p:pic>
+      <p:sp>
+        <p:nvSpPr>
+          <p:cNvPr id="6" name="TextBox 5">
+            <a:extLst>
+              <a:ext uri="{FF2B5EF4-FFF2-40B4-BE49-F238E27FC236}">
+                <a16:creationId xmlns:a16="http://schemas.microsoft.com/office/drawing/2014/main" id="{89EB28F7-6B01-4131-9327-B2370B378445}"/>
+              </a:ext>
+            </a:extLst>
+          </p:cNvPr>
+          <p:cNvSpPr txBox="1"/>
+          <p:nvPr/>
+        </p:nvSpPr>
+        <p:spPr>
+          <a:xfrm>
+            <a:off x="3810000" y="507623"/>
+            <a:ext cx="5334000" cy="6370975"/>
+          </a:xfrm>
+          <a:prstGeom prst="rect">
+            <a:avLst/>
+          </a:prstGeom>
+          <a:noFill/>
+        </p:spPr>
+        <p:txBody>
+          <a:bodyPr wrap="square" rtlCol="0">
+            <a:spAutoFit/>
+          </a:bodyPr>
+          <a:lstStyle/>
+          <a:p>
+            <a:pPr marL="342900" indent="-342900">
+              <a:buFont typeface="Arial" panose="020B0604020202020204" pitchFamily="34" charset="0"/>
+              <a:buChar char="•"/>
+              <a:defRPr/>
+            </a:pPr>
+            <a:r>
+              <a:rPr lang="en-US" dirty="0">
+                <a:solidFill>
+                  <a:srgbClr val="404040"/>
+                </a:solidFill>
+              </a:rPr>
+              <a:t>Functions That Apply Functions Across Dimensions Of R Object</a:t>
+            </a:r>
+          </a:p>
+          <a:p>
+            <a:pPr marL="342900" indent="-342900">
+              <a:buFont typeface="Arial" panose="020B0604020202020204" pitchFamily="34" charset="0"/>
+              <a:buChar char="•"/>
+              <a:defRPr/>
+            </a:pPr>
+            <a:endParaRPr lang="en-US" dirty="0">
+              <a:solidFill>
+                <a:srgbClr val="404040"/>
+              </a:solidFill>
+            </a:endParaRPr>
+          </a:p>
+          <a:p>
+            <a:pPr marL="342900" indent="-342900">
+              <a:buFont typeface="Arial" panose="020B0604020202020204" pitchFamily="34" charset="0"/>
+              <a:buChar char="•"/>
+              <a:defRPr/>
+            </a:pPr>
+            <a:r>
+              <a:rPr lang="en-US" dirty="0">
+                <a:solidFill>
+                  <a:srgbClr val="404040"/>
+                </a:solidFill>
+              </a:rPr>
+              <a:t>Doesn’t Require a Loop</a:t>
+            </a:r>
+          </a:p>
+          <a:p>
+            <a:pPr marL="342900" indent="-342900">
+              <a:buFont typeface="Arial" panose="020B0604020202020204" pitchFamily="34" charset="0"/>
+              <a:buChar char="•"/>
+              <a:defRPr/>
+            </a:pPr>
+            <a:endParaRPr lang="en-US" dirty="0">
+              <a:solidFill>
+                <a:srgbClr val="404040"/>
+              </a:solidFill>
+            </a:endParaRPr>
+          </a:p>
+          <a:p>
+            <a:pPr marL="342900" indent="-342900">
+              <a:buFont typeface="Arial" panose="020B0604020202020204" pitchFamily="34" charset="0"/>
+              <a:buChar char="•"/>
+              <a:defRPr/>
+            </a:pPr>
+            <a:r>
+              <a:rPr lang="en-US" dirty="0">
+                <a:solidFill>
+                  <a:srgbClr val="404040"/>
+                </a:solidFill>
+              </a:rPr>
+              <a:t>Tibbles are Matrices</a:t>
+            </a:r>
+          </a:p>
+          <a:p>
+            <a:pPr marL="800100" lvl="1" indent="-342900">
+              <a:buFont typeface="Arial" panose="020B0604020202020204" pitchFamily="34" charset="0"/>
+              <a:buChar char="•"/>
+              <a:defRPr/>
+            </a:pPr>
+            <a:r>
+              <a:rPr lang="en-US" dirty="0">
+                <a:solidFill>
+                  <a:srgbClr val="404040"/>
+                </a:solidFill>
+              </a:rPr>
+              <a:t>Apply Functions to Rows</a:t>
+            </a:r>
+          </a:p>
+          <a:p>
+            <a:pPr marL="800100" lvl="1" indent="-342900">
+              <a:buFont typeface="Arial" panose="020B0604020202020204" pitchFamily="34" charset="0"/>
+              <a:buChar char="•"/>
+              <a:defRPr/>
+            </a:pPr>
+            <a:r>
+              <a:rPr lang="en-US" dirty="0">
+                <a:solidFill>
+                  <a:srgbClr val="404040"/>
+                </a:solidFill>
+              </a:rPr>
+              <a:t>Apply Functions to Columns (Think Summarize)</a:t>
+            </a:r>
+          </a:p>
+          <a:p>
+            <a:pPr marL="800100" lvl="1" indent="-342900">
+              <a:buFont typeface="Arial" panose="020B0604020202020204" pitchFamily="34" charset="0"/>
+              <a:buChar char="•"/>
+              <a:defRPr/>
+            </a:pPr>
+            <a:endParaRPr lang="en-US" dirty="0">
+              <a:solidFill>
+                <a:srgbClr val="404040"/>
+              </a:solidFill>
+            </a:endParaRPr>
+          </a:p>
+          <a:p>
+            <a:pPr marL="342900" indent="-342900">
+              <a:buFont typeface="Arial" panose="020B0604020202020204" pitchFamily="34" charset="0"/>
+              <a:buChar char="•"/>
+              <a:defRPr/>
+            </a:pPr>
+            <a:r>
+              <a:rPr lang="en-US" dirty="0">
+                <a:solidFill>
+                  <a:srgbClr val="404040"/>
+                </a:solidFill>
+              </a:rPr>
+              <a:t>Apply() Function to Matrix</a:t>
+            </a:r>
+          </a:p>
+          <a:p>
+            <a:pPr marL="800100" lvl="1" indent="-342900">
+              <a:buFont typeface="Arial" panose="020B0604020202020204" pitchFamily="34" charset="0"/>
+              <a:buChar char="•"/>
+              <a:defRPr/>
+            </a:pPr>
+            <a:r>
+              <a:rPr lang="en-US" dirty="0">
+                <a:solidFill>
+                  <a:srgbClr val="404040"/>
+                </a:solidFill>
+              </a:rPr>
+              <a:t>To Rows</a:t>
+            </a:r>
+          </a:p>
+          <a:p>
+            <a:pPr marL="800100" lvl="1" indent="-342900">
+              <a:buFont typeface="Arial" panose="020B0604020202020204" pitchFamily="34" charset="0"/>
+              <a:buChar char="•"/>
+              <a:defRPr/>
+            </a:pPr>
+            <a:endParaRPr lang="en-US" dirty="0">
+              <a:solidFill>
+                <a:srgbClr val="404040"/>
+              </a:solidFill>
+            </a:endParaRPr>
+          </a:p>
+          <a:p>
+            <a:pPr marL="800100" lvl="1" indent="-342900">
+              <a:buFont typeface="Arial" panose="020B0604020202020204" pitchFamily="34" charset="0"/>
+              <a:buChar char="•"/>
+              <a:defRPr/>
+            </a:pPr>
+            <a:r>
+              <a:rPr lang="en-US" dirty="0">
+                <a:solidFill>
+                  <a:srgbClr val="404040"/>
+                </a:solidFill>
+              </a:rPr>
+              <a:t>To Columns</a:t>
+            </a:r>
+          </a:p>
+          <a:p>
+            <a:pPr lvl="1">
+              <a:defRPr/>
+            </a:pPr>
+            <a:endParaRPr lang="en-US" dirty="0">
+              <a:solidFill>
+                <a:srgbClr val="404040"/>
+              </a:solidFill>
+            </a:endParaRPr>
+          </a:p>
+          <a:p>
+            <a:pPr lvl="1">
+              <a:defRPr/>
+            </a:pPr>
+            <a:endParaRPr lang="en-US" dirty="0">
+              <a:solidFill>
+                <a:srgbClr val="404040"/>
+              </a:solidFill>
+            </a:endParaRPr>
+          </a:p>
+          <a:p>
+            <a:pPr marL="342900" indent="-342900">
+              <a:buFont typeface="Arial" panose="020B0604020202020204" pitchFamily="34" charset="0"/>
+              <a:buChar char="•"/>
+              <a:defRPr/>
+            </a:pPr>
+            <a:r>
+              <a:rPr lang="en-US" dirty="0">
+                <a:solidFill>
+                  <a:srgbClr val="404040"/>
+                </a:solidFill>
+              </a:rPr>
+              <a:t>Start Working (Rest of Class)</a:t>
+            </a:r>
+          </a:p>
+        </p:txBody>
+      </p:sp>
+      <p:sp>
+        <p:nvSpPr>
+          <p:cNvPr id="3" name="TextBox 2">
+            <a:extLst>
+              <a:ext uri="{FF2B5EF4-FFF2-40B4-BE49-F238E27FC236}">
+                <a16:creationId xmlns:a16="http://schemas.microsoft.com/office/drawing/2014/main" id="{C34F6395-FF64-48E1-813C-9ECC7C7E78AF}"/>
+              </a:ext>
+            </a:extLst>
+          </p:cNvPr>
+          <p:cNvSpPr txBox="1"/>
+          <p:nvPr/>
+        </p:nvSpPr>
+        <p:spPr>
+          <a:xfrm>
+            <a:off x="4724400" y="4941332"/>
+            <a:ext cx="2819400" cy="369332"/>
+          </a:xfrm>
+          <a:prstGeom prst="rect">
+            <a:avLst/>
+          </a:prstGeom>
+          <a:solidFill>
+            <a:srgbClr val="404040"/>
+          </a:solidFill>
+          <a:ln>
+            <a:noFill/>
+          </a:ln>
+        </p:spPr>
+        <p:txBody>
+          <a:bodyPr wrap="square" rtlCol="0">
+            <a:spAutoFit/>
+          </a:bodyPr>
+          <a:lstStyle/>
+          <a:p>
+            <a:r>
+              <a:rPr lang="en-US" sz="1800" dirty="0">
+                <a:solidFill>
+                  <a:schemeClr val="bg1"/>
+                </a:solidFill>
+              </a:rPr>
+              <a:t>apply(Matrix, 1, Function)</a:t>
+            </a:r>
+          </a:p>
+        </p:txBody>
+      </p:sp>
+      <p:sp>
+        <p:nvSpPr>
+          <p:cNvPr id="9" name="TextBox 8">
+            <a:extLst>
+              <a:ext uri="{FF2B5EF4-FFF2-40B4-BE49-F238E27FC236}">
+                <a16:creationId xmlns:a16="http://schemas.microsoft.com/office/drawing/2014/main" id="{318327E8-3E93-4C52-9C6E-399C3332B116}"/>
+              </a:ext>
+            </a:extLst>
+          </p:cNvPr>
+          <p:cNvSpPr txBox="1"/>
+          <p:nvPr/>
+        </p:nvSpPr>
+        <p:spPr>
+          <a:xfrm>
+            <a:off x="4724400" y="5669832"/>
+            <a:ext cx="2819400" cy="369332"/>
+          </a:xfrm>
+          <a:prstGeom prst="rect">
+            <a:avLst/>
+          </a:prstGeom>
+          <a:solidFill>
+            <a:srgbClr val="404040"/>
+          </a:solidFill>
+          <a:ln>
+            <a:noFill/>
+          </a:ln>
+        </p:spPr>
+        <p:txBody>
+          <a:bodyPr wrap="square" rtlCol="0">
+            <a:spAutoFit/>
+          </a:bodyPr>
+          <a:lstStyle/>
+          <a:p>
+            <a:r>
+              <a:rPr lang="en-US" sz="1800" dirty="0">
+                <a:solidFill>
+                  <a:schemeClr val="bg1"/>
+                </a:solidFill>
+              </a:rPr>
+              <a:t>apply(Matrix, 2, Function)</a:t>
+            </a:r>
+          </a:p>
+        </p:txBody>
+      </p:sp>
+    </p:spTree>
+    <p:custDataLst>
+      <p:tags r:id="rId1"/>
+    </p:custDataLst>
+    <p:extLst>
+      <p:ext uri="{BB962C8B-B14F-4D97-AF65-F5344CB8AC3E}">
+        <p14:creationId xmlns:p14="http://schemas.microsoft.com/office/powerpoint/2010/main" val="49228164"/>
       </p:ext>
     </p:extLst>
   </p:cSld>
@@ -11677,6 +12604,18 @@
 </p:tagLst>
 </file>
 
+<file path=ppt/tags/tag10.xml><?xml version="1.0" encoding="utf-8"?>
+<p:tagLst xmlns:a="http://schemas.openxmlformats.org/drawingml/2006/main" xmlns:r="http://schemas.openxmlformats.org/officeDocument/2006/relationships" xmlns:p="http://schemas.openxmlformats.org/presentationml/2006/main">
+  <p:tag name="DELIMITERS" val="3.1"/>
+</p:tagLst>
+</file>
+
+<file path=ppt/tags/tag11.xml><?xml version="1.0" encoding="utf-8"?>
+<p:tagLst xmlns:a="http://schemas.openxmlformats.org/drawingml/2006/main" xmlns:r="http://schemas.openxmlformats.org/officeDocument/2006/relationships" xmlns:p="http://schemas.openxmlformats.org/presentationml/2006/main">
+  <p:tag name="DELIMITERS" val="3.1"/>
+</p:tagLst>
+</file>
+
 <file path=ppt/tags/tag2.xml><?xml version="1.0" encoding="utf-8"?>
 <p:tagLst xmlns:a="http://schemas.openxmlformats.org/drawingml/2006/main" xmlns:r="http://schemas.openxmlformats.org/officeDocument/2006/relationships" xmlns:p="http://schemas.openxmlformats.org/presentationml/2006/main">
   <p:tag name="DELIMITERS" val="3.1"/>
@@ -11714,6 +12653,12 @@
 </file>
 
 <file path=ppt/tags/tag8.xml><?xml version="1.0" encoding="utf-8"?>
+<p:tagLst xmlns:a="http://schemas.openxmlformats.org/drawingml/2006/main" xmlns:r="http://schemas.openxmlformats.org/officeDocument/2006/relationships" xmlns:p="http://schemas.openxmlformats.org/presentationml/2006/main">
+  <p:tag name="DELIMITERS" val="3.1"/>
+</p:tagLst>
+</file>
+
+<file path=ppt/tags/tag9.xml><?xml version="1.0" encoding="utf-8"?>
 <p:tagLst xmlns:a="http://schemas.openxmlformats.org/drawingml/2006/main" xmlns:r="http://schemas.openxmlformats.org/officeDocument/2006/relationships" xmlns:p="http://schemas.openxmlformats.org/presentationml/2006/main">
   <p:tag name="DELIMITERS" val="3.1"/>
 </p:tagLst>

--- a/Lecture/Programming 4/Programming_4_Lecture.pptx
+++ b/Lecture/Programming 4/Programming_4_Lecture.pptx
@@ -19,8 +19,8 @@
     <p:sldId id="405" r:id="rId7"/>
     <p:sldId id="406" r:id="rId8"/>
     <p:sldId id="401" r:id="rId9"/>
-    <p:sldId id="403" r:id="rId10"/>
-    <p:sldId id="402" r:id="rId11"/>
+    <p:sldId id="407" r:id="rId10"/>
+    <p:sldId id="408" r:id="rId11"/>
     <p:sldId id="329" r:id="rId12"/>
   </p:sldIdLst>
   <p:sldSz cx="9144000" cy="6858000" type="screen4x3"/>
@@ -297,7 +297,7 @@
               <a:pPr>
                 <a:defRPr/>
               </a:pPr>
-              <a:t>10/12/2020</a:t>
+              <a:t>10/13/2020</a:t>
             </a:fld>
             <a:endParaRPr lang="en-US" dirty="0"/>
           </a:p>
@@ -509,7 +509,7 @@
               <a:pPr>
                 <a:defRPr/>
               </a:pPr>
-              <a:t>10/12/2020</a:t>
+              <a:t>10/13/2020</a:t>
             </a:fld>
             <a:endParaRPr lang="en-US" dirty="0"/>
           </a:p>
@@ -1028,7 +1028,7 @@
               <a:pPr>
                 <a:defRPr/>
               </a:pPr>
-              <a:t>10/12/2020</a:t>
+              <a:t>10/13/2020</a:t>
             </a:fld>
             <a:endParaRPr lang="en-US" dirty="0"/>
           </a:p>
@@ -1218,7 +1218,7 @@
               <a:pPr>
                 <a:defRPr/>
               </a:pPr>
-              <a:t>10/12/2020</a:t>
+              <a:t>10/13/2020</a:t>
             </a:fld>
             <a:endParaRPr lang="en-US" dirty="0"/>
           </a:p>
@@ -1418,7 +1418,7 @@
               <a:pPr>
                 <a:defRPr/>
               </a:pPr>
-              <a:t>10/12/2020</a:t>
+              <a:t>10/13/2020</a:t>
             </a:fld>
             <a:endParaRPr lang="en-US" dirty="0"/>
           </a:p>
@@ -1686,7 +1686,7 @@
               <a:pPr>
                 <a:defRPr/>
               </a:pPr>
-              <a:t>10/12/2020</a:t>
+              <a:t>10/13/2020</a:t>
             </a:fld>
             <a:endParaRPr lang="en-US" dirty="0">
               <a:solidFill>
@@ -1900,7 +1900,7 @@
               <a:pPr>
                 <a:defRPr/>
               </a:pPr>
-              <a:t>10/12/2020</a:t>
+              <a:t>10/13/2020</a:t>
             </a:fld>
             <a:endParaRPr lang="en-US" dirty="0">
               <a:solidFill>
@@ -2191,7 +2191,7 @@
               <a:pPr>
                 <a:defRPr/>
               </a:pPr>
-              <a:t>10/12/2020</a:t>
+              <a:t>10/13/2020</a:t>
             </a:fld>
             <a:endParaRPr lang="en-US" dirty="0">
               <a:solidFill>
@@ -2522,7 +2522,7 @@
               <a:pPr>
                 <a:defRPr/>
               </a:pPr>
-              <a:t>10/12/2020</a:t>
+              <a:t>10/13/2020</a:t>
             </a:fld>
             <a:endParaRPr lang="en-US" dirty="0">
               <a:solidFill>
@@ -2987,7 +2987,7 @@
               <a:pPr>
                 <a:defRPr/>
               </a:pPr>
-              <a:t>10/12/2020</a:t>
+              <a:t>10/13/2020</a:t>
             </a:fld>
             <a:endParaRPr lang="en-US" dirty="0">
               <a:solidFill>
@@ -3150,7 +3150,7 @@
               <a:pPr>
                 <a:defRPr/>
               </a:pPr>
-              <a:t>10/12/2020</a:t>
+              <a:t>10/13/2020</a:t>
             </a:fld>
             <a:endParaRPr lang="en-US" dirty="0">
               <a:solidFill>
@@ -3291,7 +3291,7 @@
               <a:pPr>
                 <a:defRPr/>
               </a:pPr>
-              <a:t>10/12/2020</a:t>
+              <a:t>10/13/2020</a:t>
             </a:fld>
             <a:endParaRPr lang="en-US" dirty="0">
               <a:solidFill>
@@ -3612,7 +3612,7 @@
               <a:pPr>
                 <a:defRPr/>
               </a:pPr>
-              <a:t>10/12/2020</a:t>
+              <a:t>10/13/2020</a:t>
             </a:fld>
             <a:endParaRPr lang="en-US" dirty="0">
               <a:solidFill>
@@ -3820,7 +3820,7 @@
               <a:pPr>
                 <a:defRPr/>
               </a:pPr>
-              <a:t>10/12/2020</a:t>
+              <a:t>10/13/2020</a:t>
             </a:fld>
             <a:endParaRPr lang="en-US" dirty="0"/>
           </a:p>
@@ -4103,7 +4103,7 @@
               <a:pPr>
                 <a:defRPr/>
               </a:pPr>
-              <a:t>10/12/2020</a:t>
+              <a:t>10/13/2020</a:t>
             </a:fld>
             <a:endParaRPr lang="en-US" dirty="0">
               <a:solidFill>
@@ -4317,7 +4317,7 @@
               <a:pPr>
                 <a:defRPr/>
               </a:pPr>
-              <a:t>10/12/2020</a:t>
+              <a:t>10/13/2020</a:t>
             </a:fld>
             <a:endParaRPr lang="en-US" dirty="0">
               <a:solidFill>
@@ -4541,7 +4541,7 @@
               <a:pPr>
                 <a:defRPr/>
               </a:pPr>
-              <a:t>10/12/2020</a:t>
+              <a:t>10/13/2020</a:t>
             </a:fld>
             <a:endParaRPr lang="en-US" dirty="0">
               <a:solidFill>
@@ -4751,7 +4751,7 @@
               <a:pPr>
                 <a:defRPr/>
               </a:pPr>
-              <a:t>10/12/2020</a:t>
+              <a:t>10/13/2020</a:t>
             </a:fld>
             <a:endParaRPr lang="en-US" dirty="0">
               <a:solidFill>
@@ -5028,7 +5028,7 @@
               <a:pPr>
                 <a:defRPr/>
               </a:pPr>
-              <a:t>10/12/2020</a:t>
+              <a:t>10/13/2020</a:t>
             </a:fld>
             <a:endParaRPr lang="en-US" dirty="0"/>
           </a:p>
@@ -5335,7 +5335,7 @@
               <a:pPr>
                 <a:defRPr/>
               </a:pPr>
-              <a:t>10/12/2020</a:t>
+              <a:t>10/13/2020</a:t>
             </a:fld>
             <a:endParaRPr lang="en-US" dirty="0"/>
           </a:p>
@@ -5776,7 +5776,7 @@
               <a:pPr>
                 <a:defRPr/>
               </a:pPr>
-              <a:t>10/12/2020</a:t>
+              <a:t>10/13/2020</a:t>
             </a:fld>
             <a:endParaRPr lang="en-US" dirty="0"/>
           </a:p>
@@ -5915,7 +5915,7 @@
               <a:pPr>
                 <a:defRPr/>
               </a:pPr>
-              <a:t>10/12/2020</a:t>
+              <a:t>10/13/2020</a:t>
             </a:fld>
             <a:endParaRPr lang="en-US" dirty="0"/>
           </a:p>
@@ -6032,7 +6032,7 @@
               <a:pPr>
                 <a:defRPr/>
               </a:pPr>
-              <a:t>10/12/2020</a:t>
+              <a:t>10/13/2020</a:t>
             </a:fld>
             <a:endParaRPr lang="en-US" dirty="0"/>
           </a:p>
@@ -6329,7 +6329,7 @@
               <a:pPr>
                 <a:defRPr/>
               </a:pPr>
-              <a:t>10/12/2020</a:t>
+              <a:t>10/13/2020</a:t>
             </a:fld>
             <a:endParaRPr lang="en-US" dirty="0"/>
           </a:p>
@@ -6606,7 +6606,7 @@
               <a:pPr>
                 <a:defRPr/>
               </a:pPr>
-              <a:t>10/12/2020</a:t>
+              <a:t>10/13/2020</a:t>
             </a:fld>
             <a:endParaRPr lang="en-US" dirty="0"/>
           </a:p>
@@ -6863,7 +6863,7 @@
               <a:pPr>
                 <a:defRPr/>
               </a:pPr>
-              <a:t>10/12/2020</a:t>
+              <a:t>10/13/2020</a:t>
             </a:fld>
             <a:endParaRPr lang="en-US" dirty="0"/>
           </a:p>
@@ -7573,7 +7573,7 @@
               <a:pPr>
                 <a:defRPr/>
               </a:pPr>
-              <a:t>10/12/2020</a:t>
+              <a:t>10/13/2020</a:t>
             </a:fld>
             <a:endParaRPr lang="en-US" dirty="0">
               <a:solidFill>
@@ -11437,7 +11437,7 @@
         <p:spPr>
           <a:xfrm>
             <a:off x="3810000" y="533400"/>
-            <a:ext cx="5334000" cy="1200329"/>
+            <a:ext cx="5334000" cy="5632311"/>
           </a:xfrm>
           <a:prstGeom prst="rect">
             <a:avLst/>
@@ -11476,15 +11476,67 @@
                   <a:srgbClr val="404040"/>
                 </a:solidFill>
               </a:rPr>
-              <a:t>Use </a:t>
-            </a:r>
-            <a:r>
-              <a:rPr lang="en-US">
+              <a:t>Use a Double Loop</a:t>
+            </a:r>
+          </a:p>
+          <a:p>
+            <a:pPr marL="800100" lvl="1" indent="-342900">
+              <a:buFont typeface="Arial" panose="020B0604020202020204" pitchFamily="34" charset="0"/>
+              <a:buChar char="•"/>
+              <a:defRPr/>
+            </a:pPr>
+            <a:r>
+              <a:rPr lang="en-US" dirty="0">
                 <a:solidFill>
                   <a:srgbClr val="404040"/>
                 </a:solidFill>
               </a:rPr>
-              <a:t>a Double Loop</a:t>
+              <a:t>Building a 12x7 Table</a:t>
+            </a:r>
+          </a:p>
+          <a:p>
+            <a:pPr marL="800100" lvl="1" indent="-342900">
+              <a:buFont typeface="Arial" panose="020B0604020202020204" pitchFamily="34" charset="0"/>
+              <a:buChar char="•"/>
+              <a:defRPr/>
+            </a:pPr>
+            <a:r>
+              <a:rPr lang="en-US" dirty="0">
+                <a:solidFill>
+                  <a:srgbClr val="404040"/>
+                </a:solidFill>
+              </a:rPr>
+              <a:t>Start with NA’s</a:t>
+            </a:r>
+          </a:p>
+          <a:p>
+            <a:pPr marL="800100" lvl="1" indent="-342900">
+              <a:buFont typeface="Arial" panose="020B0604020202020204" pitchFamily="34" charset="0"/>
+              <a:buChar char="•"/>
+              <a:defRPr/>
+            </a:pPr>
+            <a:r>
+              <a:rPr lang="en-US" dirty="0">
+                <a:solidFill>
+                  <a:srgbClr val="404040"/>
+                </a:solidFill>
+              </a:rPr>
+              <a:t>Imputing the Mean Temperature  for Each Month and Day</a:t>
+            </a:r>
+          </a:p>
+          <a:p>
+            <a:pPr marL="800100" lvl="1" indent="-342900">
+              <a:buFont typeface="Arial" panose="020B0604020202020204" pitchFamily="34" charset="0"/>
+              <a:buChar char="•"/>
+              <a:defRPr/>
+            </a:pPr>
+            <a:r>
+              <a:rPr lang="en-US" dirty="0">
+                <a:solidFill>
+                  <a:srgbClr val="404040"/>
+                </a:solidFill>
+              </a:rPr>
+              <a:t>Run This and Think:</a:t>
             </a:r>
           </a:p>
           <a:p>
@@ -11498,6 +11550,191 @@
                 <a:srgbClr val="404040"/>
               </a:solidFill>
             </a:endParaRPr>
+          </a:p>
+          <a:p>
+            <a:pPr marL="800100" lvl="1" indent="-342900">
+              <a:buFont typeface="Arial" panose="020B0604020202020204" pitchFamily="34" charset="0"/>
+              <a:buChar char="•"/>
+              <a:defRPr/>
+            </a:pPr>
+            <a:endParaRPr lang="en-US" dirty="0">
+              <a:solidFill>
+                <a:srgbClr val="404040"/>
+              </a:solidFill>
+            </a:endParaRPr>
+          </a:p>
+          <a:p>
+            <a:pPr marL="800100" lvl="1" indent="-342900">
+              <a:buFont typeface="Arial" panose="020B0604020202020204" pitchFamily="34" charset="0"/>
+              <a:buChar char="•"/>
+              <a:defRPr/>
+            </a:pPr>
+            <a:endParaRPr lang="en-US" dirty="0">
+              <a:solidFill>
+                <a:srgbClr val="404040"/>
+              </a:solidFill>
+            </a:endParaRPr>
+          </a:p>
+          <a:p>
+            <a:pPr marL="342900" indent="-342900">
+              <a:buFont typeface="Arial" panose="020B0604020202020204" pitchFamily="34" charset="0"/>
+              <a:buChar char="•"/>
+              <a:defRPr/>
+            </a:pPr>
+            <a:endParaRPr lang="en-US" dirty="0">
+              <a:solidFill>
+                <a:srgbClr val="404040"/>
+              </a:solidFill>
+            </a:endParaRPr>
+          </a:p>
+          <a:p>
+            <a:pPr marL="342900" indent="-342900">
+              <a:buFont typeface="Arial" panose="020B0604020202020204" pitchFamily="34" charset="0"/>
+              <a:buChar char="•"/>
+              <a:defRPr/>
+            </a:pPr>
+            <a:r>
+              <a:rPr lang="en-US" dirty="0">
+                <a:solidFill>
+                  <a:srgbClr val="404040"/>
+                </a:solidFill>
+              </a:rPr>
+              <a:t>Question 2</a:t>
+            </a:r>
+          </a:p>
+          <a:p>
+            <a:pPr marL="800100" lvl="1" indent="-342900">
+              <a:buFont typeface="Arial" panose="020B0604020202020204" pitchFamily="34" charset="0"/>
+              <a:buChar char="•"/>
+              <a:defRPr/>
+            </a:pPr>
+            <a:r>
+              <a:rPr lang="en-US" dirty="0">
+                <a:solidFill>
+                  <a:srgbClr val="404040"/>
+                </a:solidFill>
+              </a:rPr>
+              <a:t>Create Function that Computes Range</a:t>
+            </a:r>
+          </a:p>
+          <a:p>
+            <a:pPr marL="800100" lvl="1" indent="-342900">
+              <a:buFont typeface="Arial" panose="020B0604020202020204" pitchFamily="34" charset="0"/>
+              <a:buChar char="•"/>
+              <a:defRPr/>
+            </a:pPr>
+            <a:r>
+              <a:rPr lang="en-US" dirty="0">
+                <a:solidFill>
+                  <a:srgbClr val="404040"/>
+                </a:solidFill>
+              </a:rPr>
+              <a:t>Do Not Use print() in Function</a:t>
+            </a:r>
+          </a:p>
+        </p:txBody>
+      </p:sp>
+      <p:sp>
+        <p:nvSpPr>
+          <p:cNvPr id="3" name="TextBox 2">
+            <a:extLst>
+              <a:ext uri="{FF2B5EF4-FFF2-40B4-BE49-F238E27FC236}">
+                <a16:creationId xmlns:a16="http://schemas.microsoft.com/office/drawing/2014/main" id="{D6815D47-0425-47D7-99C2-8EBA3E21CEAE}"/>
+              </a:ext>
+            </a:extLst>
+          </p:cNvPr>
+          <p:cNvSpPr txBox="1"/>
+          <p:nvPr/>
+        </p:nvSpPr>
+        <p:spPr>
+          <a:xfrm>
+            <a:off x="4720388" y="3244334"/>
+            <a:ext cx="3759497" cy="369332"/>
+          </a:xfrm>
+          <a:prstGeom prst="rect">
+            <a:avLst/>
+          </a:prstGeom>
+          <a:solidFill>
+            <a:srgbClr val="404040"/>
+          </a:solidFill>
+          <a:ln>
+            <a:noFill/>
+          </a:ln>
+        </p:spPr>
+        <p:txBody>
+          <a:bodyPr wrap="square" rtlCol="0">
+            <a:spAutoFit/>
+          </a:bodyPr>
+          <a:lstStyle/>
+          <a:p>
+            <a:r>
+              <a:rPr lang="en-US" sz="1800" dirty="0" err="1">
+                <a:solidFill>
+                  <a:schemeClr val="bg1"/>
+                </a:solidFill>
+              </a:rPr>
+              <a:t>rownames</a:t>
+            </a:r>
+            <a:r>
+              <a:rPr lang="en-US" sz="1800" dirty="0">
+                <a:solidFill>
+                  <a:schemeClr val="bg1"/>
+                </a:solidFill>
+              </a:rPr>
+              <a:t>(MEAN.TEMP.TRAIN)[4]</a:t>
+            </a:r>
+          </a:p>
+        </p:txBody>
+      </p:sp>
+      <p:sp>
+        <p:nvSpPr>
+          <p:cNvPr id="4" name="TextBox 3">
+            <a:extLst>
+              <a:ext uri="{FF2B5EF4-FFF2-40B4-BE49-F238E27FC236}">
+                <a16:creationId xmlns:a16="http://schemas.microsoft.com/office/drawing/2014/main" id="{36793C4D-B62E-4DD5-9EF9-2A7713AC1017}"/>
+              </a:ext>
+            </a:extLst>
+          </p:cNvPr>
+          <p:cNvSpPr txBox="1"/>
+          <p:nvPr/>
+        </p:nvSpPr>
+        <p:spPr>
+          <a:xfrm>
+            <a:off x="4720387" y="3766066"/>
+            <a:ext cx="3759497" cy="369332"/>
+          </a:xfrm>
+          <a:prstGeom prst="rect">
+            <a:avLst/>
+          </a:prstGeom>
+          <a:solidFill>
+            <a:srgbClr val="404040"/>
+          </a:solidFill>
+          <a:ln>
+            <a:noFill/>
+          </a:ln>
+        </p:spPr>
+        <p:txBody>
+          <a:bodyPr wrap="square" rtlCol="0">
+            <a:spAutoFit/>
+          </a:bodyPr>
+          <a:lstStyle/>
+          <a:p>
+            <a:r>
+              <a:rPr lang="en-US" sz="1800" dirty="0" err="1">
+                <a:solidFill>
+                  <a:schemeClr val="bg1"/>
+                </a:solidFill>
+              </a:rPr>
+              <a:t>colnames</a:t>
+            </a:r>
+            <a:r>
+              <a:rPr lang="en-US" sz="1800" dirty="0">
+                <a:solidFill>
+                  <a:schemeClr val="bg1"/>
+                </a:solidFill>
+              </a:rPr>
+              <a:t>(MEAN.TEMP.TRAIN)[6]</a:t>
+            </a:r>
           </a:p>
         </p:txBody>
       </p:sp>
@@ -11700,7 +11937,7 @@
                 <a:ea typeface="+mj-ea"/>
                 <a:cs typeface="+mj-cs"/>
               </a:rPr>
-              <a:t>Discussion</a:t>
+              <a:t>Summarizing Data</a:t>
             </a:r>
           </a:p>
         </p:txBody>
@@ -11750,7 +11987,7 @@
         <p:spPr>
           <a:xfrm>
             <a:off x="3810000" y="533400"/>
-            <a:ext cx="5334000" cy="6001643"/>
+            <a:ext cx="5334000" cy="6370975"/>
           </a:xfrm>
           <a:prstGeom prst="rect">
             <a:avLst/>
@@ -11774,11 +12011,43 @@
                   <a:srgbClr val="404040"/>
                 </a:solidFill>
               </a:rPr>
-              <a:t>Steps:</a:t>
-            </a:r>
-          </a:p>
-          <a:p>
-            <a:pPr>
+              <a:t>Question 3</a:t>
+            </a:r>
+          </a:p>
+          <a:p>
+            <a:pPr marL="800100" lvl="1" indent="-342900">
+              <a:buFont typeface="Arial" panose="020B0604020202020204" pitchFamily="34" charset="0"/>
+              <a:buChar char="•"/>
+              <a:defRPr/>
+            </a:pPr>
+            <a:r>
+              <a:rPr lang="en-US" dirty="0">
+                <a:solidFill>
+                  <a:srgbClr val="404040"/>
+                </a:solidFill>
+              </a:rPr>
+              <a:t>Apply() Function to Matrix</a:t>
+            </a:r>
+          </a:p>
+          <a:p>
+            <a:pPr marL="1257300" lvl="2" indent="-342900">
+              <a:buFont typeface="Arial" panose="020B0604020202020204" pitchFamily="34" charset="0"/>
+              <a:buChar char="•"/>
+              <a:defRPr/>
+            </a:pPr>
+            <a:r>
+              <a:rPr lang="en-US" dirty="0">
+                <a:solidFill>
+                  <a:srgbClr val="404040"/>
+                </a:solidFill>
+              </a:rPr>
+              <a:t>To Rows</a:t>
+            </a:r>
+          </a:p>
+          <a:p>
+            <a:pPr marL="1257300" lvl="2" indent="-342900">
+              <a:buFont typeface="Arial" panose="020B0604020202020204" pitchFamily="34" charset="0"/>
+              <a:buChar char="•"/>
               <a:defRPr/>
             </a:pPr>
             <a:endParaRPr lang="en-US" dirty="0">
@@ -11793,36 +12062,6 @@
               <a:buChar char="•"/>
               <a:defRPr/>
             </a:pPr>
-            <a:r>
-              <a:rPr lang="en-US" dirty="0">
-                <a:solidFill>
-                  <a:srgbClr val="404040"/>
-                </a:solidFill>
-              </a:rPr>
-              <a:t>Given the Day in April, Create Function that Outputs the Associated Row </a:t>
-            </a:r>
-          </a:p>
-          <a:p>
-            <a:pPr marL="800100" lvl="1" indent="-342900">
-              <a:buFont typeface="Arial" panose="020B0604020202020204" pitchFamily="34" charset="0"/>
-              <a:buChar char="•"/>
-              <a:defRPr/>
-            </a:pPr>
-            <a:r>
-              <a:rPr lang="en-US" dirty="0">
-                <a:solidFill>
-                  <a:srgbClr val="404040"/>
-                </a:solidFill>
-              </a:rPr>
-              <a:t>Use the Function in a Loop to Construct the Table</a:t>
-            </a:r>
-          </a:p>
-          <a:p>
-            <a:pPr marL="800100" lvl="1" indent="-342900">
-              <a:buFont typeface="Arial" panose="020B0604020202020204" pitchFamily="34" charset="0"/>
-              <a:buChar char="•"/>
-              <a:defRPr/>
-            </a:pPr>
             <a:endParaRPr lang="en-US" dirty="0">
               <a:solidFill>
                 <a:srgbClr val="404040"/>
@@ -11830,7 +12069,7 @@
             </a:endParaRPr>
           </a:p>
           <a:p>
-            <a:pPr marL="342900" indent="-342900">
+            <a:pPr marL="1257300" lvl="2" indent="-342900">
               <a:buFont typeface="Arial" panose="020B0604020202020204" pitchFamily="34" charset="0"/>
               <a:buChar char="•"/>
               <a:defRPr/>
@@ -11841,41 +12080,11 @@
                   <a:srgbClr val="404040"/>
                 </a:solidFill>
               </a:rPr>
-              <a:t>Two Loops</a:t>
-            </a:r>
-          </a:p>
-          <a:p>
-            <a:pPr marL="800100" lvl="1" indent="-342900">
-              <a:buFont typeface="Arial" panose="020B0604020202020204" pitchFamily="34" charset="0"/>
-              <a:buChar char="•"/>
-              <a:defRPr/>
-            </a:pPr>
-            <a:r>
-              <a:rPr lang="en-US" dirty="0">
-                <a:solidFill>
-                  <a:srgbClr val="404040"/>
-                </a:solidFill>
-              </a:rPr>
-              <a:t>Initiate with NULL</a:t>
-            </a:r>
-          </a:p>
-          <a:p>
-            <a:pPr marL="800100" lvl="1" indent="-342900">
-              <a:buFont typeface="Arial" panose="020B0604020202020204" pitchFamily="34" charset="0"/>
-              <a:buChar char="•"/>
-              <a:defRPr/>
-            </a:pPr>
-            <a:r>
-              <a:rPr lang="en-US" dirty="0">
-                <a:solidFill>
-                  <a:srgbClr val="404040"/>
-                </a:solidFill>
-              </a:rPr>
-              <a:t>Initiate with Empty Tibble</a:t>
-            </a:r>
-          </a:p>
-          <a:p>
-            <a:pPr marL="800100" lvl="1" indent="-342900">
+              <a:t>To Columns</a:t>
+            </a:r>
+          </a:p>
+          <a:p>
+            <a:pPr marL="1257300" lvl="2" indent="-342900">
               <a:buFont typeface="Arial" panose="020B0604020202020204" pitchFamily="34" charset="0"/>
               <a:buChar char="•"/>
               <a:defRPr/>
@@ -11887,22 +12096,7 @@
             </a:endParaRPr>
           </a:p>
           <a:p>
-            <a:pPr marL="342900" indent="-342900">
-              <a:buFont typeface="Arial" panose="020B0604020202020204" pitchFamily="34" charset="0"/>
-              <a:buChar char="•"/>
-              <a:defRPr/>
-            </a:pPr>
-            <a:r>
-              <a:rPr lang="en-US" dirty="0">
-                <a:solidFill>
-                  <a:srgbClr val="404040"/>
-                </a:solidFill>
-              </a:rPr>
-              <a:t>Look at Lecture on Loops</a:t>
-            </a:r>
-          </a:p>
-          <a:p>
-            <a:pPr marL="342900" indent="-342900">
+            <a:pPr marL="1257300" lvl="2" indent="-342900">
               <a:buFont typeface="Arial" panose="020B0604020202020204" pitchFamily="34" charset="0"/>
               <a:buChar char="•"/>
               <a:defRPr/>
@@ -11919,26 +12113,181 @@
               <a:buChar char="•"/>
               <a:defRPr/>
             </a:pPr>
-            <a:r>
-              <a:rPr lang="en-US" dirty="0">
-                <a:solidFill>
-                  <a:srgbClr val="404040"/>
-                </a:solidFill>
-              </a:rPr>
-              <a:t>Q3 is Tricky</a:t>
-            </a:r>
-          </a:p>
-          <a:p>
-            <a:pPr marL="342900" indent="-342900">
-              <a:buFont typeface="Arial" panose="020B0604020202020204" pitchFamily="34" charset="0"/>
-              <a:buChar char="•"/>
-              <a:defRPr/>
-            </a:pPr>
             <a:endParaRPr lang="en-US" dirty="0">
               <a:solidFill>
                 <a:srgbClr val="404040"/>
               </a:solidFill>
             </a:endParaRPr>
+          </a:p>
+          <a:p>
+            <a:pPr marL="342900" indent="-342900">
+              <a:buFont typeface="Arial" panose="020B0604020202020204" pitchFamily="34" charset="0"/>
+              <a:buChar char="•"/>
+              <a:defRPr/>
+            </a:pPr>
+            <a:r>
+              <a:rPr lang="en-US" dirty="0">
+                <a:solidFill>
+                  <a:srgbClr val="404040"/>
+                </a:solidFill>
+              </a:rPr>
+              <a:t>Question 4</a:t>
+            </a:r>
+          </a:p>
+          <a:p>
+            <a:pPr marL="800100" lvl="1" indent="-342900">
+              <a:buFont typeface="Arial" panose="020B0604020202020204" pitchFamily="34" charset="0"/>
+              <a:buChar char="•"/>
+              <a:defRPr/>
+            </a:pPr>
+            <a:r>
+              <a:rPr lang="en-US" dirty="0">
+                <a:solidFill>
+                  <a:srgbClr val="404040"/>
+                </a:solidFill>
+              </a:rPr>
+              <a:t>Loop Through All Observations</a:t>
+            </a:r>
+          </a:p>
+          <a:p>
+            <a:pPr marL="800100" lvl="1" indent="-342900">
+              <a:buFont typeface="Arial" panose="020B0604020202020204" pitchFamily="34" charset="0"/>
+              <a:buChar char="•"/>
+              <a:defRPr/>
+            </a:pPr>
+            <a:r>
+              <a:rPr lang="en-US" dirty="0">
+                <a:solidFill>
+                  <a:srgbClr val="404040"/>
+                </a:solidFill>
+              </a:rPr>
+              <a:t>Start with NULL to Create Vector of Humidity</a:t>
+            </a:r>
+          </a:p>
+          <a:p>
+            <a:pPr marL="800100" lvl="1" indent="-342900">
+              <a:buFont typeface="Arial" panose="020B0604020202020204" pitchFamily="34" charset="0"/>
+              <a:buChar char="•"/>
+              <a:defRPr/>
+            </a:pPr>
+            <a:r>
+              <a:rPr lang="en-US" dirty="0">
+                <a:solidFill>
+                  <a:srgbClr val="404040"/>
+                </a:solidFill>
+              </a:rPr>
+              <a:t>Explain Results from t-Test in the Context of the Problem</a:t>
+            </a:r>
+          </a:p>
+          <a:p>
+            <a:pPr lvl="1">
+              <a:defRPr/>
+            </a:pPr>
+            <a:endParaRPr lang="en-US" dirty="0">
+              <a:solidFill>
+                <a:srgbClr val="404040"/>
+              </a:solidFill>
+            </a:endParaRPr>
+          </a:p>
+          <a:p>
+            <a:pPr marL="800100" lvl="1" indent="-342900">
+              <a:buFont typeface="Arial" panose="020B0604020202020204" pitchFamily="34" charset="0"/>
+              <a:buChar char="•"/>
+              <a:defRPr/>
+            </a:pPr>
+            <a:endParaRPr lang="en-US" dirty="0">
+              <a:solidFill>
+                <a:srgbClr val="404040"/>
+              </a:solidFill>
+            </a:endParaRPr>
+          </a:p>
+        </p:txBody>
+      </p:sp>
+      <p:sp>
+        <p:nvSpPr>
+          <p:cNvPr id="5" name="TextBox 4">
+            <a:extLst>
+              <a:ext uri="{FF2B5EF4-FFF2-40B4-BE49-F238E27FC236}">
+                <a16:creationId xmlns:a16="http://schemas.microsoft.com/office/drawing/2014/main" id="{30390EC5-F251-407B-8776-CD53A84C1299}"/>
+              </a:ext>
+            </a:extLst>
+          </p:cNvPr>
+          <p:cNvSpPr txBox="1"/>
+          <p:nvPr/>
+        </p:nvSpPr>
+        <p:spPr>
+          <a:xfrm>
+            <a:off x="5257800" y="1854885"/>
+            <a:ext cx="2819400" cy="369332"/>
+          </a:xfrm>
+          <a:prstGeom prst="rect">
+            <a:avLst/>
+          </a:prstGeom>
+          <a:solidFill>
+            <a:srgbClr val="404040"/>
+          </a:solidFill>
+          <a:ln>
+            <a:noFill/>
+          </a:ln>
+        </p:spPr>
+        <p:txBody>
+          <a:bodyPr wrap="square" rtlCol="0">
+            <a:spAutoFit/>
+          </a:bodyPr>
+          <a:lstStyle/>
+          <a:p>
+            <a:r>
+              <a:rPr lang="en-US" sz="1800" dirty="0">
+                <a:solidFill>
+                  <a:schemeClr val="bg1"/>
+                </a:solidFill>
+              </a:rPr>
+              <a:t>apply(Matrix, 1, Function)</a:t>
+            </a:r>
+          </a:p>
+        </p:txBody>
+      </p:sp>
+      <p:sp>
+        <p:nvSpPr>
+          <p:cNvPr id="7" name="TextBox 6">
+            <a:extLst>
+              <a:ext uri="{FF2B5EF4-FFF2-40B4-BE49-F238E27FC236}">
+                <a16:creationId xmlns:a16="http://schemas.microsoft.com/office/drawing/2014/main" id="{F44D0EAD-7A82-4738-833C-93EE2C9D85AB}"/>
+              </a:ext>
+            </a:extLst>
+          </p:cNvPr>
+          <p:cNvSpPr txBox="1"/>
+          <p:nvPr/>
+        </p:nvSpPr>
+        <p:spPr>
+          <a:xfrm>
+            <a:off x="5257800" y="2907268"/>
+            <a:ext cx="2819400" cy="369332"/>
+          </a:xfrm>
+          <a:prstGeom prst="rect">
+            <a:avLst/>
+          </a:prstGeom>
+          <a:solidFill>
+            <a:srgbClr val="404040"/>
+          </a:solidFill>
+          <a:ln>
+            <a:noFill/>
+          </a:ln>
+        </p:spPr>
+        <p:txBody>
+          <a:bodyPr wrap="square" rtlCol="0">
+            <a:spAutoFit/>
+          </a:bodyPr>
+          <a:lstStyle/>
+          <a:p>
+            <a:r>
+              <a:rPr lang="en-US" sz="1800" dirty="0">
+                <a:solidFill>
+                  <a:schemeClr val="bg1"/>
+                </a:solidFill>
+              </a:rPr>
+              <a:t>apply(Matrix, 2, Function)</a:t>
+            </a:r>
           </a:p>
         </p:txBody>
       </p:sp>
@@ -11948,7 +12297,7 @@
     </p:custDataLst>
     <p:extLst>
       <p:ext uri="{BB962C8B-B14F-4D97-AF65-F5344CB8AC3E}">
-        <p14:creationId xmlns:p14="http://schemas.microsoft.com/office/powerpoint/2010/main" val="1436674229"/>
+        <p14:creationId xmlns:p14="http://schemas.microsoft.com/office/powerpoint/2010/main" val="1268389006"/>
       </p:ext>
     </p:extLst>
   </p:cSld>
@@ -12141,7 +12490,7 @@
                 <a:ea typeface="+mj-ea"/>
                 <a:cs typeface="+mj-cs"/>
               </a:rPr>
-              <a:t>Discussion</a:t>
+              <a:t>Time Series Variables</a:t>
             </a:r>
           </a:p>
         </p:txBody>
@@ -12181,7 +12530,7 @@
           <p:cNvPr id="6" name="TextBox 5">
             <a:extLst>
               <a:ext uri="{FF2B5EF4-FFF2-40B4-BE49-F238E27FC236}">
-                <a16:creationId xmlns:a16="http://schemas.microsoft.com/office/drawing/2014/main" id="{89EB28F7-6B01-4131-9327-B2370B378445}"/>
+                <a16:creationId xmlns:a16="http://schemas.microsoft.com/office/drawing/2014/main" id="{4B62062A-063A-4651-BA22-3EE3D36EBD57}"/>
               </a:ext>
             </a:extLst>
           </p:cNvPr>
@@ -12190,8 +12539,8 @@
         </p:nvSpPr>
         <p:spPr>
           <a:xfrm>
-            <a:off x="3810000" y="507623"/>
-            <a:ext cx="5334000" cy="6370975"/>
+            <a:off x="3810000" y="533400"/>
+            <a:ext cx="5334000" cy="5632311"/>
           </a:xfrm>
           <a:prstGeom prst="rect">
             <a:avLst/>
@@ -12215,11 +12564,26 @@
                   <a:srgbClr val="404040"/>
                 </a:solidFill>
               </a:rPr>
-              <a:t>Functions That Apply Functions Across Dimensions Of R Object</a:t>
-            </a:r>
-          </a:p>
-          <a:p>
-            <a:pPr marL="342900" indent="-342900">
+              <a:t>Question 1</a:t>
+            </a:r>
+          </a:p>
+          <a:p>
+            <a:pPr marL="800100" lvl="1" indent="-342900">
+              <a:buFont typeface="Arial" panose="020B0604020202020204" pitchFamily="34" charset="0"/>
+              <a:buChar char="•"/>
+              <a:defRPr/>
+            </a:pPr>
+            <a:r>
+              <a:rPr lang="en-US" dirty="0">
+                <a:solidFill>
+                  <a:srgbClr val="404040"/>
+                </a:solidFill>
+              </a:rPr>
+              <a:t>Create Percent Change</a:t>
+            </a:r>
+          </a:p>
+          <a:p>
+            <a:pPr marL="800100" lvl="1" indent="-342900">
               <a:buFont typeface="Arial" panose="020B0604020202020204" pitchFamily="34" charset="0"/>
               <a:buChar char="•"/>
               <a:defRPr/>
@@ -12231,22 +12595,7 @@
             </a:endParaRPr>
           </a:p>
           <a:p>
-            <a:pPr marL="342900" indent="-342900">
-              <a:buFont typeface="Arial" panose="020B0604020202020204" pitchFamily="34" charset="0"/>
-              <a:buChar char="•"/>
-              <a:defRPr/>
-            </a:pPr>
-            <a:r>
-              <a:rPr lang="en-US" dirty="0">
-                <a:solidFill>
-                  <a:srgbClr val="404040"/>
-                </a:solidFill>
-              </a:rPr>
-              <a:t>Doesn’t Require a Loop</a:t>
-            </a:r>
-          </a:p>
-          <a:p>
-            <a:pPr marL="342900" indent="-342900">
+            <a:pPr marL="800100" lvl="1" indent="-342900">
               <a:buFont typeface="Arial" panose="020B0604020202020204" pitchFamily="34" charset="0"/>
               <a:buChar char="•"/>
               <a:defRPr/>
@@ -12258,21 +12607,6 @@
             </a:endParaRPr>
           </a:p>
           <a:p>
-            <a:pPr marL="342900" indent="-342900">
-              <a:buFont typeface="Arial" panose="020B0604020202020204" pitchFamily="34" charset="0"/>
-              <a:buChar char="•"/>
-              <a:defRPr/>
-            </a:pPr>
-            <a:r>
-              <a:rPr lang="en-US" dirty="0">
-                <a:solidFill>
-                  <a:srgbClr val="404040"/>
-                </a:solidFill>
-              </a:rPr>
-              <a:t>Tibbles are Matrices</a:t>
-            </a:r>
-          </a:p>
-          <a:p>
             <a:pPr marL="800100" lvl="1" indent="-342900">
               <a:buFont typeface="Arial" panose="020B0604020202020204" pitchFamily="34" charset="0"/>
               <a:buChar char="•"/>
@@ -12284,7 +12618,7 @@
                   <a:srgbClr val="404040"/>
                 </a:solidFill>
               </a:rPr>
-              <a:t>Apply Functions to Rows</a:t>
+              <a:t>Use a Loop To Create</a:t>
             </a:r>
           </a:p>
           <a:p>
@@ -12299,7 +12633,7 @@
                   <a:srgbClr val="404040"/>
                 </a:solidFill>
               </a:rPr>
-              <a:t>Apply Functions to Columns (Think Summarize)</a:t>
+              <a:t>Look Back at Original Lag Function from Lecture</a:t>
             </a:r>
           </a:p>
           <a:p>
@@ -12326,7 +12660,7 @@
                   <a:srgbClr val="404040"/>
                 </a:solidFill>
               </a:rPr>
-              <a:t>Apply() Function to Matrix</a:t>
+              <a:t>Question 2</a:t>
             </a:r>
           </a:p>
           <a:p>
@@ -12341,7 +12675,7 @@
                   <a:srgbClr val="404040"/>
                 </a:solidFill>
               </a:rPr>
-              <a:t>To Rows</a:t>
+              <a:t>Create Moving Average</a:t>
             </a:r>
           </a:p>
           <a:p>
@@ -12362,19 +12696,6 @@
               <a:buChar char="•"/>
               <a:defRPr/>
             </a:pPr>
-            <a:r>
-              <a:rPr lang="en-US" dirty="0">
-                <a:solidFill>
-                  <a:srgbClr val="404040"/>
-                </a:solidFill>
-              </a:rPr>
-              <a:t>To Columns</a:t>
-            </a:r>
-          </a:p>
-          <a:p>
-            <a:pPr lvl="1">
-              <a:defRPr/>
-            </a:pPr>
             <a:endParaRPr lang="en-US" dirty="0">
               <a:solidFill>
                 <a:srgbClr val="404040"/>
@@ -12382,9 +12703,19 @@
             </a:endParaRPr>
           </a:p>
           <a:p>
-            <a:pPr lvl="1">
-              <a:defRPr/>
-            </a:pPr>
+            <a:pPr marL="800100" lvl="1" indent="-342900">
+              <a:buFont typeface="Arial" panose="020B0604020202020204" pitchFamily="34" charset="0"/>
+              <a:buChar char="•"/>
+              <a:defRPr/>
+            </a:pPr>
+            <a:r>
+              <a:rPr lang="en-US">
+                <a:solidFill>
+                  <a:srgbClr val="404040"/>
+                </a:solidFill>
+              </a:rPr>
+              <a:t>Similar Process to First Question</a:t>
+            </a:r>
             <a:endParaRPr lang="en-US" dirty="0">
               <a:solidFill>
                 <a:srgbClr val="404040"/>
@@ -12392,117 +12723,124 @@
             </a:endParaRPr>
           </a:p>
           <a:p>
-            <a:pPr marL="342900" indent="-342900">
+            <a:pPr marL="800100" lvl="1" indent="-342900">
               <a:buFont typeface="Arial" panose="020B0604020202020204" pitchFamily="34" charset="0"/>
               <a:buChar char="•"/>
               <a:defRPr/>
             </a:pPr>
-            <a:r>
-              <a:rPr lang="en-US" dirty="0">
-                <a:solidFill>
-                  <a:srgbClr val="404040"/>
-                </a:solidFill>
-              </a:rPr>
-              <a:t>Start Working (Rest of Class)</a:t>
-            </a:r>
-          </a:p>
-        </p:txBody>
-      </p:sp>
-      <p:sp>
-        <p:nvSpPr>
-          <p:cNvPr id="3" name="TextBox 2">
+            <a:endParaRPr lang="en-US" dirty="0">
+              <a:solidFill>
+                <a:srgbClr val="404040"/>
+              </a:solidFill>
+            </a:endParaRPr>
+          </a:p>
+        </p:txBody>
+      </p:sp>
+      <p:pic>
+        <p:nvPicPr>
+          <p:cNvPr id="3" name="Picture 2">
             <a:extLst>
               <a:ext uri="{FF2B5EF4-FFF2-40B4-BE49-F238E27FC236}">
-                <a16:creationId xmlns:a16="http://schemas.microsoft.com/office/drawing/2014/main" id="{C34F6395-FF64-48E1-813C-9ECC7C7E78AF}"/>
+                <a16:creationId xmlns:a16="http://schemas.microsoft.com/office/drawing/2014/main" id="{018F24E1-3129-49C3-84D8-E652FD5854BC}"/>
               </a:ext>
             </a:extLst>
           </p:cNvPr>
-          <p:cNvSpPr txBox="1"/>
+          <p:cNvPicPr>
+            <a:picLocks noChangeAspect="1"/>
+          </p:cNvPicPr>
           <p:nvPr/>
-        </p:nvSpPr>
+        </p:nvPicPr>
+        <p:blipFill>
+          <a:blip r:embed="rId4"/>
+          <a:stretch>
+            <a:fillRect/>
+          </a:stretch>
+        </p:blipFill>
         <p:spPr>
           <a:xfrm>
-            <a:off x="4724400" y="4941332"/>
-            <a:ext cx="2819400" cy="369332"/>
+            <a:off x="3691398" y="1470284"/>
+            <a:ext cx="5334000" cy="398517"/>
           </a:xfrm>
           <a:prstGeom prst="rect">
             <a:avLst/>
           </a:prstGeom>
-          <a:solidFill>
-            <a:srgbClr val="404040"/>
-          </a:solidFill>
           <a:ln>
-            <a:noFill/>
+            <a:solidFill>
+              <a:srgbClr val="404040"/>
+            </a:solidFill>
           </a:ln>
         </p:spPr>
-        <p:txBody>
-          <a:bodyPr wrap="square" rtlCol="0">
-            <a:spAutoFit/>
-          </a:bodyPr>
-          <a:lstStyle/>
-          <a:p>
-            <a:r>
-              <a:rPr lang="en-US" sz="1800" dirty="0">
-                <a:solidFill>
-                  <a:schemeClr val="bg1"/>
-                </a:solidFill>
-              </a:rPr>
-              <a:t>apply(Matrix, 1, Function)</a:t>
-            </a:r>
-          </a:p>
-        </p:txBody>
-      </p:sp>
-      <p:sp>
-        <p:nvSpPr>
-          <p:cNvPr id="9" name="TextBox 8">
+        <p:style>
+          <a:lnRef idx="2">
+            <a:schemeClr val="dk1"/>
+          </a:lnRef>
+          <a:fillRef idx="1">
+            <a:schemeClr val="lt1"/>
+          </a:fillRef>
+          <a:effectRef idx="0">
+            <a:schemeClr val="dk1"/>
+          </a:effectRef>
+          <a:fontRef idx="minor">
+            <a:schemeClr val="dk1"/>
+          </a:fontRef>
+        </p:style>
+      </p:pic>
+      <p:pic>
+        <p:nvPicPr>
+          <p:cNvPr id="4" name="Picture 3">
             <a:extLst>
               <a:ext uri="{FF2B5EF4-FFF2-40B4-BE49-F238E27FC236}">
-                <a16:creationId xmlns:a16="http://schemas.microsoft.com/office/drawing/2014/main" id="{318327E8-3E93-4C52-9C6E-399C3332B116}"/>
+                <a16:creationId xmlns:a16="http://schemas.microsoft.com/office/drawing/2014/main" id="{B5E37A01-3E42-4460-B07D-564885FA457B}"/>
               </a:ext>
             </a:extLst>
           </p:cNvPr>
-          <p:cNvSpPr txBox="1"/>
+          <p:cNvPicPr>
+            <a:picLocks noChangeAspect="1"/>
+          </p:cNvPicPr>
           <p:nvPr/>
-        </p:nvSpPr>
+        </p:nvPicPr>
+        <p:blipFill>
+          <a:blip r:embed="rId5"/>
+          <a:stretch>
+            <a:fillRect/>
+          </a:stretch>
+        </p:blipFill>
         <p:spPr>
           <a:xfrm>
-            <a:off x="4724400" y="5669832"/>
-            <a:ext cx="2819400" cy="369332"/>
+            <a:off x="3684271" y="4371104"/>
+            <a:ext cx="5334000" cy="379494"/>
           </a:xfrm>
           <a:prstGeom prst="rect">
             <a:avLst/>
           </a:prstGeom>
-          <a:solidFill>
-            <a:srgbClr val="404040"/>
-          </a:solidFill>
           <a:ln>
-            <a:noFill/>
+            <a:solidFill>
+              <a:srgbClr val="404040"/>
+            </a:solidFill>
           </a:ln>
         </p:spPr>
-        <p:txBody>
-          <a:bodyPr wrap="square" rtlCol="0">
-            <a:spAutoFit/>
-          </a:bodyPr>
-          <a:lstStyle/>
-          <a:p>
-            <a:r>
-              <a:rPr lang="en-US" sz="1800" dirty="0">
-                <a:solidFill>
-                  <a:schemeClr val="bg1"/>
-                </a:solidFill>
-              </a:rPr>
-              <a:t>apply(Matrix, 2, Function)</a:t>
-            </a:r>
-          </a:p>
-        </p:txBody>
-      </p:sp>
+        <p:style>
+          <a:lnRef idx="2">
+            <a:schemeClr val="dk1"/>
+          </a:lnRef>
+          <a:fillRef idx="1">
+            <a:schemeClr val="lt1"/>
+          </a:fillRef>
+          <a:effectRef idx="0">
+            <a:schemeClr val="dk1"/>
+          </a:effectRef>
+          <a:fontRef idx="minor">
+            <a:schemeClr val="dk1"/>
+          </a:fontRef>
+        </p:style>
+      </p:pic>
     </p:spTree>
     <p:custDataLst>
       <p:tags r:id="rId1"/>
     </p:custDataLst>
     <p:extLst>
       <p:ext uri="{BB962C8B-B14F-4D97-AF65-F5344CB8AC3E}">
-        <p14:creationId xmlns:p14="http://schemas.microsoft.com/office/powerpoint/2010/main" val="49228164"/>
+        <p14:creationId xmlns:p14="http://schemas.microsoft.com/office/powerpoint/2010/main" val="2471765887"/>
       </p:ext>
     </p:extLst>
   </p:cSld>
